--- a/NET 5 - Journey To One NET.pptx
+++ b/NET 5 - Journey To One NET.pptx
@@ -4,12 +4,33 @@
   <p:sldMasterIdLst>
     <p:sldMasterId id="2147483648" r:id="rId1"/>
   </p:sldMasterIdLst>
+  <p:notesMasterIdLst>
+    <p:notesMasterId r:id="rId25"/>
+  </p:notesMasterIdLst>
   <p:sldIdLst>
     <p:sldId id="256" r:id="rId2"/>
     <p:sldId id="257" r:id="rId3"/>
     <p:sldId id="258" r:id="rId4"/>
-    <p:sldId id="259" r:id="rId5"/>
-    <p:sldId id="260" r:id="rId6"/>
+    <p:sldId id="279" r:id="rId5"/>
+    <p:sldId id="280" r:id="rId6"/>
+    <p:sldId id="261" r:id="rId7"/>
+    <p:sldId id="263" r:id="rId8"/>
+    <p:sldId id="265" r:id="rId9"/>
+    <p:sldId id="264" r:id="rId10"/>
+    <p:sldId id="266" r:id="rId11"/>
+    <p:sldId id="267" r:id="rId12"/>
+    <p:sldId id="268" r:id="rId13"/>
+    <p:sldId id="269" r:id="rId14"/>
+    <p:sldId id="271" r:id="rId15"/>
+    <p:sldId id="272" r:id="rId16"/>
+    <p:sldId id="260" r:id="rId17"/>
+    <p:sldId id="273" r:id="rId18"/>
+    <p:sldId id="274" r:id="rId19"/>
+    <p:sldId id="276" r:id="rId20"/>
+    <p:sldId id="262" r:id="rId21"/>
+    <p:sldId id="277" r:id="rId22"/>
+    <p:sldId id="278" r:id="rId23"/>
+    <p:sldId id="281" r:id="rId24"/>
   </p:sldIdLst>
   <p:sldSz cx="12192000" cy="6858000"/>
   <p:notesSz cx="6858000" cy="9144000"/>
@@ -108,7 +129,1436 @@
       </a:defRPr>
     </a:lvl9pPr>
   </p:defaultTextStyle>
+  <p:extLst>
+    <p:ext uri="{EFAFB233-063F-42B5-8137-9DF3F51BA10A}">
+      <p15:sldGuideLst xmlns:p15="http://schemas.microsoft.com/office/powerpoint/2012/main"/>
+    </p:ext>
+  </p:extLst>
 </p:presentation>
+</file>
+
+<file path=ppt/notesMasters/notesMaster1.xml><?xml version="1.0" encoding="utf-8"?>
+<p:notesMaster xmlns:a="http://schemas.openxmlformats.org/drawingml/2006/main" xmlns:r="http://schemas.openxmlformats.org/officeDocument/2006/relationships" xmlns:p="http://schemas.openxmlformats.org/presentationml/2006/main">
+  <p:cSld>
+    <p:bg>
+      <p:bgRef idx="1001">
+        <a:schemeClr val="bg1"/>
+      </p:bgRef>
+    </p:bg>
+    <p:spTree>
+      <p:nvGrpSpPr>
+        <p:cNvPr id="1" name=""/>
+        <p:cNvGrpSpPr/>
+        <p:nvPr/>
+      </p:nvGrpSpPr>
+      <p:grpSpPr>
+        <a:xfrm>
+          <a:off x="0" y="0"/>
+          <a:ext cx="0" cy="0"/>
+          <a:chOff x="0" y="0"/>
+          <a:chExt cx="0" cy="0"/>
+        </a:xfrm>
+      </p:grpSpPr>
+      <p:sp>
+        <p:nvSpPr>
+          <p:cNvPr id="2" name="Header Placeholder 1"/>
+          <p:cNvSpPr>
+            <a:spLocks noGrp="1"/>
+          </p:cNvSpPr>
+          <p:nvPr>
+            <p:ph type="hdr" sz="quarter"/>
+          </p:nvPr>
+        </p:nvSpPr>
+        <p:spPr>
+          <a:xfrm>
+            <a:off x="0" y="0"/>
+            <a:ext cx="2971800" cy="458788"/>
+          </a:xfrm>
+          <a:prstGeom prst="rect">
+            <a:avLst/>
+          </a:prstGeom>
+        </p:spPr>
+        <p:txBody>
+          <a:bodyPr vert="horz" lIns="91440" tIns="45720" rIns="91440" bIns="45720" rtlCol="0"/>
+          <a:lstStyle>
+            <a:lvl1pPr algn="l">
+              <a:defRPr sz="1200"/>
+            </a:lvl1pPr>
+          </a:lstStyle>
+          <a:p>
+            <a:endParaRPr lang="en-US"/>
+          </a:p>
+        </p:txBody>
+      </p:sp>
+      <p:sp>
+        <p:nvSpPr>
+          <p:cNvPr id="3" name="Date Placeholder 2"/>
+          <p:cNvSpPr>
+            <a:spLocks noGrp="1"/>
+          </p:cNvSpPr>
+          <p:nvPr>
+            <p:ph type="dt" idx="1"/>
+          </p:nvPr>
+        </p:nvSpPr>
+        <p:spPr>
+          <a:xfrm>
+            <a:off x="3884613" y="0"/>
+            <a:ext cx="2971800" cy="458788"/>
+          </a:xfrm>
+          <a:prstGeom prst="rect">
+            <a:avLst/>
+          </a:prstGeom>
+        </p:spPr>
+        <p:txBody>
+          <a:bodyPr vert="horz" lIns="91440" tIns="45720" rIns="91440" bIns="45720" rtlCol="0"/>
+          <a:lstStyle>
+            <a:lvl1pPr algn="r">
+              <a:defRPr sz="1200"/>
+            </a:lvl1pPr>
+          </a:lstStyle>
+          <a:p>
+            <a:fld id="{8220CB2E-8595-4892-836B-B1E103B7DB3F}" type="datetimeFigureOut">
+              <a:rPr lang="en-US" smtClean="0"/>
+              <a:t>11/2/2020</a:t>
+            </a:fld>
+            <a:endParaRPr lang="en-US"/>
+          </a:p>
+        </p:txBody>
+      </p:sp>
+      <p:sp>
+        <p:nvSpPr>
+          <p:cNvPr id="4" name="Slide Image Placeholder 3"/>
+          <p:cNvSpPr>
+            <a:spLocks noGrp="1" noRot="1" noChangeAspect="1"/>
+          </p:cNvSpPr>
+          <p:nvPr>
+            <p:ph type="sldImg" idx="2"/>
+          </p:nvPr>
+        </p:nvSpPr>
+        <p:spPr>
+          <a:xfrm>
+            <a:off x="685800" y="1143000"/>
+            <a:ext cx="5486400" cy="3086100"/>
+          </a:xfrm>
+          <a:prstGeom prst="rect">
+            <a:avLst/>
+          </a:prstGeom>
+          <a:noFill/>
+          <a:ln w="12700">
+            <a:solidFill>
+              <a:prstClr val="black"/>
+            </a:solidFill>
+          </a:ln>
+        </p:spPr>
+        <p:txBody>
+          <a:bodyPr vert="horz" lIns="91440" tIns="45720" rIns="91440" bIns="45720" rtlCol="0" anchor="ctr"/>
+          <a:lstStyle/>
+          <a:p>
+            <a:endParaRPr lang="en-US"/>
+          </a:p>
+        </p:txBody>
+      </p:sp>
+      <p:sp>
+        <p:nvSpPr>
+          <p:cNvPr id="5" name="Notes Placeholder 4"/>
+          <p:cNvSpPr>
+            <a:spLocks noGrp="1"/>
+          </p:cNvSpPr>
+          <p:nvPr>
+            <p:ph type="body" sz="quarter" idx="3"/>
+          </p:nvPr>
+        </p:nvSpPr>
+        <p:spPr>
+          <a:xfrm>
+            <a:off x="685800" y="4400550"/>
+            <a:ext cx="5486400" cy="3600450"/>
+          </a:xfrm>
+          <a:prstGeom prst="rect">
+            <a:avLst/>
+          </a:prstGeom>
+        </p:spPr>
+        <p:txBody>
+          <a:bodyPr vert="horz" lIns="91440" tIns="45720" rIns="91440" bIns="45720" rtlCol="0"/>
+          <a:lstStyle/>
+          <a:p>
+            <a:pPr lvl="0"/>
+            <a:r>
+              <a:rPr lang="en-US"/>
+              <a:t>Click to edit Master text styles</a:t>
+            </a:r>
+          </a:p>
+          <a:p>
+            <a:pPr lvl="1"/>
+            <a:r>
+              <a:rPr lang="en-US"/>
+              <a:t>Second level</a:t>
+            </a:r>
+          </a:p>
+          <a:p>
+            <a:pPr lvl="2"/>
+            <a:r>
+              <a:rPr lang="en-US"/>
+              <a:t>Third level</a:t>
+            </a:r>
+          </a:p>
+          <a:p>
+            <a:pPr lvl="3"/>
+            <a:r>
+              <a:rPr lang="en-US"/>
+              <a:t>Fourth level</a:t>
+            </a:r>
+          </a:p>
+          <a:p>
+            <a:pPr lvl="4"/>
+            <a:r>
+              <a:rPr lang="en-US"/>
+              <a:t>Fifth level</a:t>
+            </a:r>
+          </a:p>
+        </p:txBody>
+      </p:sp>
+      <p:sp>
+        <p:nvSpPr>
+          <p:cNvPr id="6" name="Footer Placeholder 5"/>
+          <p:cNvSpPr>
+            <a:spLocks noGrp="1"/>
+          </p:cNvSpPr>
+          <p:nvPr>
+            <p:ph type="ftr" sz="quarter" idx="4"/>
+          </p:nvPr>
+        </p:nvSpPr>
+        <p:spPr>
+          <a:xfrm>
+            <a:off x="0" y="8685213"/>
+            <a:ext cx="2971800" cy="458787"/>
+          </a:xfrm>
+          <a:prstGeom prst="rect">
+            <a:avLst/>
+          </a:prstGeom>
+        </p:spPr>
+        <p:txBody>
+          <a:bodyPr vert="horz" lIns="91440" tIns="45720" rIns="91440" bIns="45720" rtlCol="0" anchor="b"/>
+          <a:lstStyle>
+            <a:lvl1pPr algn="l">
+              <a:defRPr sz="1200"/>
+            </a:lvl1pPr>
+          </a:lstStyle>
+          <a:p>
+            <a:endParaRPr lang="en-US"/>
+          </a:p>
+        </p:txBody>
+      </p:sp>
+      <p:sp>
+        <p:nvSpPr>
+          <p:cNvPr id="7" name="Slide Number Placeholder 6"/>
+          <p:cNvSpPr>
+            <a:spLocks noGrp="1"/>
+          </p:cNvSpPr>
+          <p:nvPr>
+            <p:ph type="sldNum" sz="quarter" idx="5"/>
+          </p:nvPr>
+        </p:nvSpPr>
+        <p:spPr>
+          <a:xfrm>
+            <a:off x="3884613" y="8685213"/>
+            <a:ext cx="2971800" cy="458787"/>
+          </a:xfrm>
+          <a:prstGeom prst="rect">
+            <a:avLst/>
+          </a:prstGeom>
+        </p:spPr>
+        <p:txBody>
+          <a:bodyPr vert="horz" lIns="91440" tIns="45720" rIns="91440" bIns="45720" rtlCol="0" anchor="b"/>
+          <a:lstStyle>
+            <a:lvl1pPr algn="r">
+              <a:defRPr sz="1200"/>
+            </a:lvl1pPr>
+          </a:lstStyle>
+          <a:p>
+            <a:fld id="{80F42948-DE5F-4110-8803-00C14061AE40}" type="slidenum">
+              <a:rPr lang="en-US" smtClean="0"/>
+              <a:t>‹#›</a:t>
+            </a:fld>
+            <a:endParaRPr lang="en-US"/>
+          </a:p>
+        </p:txBody>
+      </p:sp>
+    </p:spTree>
+    <p:extLst>
+      <p:ext uri="{BB962C8B-B14F-4D97-AF65-F5344CB8AC3E}">
+        <p14:creationId xmlns:p14="http://schemas.microsoft.com/office/powerpoint/2010/main" val="4193938370"/>
+      </p:ext>
+    </p:extLst>
+  </p:cSld>
+  <p:clrMap bg1="lt1" tx1="dk1" bg2="lt2" tx2="dk2" accent1="accent1" accent2="accent2" accent3="accent3" accent4="accent4" accent5="accent5" accent6="accent6" hlink="hlink" folHlink="folHlink"/>
+  <p:notesStyle>
+    <a:lvl1pPr marL="0" algn="l" defTabSz="914400" rtl="0" eaLnBrk="1" latinLnBrk="0" hangingPunct="1">
+      <a:defRPr sz="1200" kern="1200">
+        <a:solidFill>
+          <a:schemeClr val="tx1"/>
+        </a:solidFill>
+        <a:latin typeface="+mn-lt"/>
+        <a:ea typeface="+mn-ea"/>
+        <a:cs typeface="+mn-cs"/>
+      </a:defRPr>
+    </a:lvl1pPr>
+    <a:lvl2pPr marL="457200" algn="l" defTabSz="914400" rtl="0" eaLnBrk="1" latinLnBrk="0" hangingPunct="1">
+      <a:defRPr sz="1200" kern="1200">
+        <a:solidFill>
+          <a:schemeClr val="tx1"/>
+        </a:solidFill>
+        <a:latin typeface="+mn-lt"/>
+        <a:ea typeface="+mn-ea"/>
+        <a:cs typeface="+mn-cs"/>
+      </a:defRPr>
+    </a:lvl2pPr>
+    <a:lvl3pPr marL="914400" algn="l" defTabSz="914400" rtl="0" eaLnBrk="1" latinLnBrk="0" hangingPunct="1">
+      <a:defRPr sz="1200" kern="1200">
+        <a:solidFill>
+          <a:schemeClr val="tx1"/>
+        </a:solidFill>
+        <a:latin typeface="+mn-lt"/>
+        <a:ea typeface="+mn-ea"/>
+        <a:cs typeface="+mn-cs"/>
+      </a:defRPr>
+    </a:lvl3pPr>
+    <a:lvl4pPr marL="1371600" algn="l" defTabSz="914400" rtl="0" eaLnBrk="1" latinLnBrk="0" hangingPunct="1">
+      <a:defRPr sz="1200" kern="1200">
+        <a:solidFill>
+          <a:schemeClr val="tx1"/>
+        </a:solidFill>
+        <a:latin typeface="+mn-lt"/>
+        <a:ea typeface="+mn-ea"/>
+        <a:cs typeface="+mn-cs"/>
+      </a:defRPr>
+    </a:lvl4pPr>
+    <a:lvl5pPr marL="1828800" algn="l" defTabSz="914400" rtl="0" eaLnBrk="1" latinLnBrk="0" hangingPunct="1">
+      <a:defRPr sz="1200" kern="1200">
+        <a:solidFill>
+          <a:schemeClr val="tx1"/>
+        </a:solidFill>
+        <a:latin typeface="+mn-lt"/>
+        <a:ea typeface="+mn-ea"/>
+        <a:cs typeface="+mn-cs"/>
+      </a:defRPr>
+    </a:lvl5pPr>
+    <a:lvl6pPr marL="2286000" algn="l" defTabSz="914400" rtl="0" eaLnBrk="1" latinLnBrk="0" hangingPunct="1">
+      <a:defRPr sz="1200" kern="1200">
+        <a:solidFill>
+          <a:schemeClr val="tx1"/>
+        </a:solidFill>
+        <a:latin typeface="+mn-lt"/>
+        <a:ea typeface="+mn-ea"/>
+        <a:cs typeface="+mn-cs"/>
+      </a:defRPr>
+    </a:lvl6pPr>
+    <a:lvl7pPr marL="2743200" algn="l" defTabSz="914400" rtl="0" eaLnBrk="1" latinLnBrk="0" hangingPunct="1">
+      <a:defRPr sz="1200" kern="1200">
+        <a:solidFill>
+          <a:schemeClr val="tx1"/>
+        </a:solidFill>
+        <a:latin typeface="+mn-lt"/>
+        <a:ea typeface="+mn-ea"/>
+        <a:cs typeface="+mn-cs"/>
+      </a:defRPr>
+    </a:lvl7pPr>
+    <a:lvl8pPr marL="3200400" algn="l" defTabSz="914400" rtl="0" eaLnBrk="1" latinLnBrk="0" hangingPunct="1">
+      <a:defRPr sz="1200" kern="1200">
+        <a:solidFill>
+          <a:schemeClr val="tx1"/>
+        </a:solidFill>
+        <a:latin typeface="+mn-lt"/>
+        <a:ea typeface="+mn-ea"/>
+        <a:cs typeface="+mn-cs"/>
+      </a:defRPr>
+    </a:lvl8pPr>
+    <a:lvl9pPr marL="3657600" algn="l" defTabSz="914400" rtl="0" eaLnBrk="1" latinLnBrk="0" hangingPunct="1">
+      <a:defRPr sz="1200" kern="1200">
+        <a:solidFill>
+          <a:schemeClr val="tx1"/>
+        </a:solidFill>
+        <a:latin typeface="+mn-lt"/>
+        <a:ea typeface="+mn-ea"/>
+        <a:cs typeface="+mn-cs"/>
+      </a:defRPr>
+    </a:lvl9pPr>
+  </p:notesStyle>
+</p:notesMaster>
+</file>
+
+<file path=ppt/notesSlides/notesSlide1.xml><?xml version="1.0" encoding="utf-8"?>
+<p:notes xmlns:a="http://schemas.openxmlformats.org/drawingml/2006/main" xmlns:r="http://schemas.openxmlformats.org/officeDocument/2006/relationships" xmlns:p="http://schemas.openxmlformats.org/presentationml/2006/main">
+  <p:cSld>
+    <p:spTree>
+      <p:nvGrpSpPr>
+        <p:cNvPr id="1" name=""/>
+        <p:cNvGrpSpPr/>
+        <p:nvPr/>
+      </p:nvGrpSpPr>
+      <p:grpSpPr>
+        <a:xfrm>
+          <a:off x="0" y="0"/>
+          <a:ext cx="0" cy="0"/>
+          <a:chOff x="0" y="0"/>
+          <a:chExt cx="0" cy="0"/>
+        </a:xfrm>
+      </p:grpSpPr>
+      <p:sp>
+        <p:nvSpPr>
+          <p:cNvPr id="2" name="Slide Image Placeholder 1"/>
+          <p:cNvSpPr>
+            <a:spLocks noGrp="1" noRot="1" noChangeAspect="1"/>
+          </p:cNvSpPr>
+          <p:nvPr>
+            <p:ph type="sldImg"/>
+          </p:nvPr>
+        </p:nvSpPr>
+        <p:spPr/>
+      </p:sp>
+      <p:sp>
+        <p:nvSpPr>
+          <p:cNvPr id="3" name="Notes Placeholder 2"/>
+          <p:cNvSpPr>
+            <a:spLocks noGrp="1"/>
+          </p:cNvSpPr>
+          <p:nvPr>
+            <p:ph type="body" idx="1"/>
+          </p:nvPr>
+        </p:nvSpPr>
+        <p:spPr/>
+        <p:txBody>
+          <a:bodyPr/>
+          <a:lstStyle/>
+          <a:p>
+            <a:r>
+              <a:rPr lang="en-US" dirty="0"/>
+              <a:t>This is a traditional console app.</a:t>
+            </a:r>
+          </a:p>
+        </p:txBody>
+      </p:sp>
+      <p:sp>
+        <p:nvSpPr>
+          <p:cNvPr id="4" name="Slide Number Placeholder 3"/>
+          <p:cNvSpPr>
+            <a:spLocks noGrp="1"/>
+          </p:cNvSpPr>
+          <p:nvPr>
+            <p:ph type="sldNum" sz="quarter" idx="5"/>
+          </p:nvPr>
+        </p:nvSpPr>
+        <p:spPr/>
+        <p:txBody>
+          <a:bodyPr/>
+          <a:lstStyle/>
+          <a:p>
+            <a:fld id="{80F42948-DE5F-4110-8803-00C14061AE40}" type="slidenum">
+              <a:rPr lang="en-US" smtClean="0"/>
+              <a:t>7</a:t>
+            </a:fld>
+            <a:endParaRPr lang="en-US"/>
+          </a:p>
+        </p:txBody>
+      </p:sp>
+    </p:spTree>
+    <p:extLst>
+      <p:ext uri="{BB962C8B-B14F-4D97-AF65-F5344CB8AC3E}">
+        <p14:creationId xmlns:p14="http://schemas.microsoft.com/office/powerpoint/2010/main" val="2037591132"/>
+      </p:ext>
+    </p:extLst>
+  </p:cSld>
+  <p:clrMapOvr>
+    <a:masterClrMapping/>
+  </p:clrMapOvr>
+</p:notes>
+</file>
+
+<file path=ppt/notesSlides/notesSlide10.xml><?xml version="1.0" encoding="utf-8"?>
+<p:notes xmlns:a="http://schemas.openxmlformats.org/drawingml/2006/main" xmlns:r="http://schemas.openxmlformats.org/officeDocument/2006/relationships" xmlns:p="http://schemas.openxmlformats.org/presentationml/2006/main">
+  <p:cSld>
+    <p:spTree>
+      <p:nvGrpSpPr>
+        <p:cNvPr id="1" name=""/>
+        <p:cNvGrpSpPr/>
+        <p:nvPr/>
+      </p:nvGrpSpPr>
+      <p:grpSpPr>
+        <a:xfrm>
+          <a:off x="0" y="0"/>
+          <a:ext cx="0" cy="0"/>
+          <a:chOff x="0" y="0"/>
+          <a:chExt cx="0" cy="0"/>
+        </a:xfrm>
+      </p:grpSpPr>
+      <p:sp>
+        <p:nvSpPr>
+          <p:cNvPr id="2" name="Slide Image Placeholder 1"/>
+          <p:cNvSpPr>
+            <a:spLocks noGrp="1" noRot="1" noChangeAspect="1"/>
+          </p:cNvSpPr>
+          <p:nvPr>
+            <p:ph type="sldImg"/>
+          </p:nvPr>
+        </p:nvSpPr>
+        <p:spPr/>
+      </p:sp>
+      <p:sp>
+        <p:nvSpPr>
+          <p:cNvPr id="3" name="Notes Placeholder 2"/>
+          <p:cNvSpPr>
+            <a:spLocks noGrp="1"/>
+          </p:cNvSpPr>
+          <p:nvPr>
+            <p:ph type="body" idx="1"/>
+          </p:nvPr>
+        </p:nvSpPr>
+        <p:spPr/>
+        <p:txBody>
+          <a:bodyPr/>
+          <a:lstStyle/>
+          <a:p>
+            <a:r>
+              <a:rPr lang="en-US" dirty="0"/>
+              <a:t>Here’s how equality works with “with operators”</a:t>
+            </a:r>
+          </a:p>
+        </p:txBody>
+      </p:sp>
+      <p:sp>
+        <p:nvSpPr>
+          <p:cNvPr id="4" name="Slide Number Placeholder 3"/>
+          <p:cNvSpPr>
+            <a:spLocks noGrp="1"/>
+          </p:cNvSpPr>
+          <p:nvPr>
+            <p:ph type="sldNum" sz="quarter" idx="5"/>
+          </p:nvPr>
+        </p:nvSpPr>
+        <p:spPr/>
+        <p:txBody>
+          <a:bodyPr/>
+          <a:lstStyle/>
+          <a:p>
+            <a:fld id="{80F42948-DE5F-4110-8803-00C14061AE40}" type="slidenum">
+              <a:rPr lang="en-US" smtClean="0"/>
+              <a:t>18</a:t>
+            </a:fld>
+            <a:endParaRPr lang="en-US"/>
+          </a:p>
+        </p:txBody>
+      </p:sp>
+    </p:spTree>
+    <p:extLst>
+      <p:ext uri="{BB962C8B-B14F-4D97-AF65-F5344CB8AC3E}">
+        <p14:creationId xmlns:p14="http://schemas.microsoft.com/office/powerpoint/2010/main" val="3703048279"/>
+      </p:ext>
+    </p:extLst>
+  </p:cSld>
+  <p:clrMapOvr>
+    <a:masterClrMapping/>
+  </p:clrMapOvr>
+</p:notes>
+</file>
+
+<file path=ppt/notesSlides/notesSlide11.xml><?xml version="1.0" encoding="utf-8"?>
+<p:notes xmlns:a="http://schemas.openxmlformats.org/drawingml/2006/main" xmlns:r="http://schemas.openxmlformats.org/officeDocument/2006/relationships" xmlns:p="http://schemas.openxmlformats.org/presentationml/2006/main">
+  <p:cSld>
+    <p:spTree>
+      <p:nvGrpSpPr>
+        <p:cNvPr id="1" name=""/>
+        <p:cNvGrpSpPr/>
+        <p:nvPr/>
+      </p:nvGrpSpPr>
+      <p:grpSpPr>
+        <a:xfrm>
+          <a:off x="0" y="0"/>
+          <a:ext cx="0" cy="0"/>
+          <a:chOff x="0" y="0"/>
+          <a:chExt cx="0" cy="0"/>
+        </a:xfrm>
+      </p:grpSpPr>
+      <p:sp>
+        <p:nvSpPr>
+          <p:cNvPr id="2" name="Slide Image Placeholder 1"/>
+          <p:cNvSpPr>
+            <a:spLocks noGrp="1" noRot="1" noChangeAspect="1"/>
+          </p:cNvSpPr>
+          <p:nvPr>
+            <p:ph type="sldImg"/>
+          </p:nvPr>
+        </p:nvSpPr>
+        <p:spPr/>
+      </p:sp>
+      <p:sp>
+        <p:nvSpPr>
+          <p:cNvPr id="3" name="Notes Placeholder 2"/>
+          <p:cNvSpPr>
+            <a:spLocks noGrp="1"/>
+          </p:cNvSpPr>
+          <p:nvPr>
+            <p:ph type="body" idx="1"/>
+          </p:nvPr>
+        </p:nvSpPr>
+        <p:spPr/>
+        <p:txBody>
+          <a:bodyPr/>
+          <a:lstStyle/>
+          <a:p>
+            <a:r>
+              <a:rPr lang="en-US" dirty="0"/>
+              <a:t>Here’s how equality works with “with operators”</a:t>
+            </a:r>
+          </a:p>
+        </p:txBody>
+      </p:sp>
+      <p:sp>
+        <p:nvSpPr>
+          <p:cNvPr id="4" name="Slide Number Placeholder 3"/>
+          <p:cNvSpPr>
+            <a:spLocks noGrp="1"/>
+          </p:cNvSpPr>
+          <p:nvPr>
+            <p:ph type="sldNum" sz="quarter" idx="5"/>
+          </p:nvPr>
+        </p:nvSpPr>
+        <p:spPr/>
+        <p:txBody>
+          <a:bodyPr/>
+          <a:lstStyle/>
+          <a:p>
+            <a:fld id="{80F42948-DE5F-4110-8803-00C14061AE40}" type="slidenum">
+              <a:rPr lang="en-US" smtClean="0"/>
+              <a:t>21</a:t>
+            </a:fld>
+            <a:endParaRPr lang="en-US"/>
+          </a:p>
+        </p:txBody>
+      </p:sp>
+    </p:spTree>
+    <p:extLst>
+      <p:ext uri="{BB962C8B-B14F-4D97-AF65-F5344CB8AC3E}">
+        <p14:creationId xmlns:p14="http://schemas.microsoft.com/office/powerpoint/2010/main" val="1922074564"/>
+      </p:ext>
+    </p:extLst>
+  </p:cSld>
+  <p:clrMapOvr>
+    <a:masterClrMapping/>
+  </p:clrMapOvr>
+</p:notes>
+</file>
+
+<file path=ppt/notesSlides/notesSlide12.xml><?xml version="1.0" encoding="utf-8"?>
+<p:notes xmlns:a="http://schemas.openxmlformats.org/drawingml/2006/main" xmlns:r="http://schemas.openxmlformats.org/officeDocument/2006/relationships" xmlns:p="http://schemas.openxmlformats.org/presentationml/2006/main">
+  <p:cSld>
+    <p:spTree>
+      <p:nvGrpSpPr>
+        <p:cNvPr id="1" name=""/>
+        <p:cNvGrpSpPr/>
+        <p:nvPr/>
+      </p:nvGrpSpPr>
+      <p:grpSpPr>
+        <a:xfrm>
+          <a:off x="0" y="0"/>
+          <a:ext cx="0" cy="0"/>
+          <a:chOff x="0" y="0"/>
+          <a:chExt cx="0" cy="0"/>
+        </a:xfrm>
+      </p:grpSpPr>
+      <p:sp>
+        <p:nvSpPr>
+          <p:cNvPr id="2" name="Slide Image Placeholder 1"/>
+          <p:cNvSpPr>
+            <a:spLocks noGrp="1" noRot="1" noChangeAspect="1"/>
+          </p:cNvSpPr>
+          <p:nvPr>
+            <p:ph type="sldImg"/>
+          </p:nvPr>
+        </p:nvSpPr>
+        <p:spPr/>
+      </p:sp>
+      <p:sp>
+        <p:nvSpPr>
+          <p:cNvPr id="3" name="Notes Placeholder 2"/>
+          <p:cNvSpPr>
+            <a:spLocks noGrp="1"/>
+          </p:cNvSpPr>
+          <p:nvPr>
+            <p:ph type="body" idx="1"/>
+          </p:nvPr>
+        </p:nvSpPr>
+        <p:spPr/>
+        <p:txBody>
+          <a:bodyPr/>
+          <a:lstStyle/>
+          <a:p>
+            <a:r>
+              <a:rPr lang="en-US" dirty="0"/>
+              <a:t>Here’s how it works with collections</a:t>
+            </a:r>
+          </a:p>
+        </p:txBody>
+      </p:sp>
+      <p:sp>
+        <p:nvSpPr>
+          <p:cNvPr id="4" name="Slide Number Placeholder 3"/>
+          <p:cNvSpPr>
+            <a:spLocks noGrp="1"/>
+          </p:cNvSpPr>
+          <p:nvPr>
+            <p:ph type="sldNum" sz="quarter" idx="5"/>
+          </p:nvPr>
+        </p:nvSpPr>
+        <p:spPr/>
+        <p:txBody>
+          <a:bodyPr/>
+          <a:lstStyle/>
+          <a:p>
+            <a:fld id="{80F42948-DE5F-4110-8803-00C14061AE40}" type="slidenum">
+              <a:rPr lang="en-US" smtClean="0"/>
+              <a:t>22</a:t>
+            </a:fld>
+            <a:endParaRPr lang="en-US"/>
+          </a:p>
+        </p:txBody>
+      </p:sp>
+    </p:spTree>
+    <p:extLst>
+      <p:ext uri="{BB962C8B-B14F-4D97-AF65-F5344CB8AC3E}">
+        <p14:creationId xmlns:p14="http://schemas.microsoft.com/office/powerpoint/2010/main" val="544157998"/>
+      </p:ext>
+    </p:extLst>
+  </p:cSld>
+  <p:clrMapOvr>
+    <a:masterClrMapping/>
+  </p:clrMapOvr>
+</p:notes>
+</file>
+
+<file path=ppt/notesSlides/notesSlide2.xml><?xml version="1.0" encoding="utf-8"?>
+<p:notes xmlns:a="http://schemas.openxmlformats.org/drawingml/2006/main" xmlns:r="http://schemas.openxmlformats.org/officeDocument/2006/relationships" xmlns:p="http://schemas.openxmlformats.org/presentationml/2006/main">
+  <p:cSld>
+    <p:spTree>
+      <p:nvGrpSpPr>
+        <p:cNvPr id="1" name=""/>
+        <p:cNvGrpSpPr/>
+        <p:nvPr/>
+      </p:nvGrpSpPr>
+      <p:grpSpPr>
+        <a:xfrm>
+          <a:off x="0" y="0"/>
+          <a:ext cx="0" cy="0"/>
+          <a:chOff x="0" y="0"/>
+          <a:chExt cx="0" cy="0"/>
+        </a:xfrm>
+      </p:grpSpPr>
+      <p:sp>
+        <p:nvSpPr>
+          <p:cNvPr id="2" name="Slide Image Placeholder 1"/>
+          <p:cNvSpPr>
+            <a:spLocks noGrp="1" noRot="1" noChangeAspect="1"/>
+          </p:cNvSpPr>
+          <p:nvPr>
+            <p:ph type="sldImg"/>
+          </p:nvPr>
+        </p:nvSpPr>
+        <p:spPr/>
+      </p:sp>
+      <p:sp>
+        <p:nvSpPr>
+          <p:cNvPr id="3" name="Notes Placeholder 2"/>
+          <p:cNvSpPr>
+            <a:spLocks noGrp="1"/>
+          </p:cNvSpPr>
+          <p:nvPr>
+            <p:ph type="body" idx="1"/>
+          </p:nvPr>
+        </p:nvSpPr>
+        <p:spPr/>
+        <p:txBody>
+          <a:bodyPr/>
+          <a:lstStyle/>
+          <a:p>
+            <a:r>
+              <a:rPr lang="en-US" dirty="0"/>
+              <a:t>Here’s a top-level statement with a using.</a:t>
+            </a:r>
+          </a:p>
+          <a:p>
+            <a:endParaRPr lang="en-US" dirty="0"/>
+          </a:p>
+        </p:txBody>
+      </p:sp>
+      <p:sp>
+        <p:nvSpPr>
+          <p:cNvPr id="4" name="Slide Number Placeholder 3"/>
+          <p:cNvSpPr>
+            <a:spLocks noGrp="1"/>
+          </p:cNvSpPr>
+          <p:nvPr>
+            <p:ph type="sldNum" sz="quarter" idx="5"/>
+          </p:nvPr>
+        </p:nvSpPr>
+        <p:spPr/>
+        <p:txBody>
+          <a:bodyPr/>
+          <a:lstStyle/>
+          <a:p>
+            <a:fld id="{80F42948-DE5F-4110-8803-00C14061AE40}" type="slidenum">
+              <a:rPr lang="en-US" smtClean="0"/>
+              <a:t>8</a:t>
+            </a:fld>
+            <a:endParaRPr lang="en-US"/>
+          </a:p>
+        </p:txBody>
+      </p:sp>
+    </p:spTree>
+    <p:extLst>
+      <p:ext uri="{BB962C8B-B14F-4D97-AF65-F5344CB8AC3E}">
+        <p14:creationId xmlns:p14="http://schemas.microsoft.com/office/powerpoint/2010/main" val="2945769406"/>
+      </p:ext>
+    </p:extLst>
+  </p:cSld>
+  <p:clrMapOvr>
+    <a:masterClrMapping/>
+  </p:clrMapOvr>
+</p:notes>
+</file>
+
+<file path=ppt/notesSlides/notesSlide3.xml><?xml version="1.0" encoding="utf-8"?>
+<p:notes xmlns:a="http://schemas.openxmlformats.org/drawingml/2006/main" xmlns:r="http://schemas.openxmlformats.org/officeDocument/2006/relationships" xmlns:p="http://schemas.openxmlformats.org/presentationml/2006/main">
+  <p:cSld>
+    <p:spTree>
+      <p:nvGrpSpPr>
+        <p:cNvPr id="1" name=""/>
+        <p:cNvGrpSpPr/>
+        <p:nvPr/>
+      </p:nvGrpSpPr>
+      <p:grpSpPr>
+        <a:xfrm>
+          <a:off x="0" y="0"/>
+          <a:ext cx="0" cy="0"/>
+          <a:chOff x="0" y="0"/>
+          <a:chExt cx="0" cy="0"/>
+        </a:xfrm>
+      </p:grpSpPr>
+      <p:sp>
+        <p:nvSpPr>
+          <p:cNvPr id="2" name="Slide Image Placeholder 1"/>
+          <p:cNvSpPr>
+            <a:spLocks noGrp="1" noRot="1" noChangeAspect="1"/>
+          </p:cNvSpPr>
+          <p:nvPr>
+            <p:ph type="sldImg"/>
+          </p:nvPr>
+        </p:nvSpPr>
+        <p:spPr/>
+      </p:sp>
+      <p:sp>
+        <p:nvSpPr>
+          <p:cNvPr id="3" name="Notes Placeholder 2"/>
+          <p:cNvSpPr>
+            <a:spLocks noGrp="1"/>
+          </p:cNvSpPr>
+          <p:nvPr>
+            <p:ph type="body" idx="1"/>
+          </p:nvPr>
+        </p:nvSpPr>
+        <p:spPr/>
+        <p:txBody>
+          <a:bodyPr/>
+          <a:lstStyle/>
+          <a:p>
+            <a:pPr marL="0" marR="0" lvl="0" indent="0" algn="l" defTabSz="914400" rtl="0" eaLnBrk="1" fontAlgn="auto" latinLnBrk="0" hangingPunct="1">
+              <a:lnSpc>
+                <a:spcPct val="100000"/>
+              </a:lnSpc>
+              <a:spcBef>
+                <a:spcPts val="0"/>
+              </a:spcBef>
+              <a:spcAft>
+                <a:spcPts val="0"/>
+              </a:spcAft>
+              <a:buClrTx/>
+              <a:buSzTx/>
+              <a:buFontTx/>
+              <a:buNone/>
+              <a:tabLst/>
+              <a:defRPr/>
+            </a:pPr>
+            <a:r>
+              <a:rPr lang="en-US" dirty="0"/>
+              <a:t>Here’s a top-level statement without a using.</a:t>
+            </a:r>
+          </a:p>
+          <a:p>
+            <a:endParaRPr lang="en-US" dirty="0"/>
+          </a:p>
+        </p:txBody>
+      </p:sp>
+      <p:sp>
+        <p:nvSpPr>
+          <p:cNvPr id="4" name="Slide Number Placeholder 3"/>
+          <p:cNvSpPr>
+            <a:spLocks noGrp="1"/>
+          </p:cNvSpPr>
+          <p:nvPr>
+            <p:ph type="sldNum" sz="quarter" idx="5"/>
+          </p:nvPr>
+        </p:nvSpPr>
+        <p:spPr/>
+        <p:txBody>
+          <a:bodyPr/>
+          <a:lstStyle/>
+          <a:p>
+            <a:fld id="{80F42948-DE5F-4110-8803-00C14061AE40}" type="slidenum">
+              <a:rPr lang="en-US" smtClean="0"/>
+              <a:t>9</a:t>
+            </a:fld>
+            <a:endParaRPr lang="en-US"/>
+          </a:p>
+        </p:txBody>
+      </p:sp>
+    </p:spTree>
+    <p:extLst>
+      <p:ext uri="{BB962C8B-B14F-4D97-AF65-F5344CB8AC3E}">
+        <p14:creationId xmlns:p14="http://schemas.microsoft.com/office/powerpoint/2010/main" val="3828592644"/>
+      </p:ext>
+    </p:extLst>
+  </p:cSld>
+  <p:clrMapOvr>
+    <a:masterClrMapping/>
+  </p:clrMapOvr>
+</p:notes>
+</file>
+
+<file path=ppt/notesSlides/notesSlide4.xml><?xml version="1.0" encoding="utf-8"?>
+<p:notes xmlns:a="http://schemas.openxmlformats.org/drawingml/2006/main" xmlns:r="http://schemas.openxmlformats.org/officeDocument/2006/relationships" xmlns:p="http://schemas.openxmlformats.org/presentationml/2006/main">
+  <p:cSld>
+    <p:spTree>
+      <p:nvGrpSpPr>
+        <p:cNvPr id="1" name=""/>
+        <p:cNvGrpSpPr/>
+        <p:nvPr/>
+      </p:nvGrpSpPr>
+      <p:grpSpPr>
+        <a:xfrm>
+          <a:off x="0" y="0"/>
+          <a:ext cx="0" cy="0"/>
+          <a:chOff x="0" y="0"/>
+          <a:chExt cx="0" cy="0"/>
+        </a:xfrm>
+      </p:grpSpPr>
+      <p:sp>
+        <p:nvSpPr>
+          <p:cNvPr id="2" name="Slide Image Placeholder 1"/>
+          <p:cNvSpPr>
+            <a:spLocks noGrp="1" noRot="1" noChangeAspect="1"/>
+          </p:cNvSpPr>
+          <p:nvPr>
+            <p:ph type="sldImg"/>
+          </p:nvPr>
+        </p:nvSpPr>
+        <p:spPr/>
+      </p:sp>
+      <p:sp>
+        <p:nvSpPr>
+          <p:cNvPr id="3" name="Notes Placeholder 2"/>
+          <p:cNvSpPr>
+            <a:spLocks noGrp="1"/>
+          </p:cNvSpPr>
+          <p:nvPr>
+            <p:ph type="body" idx="1"/>
+          </p:nvPr>
+        </p:nvSpPr>
+        <p:spPr/>
+        <p:txBody>
+          <a:bodyPr/>
+          <a:lstStyle/>
+          <a:p>
+            <a:r>
+              <a:rPr lang="en-US" dirty="0"/>
+              <a:t>Top-level statements also take in *magic* parameters.</a:t>
+            </a:r>
+          </a:p>
+        </p:txBody>
+      </p:sp>
+      <p:sp>
+        <p:nvSpPr>
+          <p:cNvPr id="4" name="Slide Number Placeholder 3"/>
+          <p:cNvSpPr>
+            <a:spLocks noGrp="1"/>
+          </p:cNvSpPr>
+          <p:nvPr>
+            <p:ph type="sldNum" sz="quarter" idx="5"/>
+          </p:nvPr>
+        </p:nvSpPr>
+        <p:spPr/>
+        <p:txBody>
+          <a:bodyPr/>
+          <a:lstStyle/>
+          <a:p>
+            <a:fld id="{80F42948-DE5F-4110-8803-00C14061AE40}" type="slidenum">
+              <a:rPr lang="en-US" smtClean="0"/>
+              <a:t>10</a:t>
+            </a:fld>
+            <a:endParaRPr lang="en-US"/>
+          </a:p>
+        </p:txBody>
+      </p:sp>
+    </p:spTree>
+    <p:extLst>
+      <p:ext uri="{BB962C8B-B14F-4D97-AF65-F5344CB8AC3E}">
+        <p14:creationId xmlns:p14="http://schemas.microsoft.com/office/powerpoint/2010/main" val="1133329429"/>
+      </p:ext>
+    </p:extLst>
+  </p:cSld>
+  <p:clrMapOvr>
+    <a:masterClrMapping/>
+  </p:clrMapOvr>
+</p:notes>
+</file>
+
+<file path=ppt/notesSlides/notesSlide5.xml><?xml version="1.0" encoding="utf-8"?>
+<p:notes xmlns:a="http://schemas.openxmlformats.org/drawingml/2006/main" xmlns:r="http://schemas.openxmlformats.org/officeDocument/2006/relationships" xmlns:p="http://schemas.openxmlformats.org/presentationml/2006/main">
+  <p:cSld>
+    <p:spTree>
+      <p:nvGrpSpPr>
+        <p:cNvPr id="1" name=""/>
+        <p:cNvGrpSpPr/>
+        <p:nvPr/>
+      </p:nvGrpSpPr>
+      <p:grpSpPr>
+        <a:xfrm>
+          <a:off x="0" y="0"/>
+          <a:ext cx="0" cy="0"/>
+          <a:chOff x="0" y="0"/>
+          <a:chExt cx="0" cy="0"/>
+        </a:xfrm>
+      </p:grpSpPr>
+      <p:sp>
+        <p:nvSpPr>
+          <p:cNvPr id="2" name="Slide Image Placeholder 1"/>
+          <p:cNvSpPr>
+            <a:spLocks noGrp="1" noRot="1" noChangeAspect="1"/>
+          </p:cNvSpPr>
+          <p:nvPr>
+            <p:ph type="sldImg"/>
+          </p:nvPr>
+        </p:nvSpPr>
+        <p:spPr/>
+      </p:sp>
+      <p:sp>
+        <p:nvSpPr>
+          <p:cNvPr id="3" name="Notes Placeholder 2"/>
+          <p:cNvSpPr>
+            <a:spLocks noGrp="1"/>
+          </p:cNvSpPr>
+          <p:nvPr>
+            <p:ph type="body" idx="1"/>
+          </p:nvPr>
+        </p:nvSpPr>
+        <p:spPr/>
+        <p:txBody>
+          <a:bodyPr/>
+          <a:lstStyle/>
+          <a:p>
+            <a:r>
+              <a:rPr lang="en-US" dirty="0"/>
+              <a:t>Top-level statements also support local functions.</a:t>
+            </a:r>
+          </a:p>
+        </p:txBody>
+      </p:sp>
+      <p:sp>
+        <p:nvSpPr>
+          <p:cNvPr id="4" name="Slide Number Placeholder 3"/>
+          <p:cNvSpPr>
+            <a:spLocks noGrp="1"/>
+          </p:cNvSpPr>
+          <p:nvPr>
+            <p:ph type="sldNum" sz="quarter" idx="5"/>
+          </p:nvPr>
+        </p:nvSpPr>
+        <p:spPr/>
+        <p:txBody>
+          <a:bodyPr/>
+          <a:lstStyle/>
+          <a:p>
+            <a:fld id="{80F42948-DE5F-4110-8803-00C14061AE40}" type="slidenum">
+              <a:rPr lang="en-US" smtClean="0"/>
+              <a:t>11</a:t>
+            </a:fld>
+            <a:endParaRPr lang="en-US"/>
+          </a:p>
+        </p:txBody>
+      </p:sp>
+    </p:spTree>
+    <p:extLst>
+      <p:ext uri="{BB962C8B-B14F-4D97-AF65-F5344CB8AC3E}">
+        <p14:creationId xmlns:p14="http://schemas.microsoft.com/office/powerpoint/2010/main" val="520648152"/>
+      </p:ext>
+    </p:extLst>
+  </p:cSld>
+  <p:clrMapOvr>
+    <a:masterClrMapping/>
+  </p:clrMapOvr>
+</p:notes>
+</file>
+
+<file path=ppt/notesSlides/notesSlide6.xml><?xml version="1.0" encoding="utf-8"?>
+<p:notes xmlns:a="http://schemas.openxmlformats.org/drawingml/2006/main" xmlns:r="http://schemas.openxmlformats.org/officeDocument/2006/relationships" xmlns:p="http://schemas.openxmlformats.org/presentationml/2006/main">
+  <p:cSld>
+    <p:spTree>
+      <p:nvGrpSpPr>
+        <p:cNvPr id="1" name=""/>
+        <p:cNvGrpSpPr/>
+        <p:nvPr/>
+      </p:nvGrpSpPr>
+      <p:grpSpPr>
+        <a:xfrm>
+          <a:off x="0" y="0"/>
+          <a:ext cx="0" cy="0"/>
+          <a:chOff x="0" y="0"/>
+          <a:chExt cx="0" cy="0"/>
+        </a:xfrm>
+      </p:grpSpPr>
+      <p:sp>
+        <p:nvSpPr>
+          <p:cNvPr id="2" name="Slide Image Placeholder 1"/>
+          <p:cNvSpPr>
+            <a:spLocks noGrp="1" noRot="1" noChangeAspect="1"/>
+          </p:cNvSpPr>
+          <p:nvPr>
+            <p:ph type="sldImg"/>
+          </p:nvPr>
+        </p:nvSpPr>
+        <p:spPr/>
+      </p:sp>
+      <p:sp>
+        <p:nvSpPr>
+          <p:cNvPr id="3" name="Notes Placeholder 2"/>
+          <p:cNvSpPr>
+            <a:spLocks noGrp="1"/>
+          </p:cNvSpPr>
+          <p:nvPr>
+            <p:ph type="body" idx="1"/>
+          </p:nvPr>
+        </p:nvSpPr>
+        <p:spPr/>
+        <p:txBody>
+          <a:bodyPr/>
+          <a:lstStyle/>
+          <a:p>
+            <a:r>
+              <a:rPr lang="en-US" dirty="0"/>
+              <a:t>Here’s how you’d typically mutate an object.</a:t>
+            </a:r>
+          </a:p>
+        </p:txBody>
+      </p:sp>
+      <p:sp>
+        <p:nvSpPr>
+          <p:cNvPr id="4" name="Slide Number Placeholder 3"/>
+          <p:cNvSpPr>
+            <a:spLocks noGrp="1"/>
+          </p:cNvSpPr>
+          <p:nvPr>
+            <p:ph type="sldNum" sz="quarter" idx="5"/>
+          </p:nvPr>
+        </p:nvSpPr>
+        <p:spPr/>
+        <p:txBody>
+          <a:bodyPr/>
+          <a:lstStyle/>
+          <a:p>
+            <a:fld id="{80F42948-DE5F-4110-8803-00C14061AE40}" type="slidenum">
+              <a:rPr lang="en-US" smtClean="0"/>
+              <a:t>13</a:t>
+            </a:fld>
+            <a:endParaRPr lang="en-US"/>
+          </a:p>
+        </p:txBody>
+      </p:sp>
+    </p:spTree>
+    <p:extLst>
+      <p:ext uri="{BB962C8B-B14F-4D97-AF65-F5344CB8AC3E}">
+        <p14:creationId xmlns:p14="http://schemas.microsoft.com/office/powerpoint/2010/main" val="929382280"/>
+      </p:ext>
+    </p:extLst>
+  </p:cSld>
+  <p:clrMapOvr>
+    <a:masterClrMapping/>
+  </p:clrMapOvr>
+</p:notes>
+</file>
+
+<file path=ppt/notesSlides/notesSlide7.xml><?xml version="1.0" encoding="utf-8"?>
+<p:notes xmlns:a="http://schemas.openxmlformats.org/drawingml/2006/main" xmlns:r="http://schemas.openxmlformats.org/officeDocument/2006/relationships" xmlns:p="http://schemas.openxmlformats.org/presentationml/2006/main">
+  <p:cSld>
+    <p:spTree>
+      <p:nvGrpSpPr>
+        <p:cNvPr id="1" name=""/>
+        <p:cNvGrpSpPr/>
+        <p:nvPr/>
+      </p:nvGrpSpPr>
+      <p:grpSpPr>
+        <a:xfrm>
+          <a:off x="0" y="0"/>
+          <a:ext cx="0" cy="0"/>
+          <a:chOff x="0" y="0"/>
+          <a:chExt cx="0" cy="0"/>
+        </a:xfrm>
+      </p:grpSpPr>
+      <p:sp>
+        <p:nvSpPr>
+          <p:cNvPr id="2" name="Slide Image Placeholder 1"/>
+          <p:cNvSpPr>
+            <a:spLocks noGrp="1" noRot="1" noChangeAspect="1"/>
+          </p:cNvSpPr>
+          <p:nvPr>
+            <p:ph type="sldImg"/>
+          </p:nvPr>
+        </p:nvSpPr>
+        <p:spPr/>
+      </p:sp>
+      <p:sp>
+        <p:nvSpPr>
+          <p:cNvPr id="3" name="Notes Placeholder 2"/>
+          <p:cNvSpPr>
+            <a:spLocks noGrp="1"/>
+          </p:cNvSpPr>
+          <p:nvPr>
+            <p:ph type="body" idx="1"/>
+          </p:nvPr>
+        </p:nvSpPr>
+        <p:spPr/>
+        <p:txBody>
+          <a:bodyPr/>
+          <a:lstStyle/>
+          <a:p>
+            <a:r>
+              <a:rPr lang="en-US" dirty="0"/>
+              <a:t>You can typically mimic this in C# 8 using </a:t>
+            </a:r>
+            <a:r>
+              <a:rPr lang="en-US" dirty="0" err="1"/>
+              <a:t>readonly</a:t>
+            </a:r>
+            <a:r>
+              <a:rPr lang="en-US" dirty="0"/>
+              <a:t> properties.</a:t>
+            </a:r>
+          </a:p>
+        </p:txBody>
+      </p:sp>
+      <p:sp>
+        <p:nvSpPr>
+          <p:cNvPr id="4" name="Slide Number Placeholder 3"/>
+          <p:cNvSpPr>
+            <a:spLocks noGrp="1"/>
+          </p:cNvSpPr>
+          <p:nvPr>
+            <p:ph type="sldNum" sz="quarter" idx="5"/>
+          </p:nvPr>
+        </p:nvSpPr>
+        <p:spPr/>
+        <p:txBody>
+          <a:bodyPr/>
+          <a:lstStyle/>
+          <a:p>
+            <a:fld id="{80F42948-DE5F-4110-8803-00C14061AE40}" type="slidenum">
+              <a:rPr lang="en-US" smtClean="0"/>
+              <a:t>14</a:t>
+            </a:fld>
+            <a:endParaRPr lang="en-US"/>
+          </a:p>
+        </p:txBody>
+      </p:sp>
+    </p:spTree>
+    <p:extLst>
+      <p:ext uri="{BB962C8B-B14F-4D97-AF65-F5344CB8AC3E}">
+        <p14:creationId xmlns:p14="http://schemas.microsoft.com/office/powerpoint/2010/main" val="3472752212"/>
+      </p:ext>
+    </p:extLst>
+  </p:cSld>
+  <p:clrMapOvr>
+    <a:masterClrMapping/>
+  </p:clrMapOvr>
+</p:notes>
+</file>
+
+<file path=ppt/notesSlides/notesSlide8.xml><?xml version="1.0" encoding="utf-8"?>
+<p:notes xmlns:a="http://schemas.openxmlformats.org/drawingml/2006/main" xmlns:r="http://schemas.openxmlformats.org/officeDocument/2006/relationships" xmlns:p="http://schemas.openxmlformats.org/presentationml/2006/main">
+  <p:cSld>
+    <p:spTree>
+      <p:nvGrpSpPr>
+        <p:cNvPr id="1" name=""/>
+        <p:cNvGrpSpPr/>
+        <p:nvPr/>
+      </p:nvGrpSpPr>
+      <p:grpSpPr>
+        <a:xfrm>
+          <a:off x="0" y="0"/>
+          <a:ext cx="0" cy="0"/>
+          <a:chOff x="0" y="0"/>
+          <a:chExt cx="0" cy="0"/>
+        </a:xfrm>
+      </p:grpSpPr>
+      <p:sp>
+        <p:nvSpPr>
+          <p:cNvPr id="2" name="Slide Image Placeholder 1"/>
+          <p:cNvSpPr>
+            <a:spLocks noGrp="1" noRot="1" noChangeAspect="1"/>
+          </p:cNvSpPr>
+          <p:nvPr>
+            <p:ph type="sldImg"/>
+          </p:nvPr>
+        </p:nvSpPr>
+        <p:spPr/>
+      </p:sp>
+      <p:sp>
+        <p:nvSpPr>
+          <p:cNvPr id="3" name="Notes Placeholder 2"/>
+          <p:cNvSpPr>
+            <a:spLocks noGrp="1"/>
+          </p:cNvSpPr>
+          <p:nvPr>
+            <p:ph type="body" idx="1"/>
+          </p:nvPr>
+        </p:nvSpPr>
+        <p:spPr/>
+        <p:txBody>
+          <a:bodyPr/>
+          <a:lstStyle/>
+          <a:p>
+            <a:r>
+              <a:rPr lang="en-US" dirty="0"/>
+              <a:t>Init properties are optional, but it doesn’t mean you can set after instantiation</a:t>
+            </a:r>
+          </a:p>
+        </p:txBody>
+      </p:sp>
+      <p:sp>
+        <p:nvSpPr>
+          <p:cNvPr id="4" name="Slide Number Placeholder 3"/>
+          <p:cNvSpPr>
+            <a:spLocks noGrp="1"/>
+          </p:cNvSpPr>
+          <p:nvPr>
+            <p:ph type="sldNum" sz="quarter" idx="5"/>
+          </p:nvPr>
+        </p:nvSpPr>
+        <p:spPr/>
+        <p:txBody>
+          <a:bodyPr/>
+          <a:lstStyle/>
+          <a:p>
+            <a:fld id="{80F42948-DE5F-4110-8803-00C14061AE40}" type="slidenum">
+              <a:rPr lang="en-US" smtClean="0"/>
+              <a:t>15</a:t>
+            </a:fld>
+            <a:endParaRPr lang="en-US"/>
+          </a:p>
+        </p:txBody>
+      </p:sp>
+    </p:spTree>
+    <p:extLst>
+      <p:ext uri="{BB962C8B-B14F-4D97-AF65-F5344CB8AC3E}">
+        <p14:creationId xmlns:p14="http://schemas.microsoft.com/office/powerpoint/2010/main" val="4055100273"/>
+      </p:ext>
+    </p:extLst>
+  </p:cSld>
+  <p:clrMapOvr>
+    <a:masterClrMapping/>
+  </p:clrMapOvr>
+</p:notes>
+</file>
+
+<file path=ppt/notesSlides/notesSlide9.xml><?xml version="1.0" encoding="utf-8"?>
+<p:notes xmlns:a="http://schemas.openxmlformats.org/drawingml/2006/main" xmlns:r="http://schemas.openxmlformats.org/officeDocument/2006/relationships" xmlns:p="http://schemas.openxmlformats.org/presentationml/2006/main">
+  <p:cSld>
+    <p:spTree>
+      <p:nvGrpSpPr>
+        <p:cNvPr id="1" name=""/>
+        <p:cNvGrpSpPr/>
+        <p:nvPr/>
+      </p:nvGrpSpPr>
+      <p:grpSpPr>
+        <a:xfrm>
+          <a:off x="0" y="0"/>
+          <a:ext cx="0" cy="0"/>
+          <a:chOff x="0" y="0"/>
+          <a:chExt cx="0" cy="0"/>
+        </a:xfrm>
+      </p:grpSpPr>
+      <p:sp>
+        <p:nvSpPr>
+          <p:cNvPr id="2" name="Slide Image Placeholder 1"/>
+          <p:cNvSpPr>
+            <a:spLocks noGrp="1" noRot="1" noChangeAspect="1"/>
+          </p:cNvSpPr>
+          <p:nvPr>
+            <p:ph type="sldImg"/>
+          </p:nvPr>
+        </p:nvSpPr>
+        <p:spPr/>
+      </p:sp>
+      <p:sp>
+        <p:nvSpPr>
+          <p:cNvPr id="3" name="Notes Placeholder 2"/>
+          <p:cNvSpPr>
+            <a:spLocks noGrp="1"/>
+          </p:cNvSpPr>
+          <p:nvPr>
+            <p:ph type="body" idx="1"/>
+          </p:nvPr>
+        </p:nvSpPr>
+        <p:spPr/>
+        <p:txBody>
+          <a:bodyPr/>
+          <a:lstStyle/>
+          <a:p>
+            <a:r>
+              <a:rPr lang="en-US" dirty="0"/>
+              <a:t>Here’s how you would do it with positional records.</a:t>
+            </a:r>
+          </a:p>
+        </p:txBody>
+      </p:sp>
+      <p:sp>
+        <p:nvSpPr>
+          <p:cNvPr id="4" name="Slide Number Placeholder 3"/>
+          <p:cNvSpPr>
+            <a:spLocks noGrp="1"/>
+          </p:cNvSpPr>
+          <p:nvPr>
+            <p:ph type="sldNum" sz="quarter" idx="5"/>
+          </p:nvPr>
+        </p:nvSpPr>
+        <p:spPr/>
+        <p:txBody>
+          <a:bodyPr/>
+          <a:lstStyle/>
+          <a:p>
+            <a:fld id="{80F42948-DE5F-4110-8803-00C14061AE40}" type="slidenum">
+              <a:rPr lang="en-US" smtClean="0"/>
+              <a:t>17</a:t>
+            </a:fld>
+            <a:endParaRPr lang="en-US"/>
+          </a:p>
+        </p:txBody>
+      </p:sp>
+    </p:spTree>
+    <p:extLst>
+      <p:ext uri="{BB962C8B-B14F-4D97-AF65-F5344CB8AC3E}">
+        <p14:creationId xmlns:p14="http://schemas.microsoft.com/office/powerpoint/2010/main" val="1888571006"/>
+      </p:ext>
+    </p:extLst>
+  </p:cSld>
+  <p:clrMapOvr>
+    <a:masterClrMapping/>
+  </p:clrMapOvr>
+</p:notes>
 </file>
 
 <file path=ppt/slideLayouts/slideLayout1.xml><?xml version="1.0" encoding="utf-8"?>
@@ -3411,6 +4861,1902 @@
 </p:sld>
 </file>
 
+<file path=ppt/slides/slide10.xml><?xml version="1.0" encoding="utf-8"?>
+<p:sld xmlns:a="http://schemas.openxmlformats.org/drawingml/2006/main" xmlns:r="http://schemas.openxmlformats.org/officeDocument/2006/relationships" xmlns:p="http://schemas.openxmlformats.org/presentationml/2006/main">
+  <p:cSld>
+    <p:spTree>
+      <p:nvGrpSpPr>
+        <p:cNvPr id="1" name=""/>
+        <p:cNvGrpSpPr/>
+        <p:nvPr/>
+      </p:nvGrpSpPr>
+      <p:grpSpPr>
+        <a:xfrm>
+          <a:off x="0" y="0"/>
+          <a:ext cx="0" cy="0"/>
+          <a:chOff x="0" y="0"/>
+          <a:chExt cx="0" cy="0"/>
+        </a:xfrm>
+      </p:grpSpPr>
+      <p:pic>
+        <p:nvPicPr>
+          <p:cNvPr id="4" name="Picture 3">
+            <a:extLst>
+              <a:ext uri="{FF2B5EF4-FFF2-40B4-BE49-F238E27FC236}">
+                <a16:creationId xmlns:a16="http://schemas.microsoft.com/office/drawing/2014/main" id="{8619E3D0-EF85-4D1F-A9CB-49B03978DE88}"/>
+              </a:ext>
+            </a:extLst>
+          </p:cNvPr>
+          <p:cNvPicPr>
+            <a:picLocks noChangeAspect="1"/>
+          </p:cNvPicPr>
+          <p:nvPr/>
+        </p:nvPicPr>
+        <p:blipFill>
+          <a:blip r:embed="rId3"/>
+          <a:stretch>
+            <a:fillRect/>
+          </a:stretch>
+        </p:blipFill>
+        <p:spPr>
+          <a:xfrm>
+            <a:off x="957320" y="0"/>
+            <a:ext cx="10277359" cy="6858000"/>
+          </a:xfrm>
+          <a:prstGeom prst="rect">
+            <a:avLst/>
+          </a:prstGeom>
+        </p:spPr>
+      </p:pic>
+    </p:spTree>
+    <p:extLst>
+      <p:ext uri="{BB962C8B-B14F-4D97-AF65-F5344CB8AC3E}">
+        <p14:creationId xmlns:p14="http://schemas.microsoft.com/office/powerpoint/2010/main" val="4012683941"/>
+      </p:ext>
+    </p:extLst>
+  </p:cSld>
+  <p:clrMapOvr>
+    <a:masterClrMapping/>
+  </p:clrMapOvr>
+</p:sld>
+</file>
+
+<file path=ppt/slides/slide11.xml><?xml version="1.0" encoding="utf-8"?>
+<p:sld xmlns:a="http://schemas.openxmlformats.org/drawingml/2006/main" xmlns:r="http://schemas.openxmlformats.org/officeDocument/2006/relationships" xmlns:p="http://schemas.openxmlformats.org/presentationml/2006/main">
+  <p:cSld>
+    <p:spTree>
+      <p:nvGrpSpPr>
+        <p:cNvPr id="1" name=""/>
+        <p:cNvGrpSpPr/>
+        <p:nvPr/>
+      </p:nvGrpSpPr>
+      <p:grpSpPr>
+        <a:xfrm>
+          <a:off x="0" y="0"/>
+          <a:ext cx="0" cy="0"/>
+          <a:chOff x="0" y="0"/>
+          <a:chExt cx="0" cy="0"/>
+        </a:xfrm>
+      </p:grpSpPr>
+      <p:pic>
+        <p:nvPicPr>
+          <p:cNvPr id="3" name="Picture 2">
+            <a:extLst>
+              <a:ext uri="{FF2B5EF4-FFF2-40B4-BE49-F238E27FC236}">
+                <a16:creationId xmlns:a16="http://schemas.microsoft.com/office/drawing/2014/main" id="{430D4EFF-FCFB-4A8B-9817-51B0EFBD0F42}"/>
+              </a:ext>
+            </a:extLst>
+          </p:cNvPr>
+          <p:cNvPicPr>
+            <a:picLocks noChangeAspect="1"/>
+          </p:cNvPicPr>
+          <p:nvPr/>
+        </p:nvPicPr>
+        <p:blipFill>
+          <a:blip r:embed="rId3"/>
+          <a:stretch>
+            <a:fillRect/>
+          </a:stretch>
+        </p:blipFill>
+        <p:spPr>
+          <a:xfrm>
+            <a:off x="918437" y="0"/>
+            <a:ext cx="10355126" cy="6858000"/>
+          </a:xfrm>
+          <a:prstGeom prst="rect">
+            <a:avLst/>
+          </a:prstGeom>
+        </p:spPr>
+      </p:pic>
+    </p:spTree>
+    <p:extLst>
+      <p:ext uri="{BB962C8B-B14F-4D97-AF65-F5344CB8AC3E}">
+        <p14:creationId xmlns:p14="http://schemas.microsoft.com/office/powerpoint/2010/main" val="3125902778"/>
+      </p:ext>
+    </p:extLst>
+  </p:cSld>
+  <p:clrMapOvr>
+    <a:masterClrMapping/>
+  </p:clrMapOvr>
+</p:sld>
+</file>
+
+<file path=ppt/slides/slide12.xml><?xml version="1.0" encoding="utf-8"?>
+<p:sld xmlns:a="http://schemas.openxmlformats.org/drawingml/2006/main" xmlns:r="http://schemas.openxmlformats.org/officeDocument/2006/relationships" xmlns:p="http://schemas.openxmlformats.org/presentationml/2006/main">
+  <p:cSld>
+    <p:spTree>
+      <p:nvGrpSpPr>
+        <p:cNvPr id="1" name=""/>
+        <p:cNvGrpSpPr/>
+        <p:nvPr/>
+      </p:nvGrpSpPr>
+      <p:grpSpPr>
+        <a:xfrm>
+          <a:off x="0" y="0"/>
+          <a:ext cx="0" cy="0"/>
+          <a:chOff x="0" y="0"/>
+          <a:chExt cx="0" cy="0"/>
+        </a:xfrm>
+      </p:grpSpPr>
+      <p:sp>
+        <p:nvSpPr>
+          <p:cNvPr id="2" name="Title 1">
+            <a:extLst>
+              <a:ext uri="{FF2B5EF4-FFF2-40B4-BE49-F238E27FC236}">
+                <a16:creationId xmlns:a16="http://schemas.microsoft.com/office/drawing/2014/main" id="{1373447C-546D-4DA6-9419-AB10C5103275}"/>
+              </a:ext>
+            </a:extLst>
+          </p:cNvPr>
+          <p:cNvSpPr>
+            <a:spLocks noGrp="1"/>
+          </p:cNvSpPr>
+          <p:nvPr>
+            <p:ph type="ctrTitle"/>
+          </p:nvPr>
+        </p:nvSpPr>
+        <p:spPr>
+          <a:xfrm>
+            <a:off x="568036" y="332654"/>
+            <a:ext cx="9144000" cy="964131"/>
+          </a:xfrm>
+        </p:spPr>
+        <p:txBody>
+          <a:bodyPr>
+            <a:normAutofit/>
+          </a:bodyPr>
+          <a:lstStyle/>
+          <a:p>
+            <a:pPr algn="l"/>
+            <a:r>
+              <a:rPr lang="en-US" dirty="0"/>
+              <a:t>C# 9: Init-only properties</a:t>
+            </a:r>
+          </a:p>
+        </p:txBody>
+      </p:sp>
+      <p:sp>
+        <p:nvSpPr>
+          <p:cNvPr id="3" name="Subtitle 2">
+            <a:extLst>
+              <a:ext uri="{FF2B5EF4-FFF2-40B4-BE49-F238E27FC236}">
+                <a16:creationId xmlns:a16="http://schemas.microsoft.com/office/drawing/2014/main" id="{4FA301AB-2822-4762-B485-6243C65DEBD8}"/>
+              </a:ext>
+            </a:extLst>
+          </p:cNvPr>
+          <p:cNvSpPr>
+            <a:spLocks noGrp="1"/>
+          </p:cNvSpPr>
+          <p:nvPr>
+            <p:ph type="subTitle" idx="1"/>
+          </p:nvPr>
+        </p:nvSpPr>
+        <p:spPr>
+          <a:xfrm>
+            <a:off x="198461" y="6176355"/>
+            <a:ext cx="4980368" cy="564789"/>
+          </a:xfrm>
+        </p:spPr>
+        <p:txBody>
+          <a:bodyPr>
+            <a:normAutofit lnSpcReduction="10000"/>
+          </a:bodyPr>
+          <a:lstStyle/>
+          <a:p>
+            <a:pPr algn="l"/>
+            <a:r>
+              <a:rPr lang="en-US" sz="1800" dirty="0">
+                <a:solidFill>
+                  <a:schemeClr val="bg1">
+                    <a:lumMod val="65000"/>
+                  </a:schemeClr>
+                </a:solidFill>
+              </a:rPr>
+              <a:t>@daveabrock</a:t>
+            </a:r>
+            <a:br>
+              <a:rPr lang="en-US" sz="1800" dirty="0">
+                <a:solidFill>
+                  <a:schemeClr val="bg1">
+                    <a:lumMod val="65000"/>
+                  </a:schemeClr>
+                </a:solidFill>
+              </a:rPr>
+            </a:br>
+            <a:r>
+              <a:rPr lang="en-US" sz="1800" dirty="0">
+                <a:solidFill>
+                  <a:schemeClr val="bg1">
+                    <a:lumMod val="65000"/>
+                  </a:schemeClr>
+                </a:solidFill>
+              </a:rPr>
+              <a:t>daveabrock.com</a:t>
+            </a:r>
+          </a:p>
+        </p:txBody>
+      </p:sp>
+      <p:sp>
+        <p:nvSpPr>
+          <p:cNvPr id="6" name="Subtitle 2">
+            <a:extLst>
+              <a:ext uri="{FF2B5EF4-FFF2-40B4-BE49-F238E27FC236}">
+                <a16:creationId xmlns:a16="http://schemas.microsoft.com/office/drawing/2014/main" id="{42F1DC3A-44A5-45BC-A44C-B36727AD5C01}"/>
+              </a:ext>
+            </a:extLst>
+          </p:cNvPr>
+          <p:cNvSpPr txBox="1">
+            <a:spLocks/>
+          </p:cNvSpPr>
+          <p:nvPr/>
+        </p:nvSpPr>
+        <p:spPr>
+          <a:xfrm>
+            <a:off x="7211632" y="6176355"/>
+            <a:ext cx="4980368" cy="564790"/>
+          </a:xfrm>
+          <a:prstGeom prst="rect">
+            <a:avLst/>
+          </a:prstGeom>
+        </p:spPr>
+        <p:txBody>
+          <a:bodyPr vert="horz" lIns="91440" tIns="45720" rIns="91440" bIns="45720" rtlCol="0">
+            <a:normAutofit lnSpcReduction="10000"/>
+          </a:bodyPr>
+          <a:lstStyle>
+            <a:lvl1pPr marL="0" indent="0" algn="ctr" defTabSz="914400" rtl="0" eaLnBrk="1" latinLnBrk="0" hangingPunct="1">
+              <a:lnSpc>
+                <a:spcPct val="90000"/>
+              </a:lnSpc>
+              <a:spcBef>
+                <a:spcPts val="1000"/>
+              </a:spcBef>
+              <a:buFont typeface="Arial" panose="020B0604020202020204" pitchFamily="34" charset="0"/>
+              <a:buNone/>
+              <a:defRPr sz="2400" kern="1200">
+                <a:solidFill>
+                  <a:schemeClr val="tx1"/>
+                </a:solidFill>
+                <a:latin typeface="+mn-lt"/>
+                <a:ea typeface="+mn-ea"/>
+                <a:cs typeface="+mn-cs"/>
+              </a:defRPr>
+            </a:lvl1pPr>
+            <a:lvl2pPr marL="457200" indent="0" algn="ctr" defTabSz="914400" rtl="0" eaLnBrk="1" latinLnBrk="0" hangingPunct="1">
+              <a:lnSpc>
+                <a:spcPct val="90000"/>
+              </a:lnSpc>
+              <a:spcBef>
+                <a:spcPts val="500"/>
+              </a:spcBef>
+              <a:buFont typeface="Arial" panose="020B0604020202020204" pitchFamily="34" charset="0"/>
+              <a:buNone/>
+              <a:defRPr sz="2000" kern="1200">
+                <a:solidFill>
+                  <a:schemeClr val="tx1"/>
+                </a:solidFill>
+                <a:latin typeface="+mn-lt"/>
+                <a:ea typeface="+mn-ea"/>
+                <a:cs typeface="+mn-cs"/>
+              </a:defRPr>
+            </a:lvl2pPr>
+            <a:lvl3pPr marL="914400" indent="0" algn="ctr" defTabSz="914400" rtl="0" eaLnBrk="1" latinLnBrk="0" hangingPunct="1">
+              <a:lnSpc>
+                <a:spcPct val="90000"/>
+              </a:lnSpc>
+              <a:spcBef>
+                <a:spcPts val="500"/>
+              </a:spcBef>
+              <a:buFont typeface="Arial" panose="020B0604020202020204" pitchFamily="34" charset="0"/>
+              <a:buNone/>
+              <a:defRPr sz="1800" kern="1200">
+                <a:solidFill>
+                  <a:schemeClr val="tx1"/>
+                </a:solidFill>
+                <a:latin typeface="+mn-lt"/>
+                <a:ea typeface="+mn-ea"/>
+                <a:cs typeface="+mn-cs"/>
+              </a:defRPr>
+            </a:lvl3pPr>
+            <a:lvl4pPr marL="1371600" indent="0" algn="ctr" defTabSz="914400" rtl="0" eaLnBrk="1" latinLnBrk="0" hangingPunct="1">
+              <a:lnSpc>
+                <a:spcPct val="90000"/>
+              </a:lnSpc>
+              <a:spcBef>
+                <a:spcPts val="500"/>
+              </a:spcBef>
+              <a:buFont typeface="Arial" panose="020B0604020202020204" pitchFamily="34" charset="0"/>
+              <a:buNone/>
+              <a:defRPr sz="1600" kern="1200">
+                <a:solidFill>
+                  <a:schemeClr val="tx1"/>
+                </a:solidFill>
+                <a:latin typeface="+mn-lt"/>
+                <a:ea typeface="+mn-ea"/>
+                <a:cs typeface="+mn-cs"/>
+              </a:defRPr>
+            </a:lvl4pPr>
+            <a:lvl5pPr marL="1828800" indent="0" algn="ctr" defTabSz="914400" rtl="0" eaLnBrk="1" latinLnBrk="0" hangingPunct="1">
+              <a:lnSpc>
+                <a:spcPct val="90000"/>
+              </a:lnSpc>
+              <a:spcBef>
+                <a:spcPts val="500"/>
+              </a:spcBef>
+              <a:buFont typeface="Arial" panose="020B0604020202020204" pitchFamily="34" charset="0"/>
+              <a:buNone/>
+              <a:defRPr sz="1600" kern="1200">
+                <a:solidFill>
+                  <a:schemeClr val="tx1"/>
+                </a:solidFill>
+                <a:latin typeface="+mn-lt"/>
+                <a:ea typeface="+mn-ea"/>
+                <a:cs typeface="+mn-cs"/>
+              </a:defRPr>
+            </a:lvl5pPr>
+            <a:lvl6pPr marL="2286000" indent="0" algn="ctr" defTabSz="914400" rtl="0" eaLnBrk="1" latinLnBrk="0" hangingPunct="1">
+              <a:lnSpc>
+                <a:spcPct val="90000"/>
+              </a:lnSpc>
+              <a:spcBef>
+                <a:spcPts val="500"/>
+              </a:spcBef>
+              <a:buFont typeface="Arial" panose="020B0604020202020204" pitchFamily="34" charset="0"/>
+              <a:buNone/>
+              <a:defRPr sz="1600" kern="1200">
+                <a:solidFill>
+                  <a:schemeClr val="tx1"/>
+                </a:solidFill>
+                <a:latin typeface="+mn-lt"/>
+                <a:ea typeface="+mn-ea"/>
+                <a:cs typeface="+mn-cs"/>
+              </a:defRPr>
+            </a:lvl6pPr>
+            <a:lvl7pPr marL="2743200" indent="0" algn="ctr" defTabSz="914400" rtl="0" eaLnBrk="1" latinLnBrk="0" hangingPunct="1">
+              <a:lnSpc>
+                <a:spcPct val="90000"/>
+              </a:lnSpc>
+              <a:spcBef>
+                <a:spcPts val="500"/>
+              </a:spcBef>
+              <a:buFont typeface="Arial" panose="020B0604020202020204" pitchFamily="34" charset="0"/>
+              <a:buNone/>
+              <a:defRPr sz="1600" kern="1200">
+                <a:solidFill>
+                  <a:schemeClr val="tx1"/>
+                </a:solidFill>
+                <a:latin typeface="+mn-lt"/>
+                <a:ea typeface="+mn-ea"/>
+                <a:cs typeface="+mn-cs"/>
+              </a:defRPr>
+            </a:lvl7pPr>
+            <a:lvl8pPr marL="3200400" indent="0" algn="ctr" defTabSz="914400" rtl="0" eaLnBrk="1" latinLnBrk="0" hangingPunct="1">
+              <a:lnSpc>
+                <a:spcPct val="90000"/>
+              </a:lnSpc>
+              <a:spcBef>
+                <a:spcPts val="500"/>
+              </a:spcBef>
+              <a:buFont typeface="Arial" panose="020B0604020202020204" pitchFamily="34" charset="0"/>
+              <a:buNone/>
+              <a:defRPr sz="1600" kern="1200">
+                <a:solidFill>
+                  <a:schemeClr val="tx1"/>
+                </a:solidFill>
+                <a:latin typeface="+mn-lt"/>
+                <a:ea typeface="+mn-ea"/>
+                <a:cs typeface="+mn-cs"/>
+              </a:defRPr>
+            </a:lvl8pPr>
+            <a:lvl9pPr marL="3657600" indent="0" algn="ctr" defTabSz="914400" rtl="0" eaLnBrk="1" latinLnBrk="0" hangingPunct="1">
+              <a:lnSpc>
+                <a:spcPct val="90000"/>
+              </a:lnSpc>
+              <a:spcBef>
+                <a:spcPts val="500"/>
+              </a:spcBef>
+              <a:buFont typeface="Arial" panose="020B0604020202020204" pitchFamily="34" charset="0"/>
+              <a:buNone/>
+              <a:defRPr sz="1600" kern="1200">
+                <a:solidFill>
+                  <a:schemeClr val="tx1"/>
+                </a:solidFill>
+                <a:latin typeface="+mn-lt"/>
+                <a:ea typeface="+mn-ea"/>
+                <a:cs typeface="+mn-cs"/>
+              </a:defRPr>
+            </a:lvl9pPr>
+          </a:lstStyle>
+          <a:p>
+            <a:pPr algn="r"/>
+            <a:r>
+              <a:rPr lang="en-US" sz="1800" dirty="0">
+                <a:solidFill>
+                  <a:schemeClr val="bg1">
+                    <a:lumMod val="65000"/>
+                  </a:schemeClr>
+                </a:solidFill>
+              </a:rPr>
+              <a:t>@dotnetstacks</a:t>
+            </a:r>
+            <a:br>
+              <a:rPr lang="en-US" sz="1800" dirty="0">
+                <a:solidFill>
+                  <a:schemeClr val="bg1">
+                    <a:lumMod val="65000"/>
+                  </a:schemeClr>
+                </a:solidFill>
+              </a:rPr>
+            </a:br>
+            <a:r>
+              <a:rPr lang="en-US" sz="1800" dirty="0">
+                <a:solidFill>
+                  <a:schemeClr val="bg1">
+                    <a:lumMod val="65000"/>
+                  </a:schemeClr>
+                </a:solidFill>
+              </a:rPr>
+              <a:t>dotnetstacks.com</a:t>
+            </a:r>
+          </a:p>
+        </p:txBody>
+      </p:sp>
+      <p:pic>
+        <p:nvPicPr>
+          <p:cNvPr id="11" name="Picture 10">
+            <a:extLst>
+              <a:ext uri="{FF2B5EF4-FFF2-40B4-BE49-F238E27FC236}">
+                <a16:creationId xmlns:a16="http://schemas.microsoft.com/office/drawing/2014/main" id="{2ACFC1E0-1DDB-4BF7-B1FC-B3648F91B67F}"/>
+              </a:ext>
+            </a:extLst>
+          </p:cNvPr>
+          <p:cNvPicPr>
+            <a:picLocks noChangeAspect="1"/>
+          </p:cNvPicPr>
+          <p:nvPr/>
+        </p:nvPicPr>
+        <p:blipFill>
+          <a:blip r:embed="rId2">
+            <a:extLst>
+              <a:ext uri="{28A0092B-C50C-407E-A947-70E740481C1C}">
+                <a14:useLocalDpi xmlns:a14="http://schemas.microsoft.com/office/drawing/2010/main" val="0"/>
+              </a:ext>
+            </a:extLst>
+          </a:blip>
+          <a:stretch>
+            <a:fillRect/>
+          </a:stretch>
+        </p:blipFill>
+        <p:spPr>
+          <a:xfrm>
+            <a:off x="8741729" y="2214242"/>
+            <a:ext cx="2804650" cy="3082779"/>
+          </a:xfrm>
+          <a:prstGeom prst="rect">
+            <a:avLst/>
+          </a:prstGeom>
+        </p:spPr>
+      </p:pic>
+      <p:sp>
+        <p:nvSpPr>
+          <p:cNvPr id="16" name="TextBox 15">
+            <a:extLst>
+              <a:ext uri="{FF2B5EF4-FFF2-40B4-BE49-F238E27FC236}">
+                <a16:creationId xmlns:a16="http://schemas.microsoft.com/office/drawing/2014/main" id="{A08CCD18-821D-47BA-88B7-4F826B85AFA1}"/>
+              </a:ext>
+            </a:extLst>
+          </p:cNvPr>
+          <p:cNvSpPr txBox="1"/>
+          <p:nvPr/>
+        </p:nvSpPr>
+        <p:spPr>
+          <a:xfrm>
+            <a:off x="645621" y="1296785"/>
+            <a:ext cx="6866313" cy="5878532"/>
+          </a:xfrm>
+          <a:prstGeom prst="rect">
+            <a:avLst/>
+          </a:prstGeom>
+          <a:noFill/>
+        </p:spPr>
+        <p:txBody>
+          <a:bodyPr wrap="square" rtlCol="0">
+            <a:spAutoFit/>
+          </a:bodyPr>
+          <a:lstStyle/>
+          <a:p>
+            <a:r>
+              <a:rPr lang="en-US" sz="3000" dirty="0"/>
+              <a:t>Init-only properties:</a:t>
+            </a:r>
+          </a:p>
+          <a:p>
+            <a:endParaRPr lang="en-US" sz="3000" dirty="0"/>
+          </a:p>
+          <a:p>
+            <a:pPr marL="342900" indent="-342900">
+              <a:buFont typeface="Arial" panose="020B0604020202020204" pitchFamily="34" charset="0"/>
+              <a:buChar char="•"/>
+            </a:pPr>
+            <a:r>
+              <a:rPr lang="en-US" sz="3000" dirty="0"/>
+              <a:t>Allow you to have properties that  resemble immutability</a:t>
+            </a:r>
+          </a:p>
+          <a:p>
+            <a:endParaRPr lang="en-US" sz="3000" dirty="0"/>
+          </a:p>
+          <a:p>
+            <a:pPr marL="342900" indent="-342900">
+              <a:buFont typeface="Arial" panose="020B0604020202020204" pitchFamily="34" charset="0"/>
+              <a:buChar char="•"/>
+            </a:pPr>
+            <a:endParaRPr lang="en-US" sz="3000" dirty="0"/>
+          </a:p>
+          <a:p>
+            <a:pPr marL="342900" indent="-342900">
+              <a:buFont typeface="Arial" panose="020B0604020202020204" pitchFamily="34" charset="0"/>
+              <a:buChar char="•"/>
+            </a:pPr>
+            <a:r>
+              <a:rPr lang="en-US" sz="3000" dirty="0"/>
+              <a:t>The </a:t>
+            </a:r>
+            <a:r>
+              <a:rPr lang="en-US" sz="3000" dirty="0" err="1"/>
+              <a:t>init</a:t>
+            </a:r>
+            <a:r>
+              <a:rPr lang="en-US" sz="3000" dirty="0"/>
+              <a:t> keyword prevents you from mutating an object after initialization/instantiation</a:t>
+            </a:r>
+          </a:p>
+          <a:p>
+            <a:endParaRPr lang="en-US" sz="2200" dirty="0"/>
+          </a:p>
+          <a:p>
+            <a:endParaRPr lang="en-US" sz="2200" b="1" dirty="0"/>
+          </a:p>
+          <a:p>
+            <a:endParaRPr lang="en-US" sz="2200" b="1" dirty="0"/>
+          </a:p>
+          <a:p>
+            <a:endParaRPr lang="en-US" sz="2200" dirty="0"/>
+          </a:p>
+          <a:p>
+            <a:endParaRPr lang="en-US" dirty="0"/>
+          </a:p>
+        </p:txBody>
+      </p:sp>
+    </p:spTree>
+    <p:extLst>
+      <p:ext uri="{BB962C8B-B14F-4D97-AF65-F5344CB8AC3E}">
+        <p14:creationId xmlns:p14="http://schemas.microsoft.com/office/powerpoint/2010/main" val="3277149870"/>
+      </p:ext>
+    </p:extLst>
+  </p:cSld>
+  <p:clrMapOvr>
+    <a:masterClrMapping/>
+  </p:clrMapOvr>
+</p:sld>
+</file>
+
+<file path=ppt/slides/slide13.xml><?xml version="1.0" encoding="utf-8"?>
+<p:sld xmlns:a="http://schemas.openxmlformats.org/drawingml/2006/main" xmlns:r="http://schemas.openxmlformats.org/officeDocument/2006/relationships" xmlns:p="http://schemas.openxmlformats.org/presentationml/2006/main">
+  <p:cSld>
+    <p:spTree>
+      <p:nvGrpSpPr>
+        <p:cNvPr id="1" name=""/>
+        <p:cNvGrpSpPr/>
+        <p:nvPr/>
+      </p:nvGrpSpPr>
+      <p:grpSpPr>
+        <a:xfrm>
+          <a:off x="0" y="0"/>
+          <a:ext cx="0" cy="0"/>
+          <a:chOff x="0" y="0"/>
+          <a:chExt cx="0" cy="0"/>
+        </a:xfrm>
+      </p:grpSpPr>
+      <p:pic>
+        <p:nvPicPr>
+          <p:cNvPr id="4" name="Picture 3">
+            <a:extLst>
+              <a:ext uri="{FF2B5EF4-FFF2-40B4-BE49-F238E27FC236}">
+                <a16:creationId xmlns:a16="http://schemas.microsoft.com/office/drawing/2014/main" id="{9AD2BAC5-C5E8-4792-867A-142ACC706258}"/>
+              </a:ext>
+            </a:extLst>
+          </p:cNvPr>
+          <p:cNvPicPr>
+            <a:picLocks noChangeAspect="1"/>
+          </p:cNvPicPr>
+          <p:nvPr/>
+        </p:nvPicPr>
+        <p:blipFill>
+          <a:blip r:embed="rId3"/>
+          <a:stretch>
+            <a:fillRect/>
+          </a:stretch>
+        </p:blipFill>
+        <p:spPr>
+          <a:xfrm>
+            <a:off x="1572538" y="0"/>
+            <a:ext cx="9046924" cy="6858000"/>
+          </a:xfrm>
+          <a:prstGeom prst="rect">
+            <a:avLst/>
+          </a:prstGeom>
+        </p:spPr>
+      </p:pic>
+    </p:spTree>
+    <p:extLst>
+      <p:ext uri="{BB962C8B-B14F-4D97-AF65-F5344CB8AC3E}">
+        <p14:creationId xmlns:p14="http://schemas.microsoft.com/office/powerpoint/2010/main" val="965238876"/>
+      </p:ext>
+    </p:extLst>
+  </p:cSld>
+  <p:clrMapOvr>
+    <a:masterClrMapping/>
+  </p:clrMapOvr>
+</p:sld>
+</file>
+
+<file path=ppt/slides/slide14.xml><?xml version="1.0" encoding="utf-8"?>
+<p:sld xmlns:a="http://schemas.openxmlformats.org/drawingml/2006/main" xmlns:r="http://schemas.openxmlformats.org/officeDocument/2006/relationships" xmlns:p="http://schemas.openxmlformats.org/presentationml/2006/main">
+  <p:cSld>
+    <p:spTree>
+      <p:nvGrpSpPr>
+        <p:cNvPr id="1" name=""/>
+        <p:cNvGrpSpPr/>
+        <p:nvPr/>
+      </p:nvGrpSpPr>
+      <p:grpSpPr>
+        <a:xfrm>
+          <a:off x="0" y="0"/>
+          <a:ext cx="0" cy="0"/>
+          <a:chOff x="0" y="0"/>
+          <a:chExt cx="0" cy="0"/>
+        </a:xfrm>
+      </p:grpSpPr>
+      <p:pic>
+        <p:nvPicPr>
+          <p:cNvPr id="3" name="Picture 2">
+            <a:extLst>
+              <a:ext uri="{FF2B5EF4-FFF2-40B4-BE49-F238E27FC236}">
+                <a16:creationId xmlns:a16="http://schemas.microsoft.com/office/drawing/2014/main" id="{8570FDF8-10DD-4454-A5A2-248F4B8D58AE}"/>
+              </a:ext>
+            </a:extLst>
+          </p:cNvPr>
+          <p:cNvPicPr>
+            <a:picLocks noChangeAspect="1"/>
+          </p:cNvPicPr>
+          <p:nvPr/>
+        </p:nvPicPr>
+        <p:blipFill>
+          <a:blip r:embed="rId3"/>
+          <a:stretch>
+            <a:fillRect/>
+          </a:stretch>
+        </p:blipFill>
+        <p:spPr>
+          <a:xfrm>
+            <a:off x="858880" y="0"/>
+            <a:ext cx="10474240" cy="6858000"/>
+          </a:xfrm>
+          <a:prstGeom prst="rect">
+            <a:avLst/>
+          </a:prstGeom>
+        </p:spPr>
+      </p:pic>
+    </p:spTree>
+    <p:extLst>
+      <p:ext uri="{BB962C8B-B14F-4D97-AF65-F5344CB8AC3E}">
+        <p14:creationId xmlns:p14="http://schemas.microsoft.com/office/powerpoint/2010/main" val="1669042579"/>
+      </p:ext>
+    </p:extLst>
+  </p:cSld>
+  <p:clrMapOvr>
+    <a:masterClrMapping/>
+  </p:clrMapOvr>
+</p:sld>
+</file>
+
+<file path=ppt/slides/slide15.xml><?xml version="1.0" encoding="utf-8"?>
+<p:sld xmlns:a="http://schemas.openxmlformats.org/drawingml/2006/main" xmlns:r="http://schemas.openxmlformats.org/officeDocument/2006/relationships" xmlns:p="http://schemas.openxmlformats.org/presentationml/2006/main">
+  <p:cSld>
+    <p:spTree>
+      <p:nvGrpSpPr>
+        <p:cNvPr id="1" name=""/>
+        <p:cNvGrpSpPr/>
+        <p:nvPr/>
+      </p:nvGrpSpPr>
+      <p:grpSpPr>
+        <a:xfrm>
+          <a:off x="0" y="0"/>
+          <a:ext cx="0" cy="0"/>
+          <a:chOff x="0" y="0"/>
+          <a:chExt cx="0" cy="0"/>
+        </a:xfrm>
+      </p:grpSpPr>
+      <p:pic>
+        <p:nvPicPr>
+          <p:cNvPr id="4" name="Picture 3">
+            <a:extLst>
+              <a:ext uri="{FF2B5EF4-FFF2-40B4-BE49-F238E27FC236}">
+                <a16:creationId xmlns:a16="http://schemas.microsoft.com/office/drawing/2014/main" id="{054B1912-A33B-477F-8CF5-BF968F1EC975}"/>
+              </a:ext>
+            </a:extLst>
+          </p:cNvPr>
+          <p:cNvPicPr>
+            <a:picLocks noChangeAspect="1"/>
+          </p:cNvPicPr>
+          <p:nvPr/>
+        </p:nvPicPr>
+        <p:blipFill>
+          <a:blip r:embed="rId3"/>
+          <a:stretch>
+            <a:fillRect/>
+          </a:stretch>
+        </p:blipFill>
+        <p:spPr>
+          <a:xfrm>
+            <a:off x="1332221" y="0"/>
+            <a:ext cx="9527557" cy="6858000"/>
+          </a:xfrm>
+          <a:prstGeom prst="rect">
+            <a:avLst/>
+          </a:prstGeom>
+        </p:spPr>
+      </p:pic>
+    </p:spTree>
+    <p:extLst>
+      <p:ext uri="{BB962C8B-B14F-4D97-AF65-F5344CB8AC3E}">
+        <p14:creationId xmlns:p14="http://schemas.microsoft.com/office/powerpoint/2010/main" val="2343286724"/>
+      </p:ext>
+    </p:extLst>
+  </p:cSld>
+  <p:clrMapOvr>
+    <a:masterClrMapping/>
+  </p:clrMapOvr>
+</p:sld>
+</file>
+
+<file path=ppt/slides/slide16.xml><?xml version="1.0" encoding="utf-8"?>
+<p:sld xmlns:a="http://schemas.openxmlformats.org/drawingml/2006/main" xmlns:r="http://schemas.openxmlformats.org/officeDocument/2006/relationships" xmlns:p="http://schemas.openxmlformats.org/presentationml/2006/main">
+  <p:cSld>
+    <p:spTree>
+      <p:nvGrpSpPr>
+        <p:cNvPr id="1" name=""/>
+        <p:cNvGrpSpPr/>
+        <p:nvPr/>
+      </p:nvGrpSpPr>
+      <p:grpSpPr>
+        <a:xfrm>
+          <a:off x="0" y="0"/>
+          <a:ext cx="0" cy="0"/>
+          <a:chOff x="0" y="0"/>
+          <a:chExt cx="0" cy="0"/>
+        </a:xfrm>
+      </p:grpSpPr>
+      <p:sp>
+        <p:nvSpPr>
+          <p:cNvPr id="2" name="Title 1">
+            <a:extLst>
+              <a:ext uri="{FF2B5EF4-FFF2-40B4-BE49-F238E27FC236}">
+                <a16:creationId xmlns:a16="http://schemas.microsoft.com/office/drawing/2014/main" id="{1373447C-546D-4DA6-9419-AB10C5103275}"/>
+              </a:ext>
+            </a:extLst>
+          </p:cNvPr>
+          <p:cNvSpPr>
+            <a:spLocks noGrp="1"/>
+          </p:cNvSpPr>
+          <p:nvPr>
+            <p:ph type="ctrTitle"/>
+          </p:nvPr>
+        </p:nvSpPr>
+        <p:spPr>
+          <a:xfrm>
+            <a:off x="568036" y="332654"/>
+            <a:ext cx="9144000" cy="964131"/>
+          </a:xfrm>
+        </p:spPr>
+        <p:txBody>
+          <a:bodyPr>
+            <a:normAutofit/>
+          </a:bodyPr>
+          <a:lstStyle/>
+          <a:p>
+            <a:pPr algn="l"/>
+            <a:r>
+              <a:rPr lang="en-US" dirty="0"/>
+              <a:t>C# 9: Records</a:t>
+            </a:r>
+          </a:p>
+        </p:txBody>
+      </p:sp>
+      <p:sp>
+        <p:nvSpPr>
+          <p:cNvPr id="3" name="Subtitle 2">
+            <a:extLst>
+              <a:ext uri="{FF2B5EF4-FFF2-40B4-BE49-F238E27FC236}">
+                <a16:creationId xmlns:a16="http://schemas.microsoft.com/office/drawing/2014/main" id="{4FA301AB-2822-4762-B485-6243C65DEBD8}"/>
+              </a:ext>
+            </a:extLst>
+          </p:cNvPr>
+          <p:cNvSpPr>
+            <a:spLocks noGrp="1"/>
+          </p:cNvSpPr>
+          <p:nvPr>
+            <p:ph type="subTitle" idx="1"/>
+          </p:nvPr>
+        </p:nvSpPr>
+        <p:spPr>
+          <a:xfrm>
+            <a:off x="198461" y="6176355"/>
+            <a:ext cx="4980368" cy="564789"/>
+          </a:xfrm>
+        </p:spPr>
+        <p:txBody>
+          <a:bodyPr>
+            <a:normAutofit lnSpcReduction="10000"/>
+          </a:bodyPr>
+          <a:lstStyle/>
+          <a:p>
+            <a:pPr algn="l"/>
+            <a:r>
+              <a:rPr lang="en-US" sz="1800" dirty="0">
+                <a:solidFill>
+                  <a:schemeClr val="bg1">
+                    <a:lumMod val="65000"/>
+                  </a:schemeClr>
+                </a:solidFill>
+              </a:rPr>
+              <a:t>@daveabrock</a:t>
+            </a:r>
+            <a:br>
+              <a:rPr lang="en-US" sz="1800" dirty="0">
+                <a:solidFill>
+                  <a:schemeClr val="bg1">
+                    <a:lumMod val="65000"/>
+                  </a:schemeClr>
+                </a:solidFill>
+              </a:rPr>
+            </a:br>
+            <a:r>
+              <a:rPr lang="en-US" sz="1800" dirty="0">
+                <a:solidFill>
+                  <a:schemeClr val="bg1">
+                    <a:lumMod val="65000"/>
+                  </a:schemeClr>
+                </a:solidFill>
+              </a:rPr>
+              <a:t>daveabrock.com</a:t>
+            </a:r>
+          </a:p>
+        </p:txBody>
+      </p:sp>
+      <p:sp>
+        <p:nvSpPr>
+          <p:cNvPr id="6" name="Subtitle 2">
+            <a:extLst>
+              <a:ext uri="{FF2B5EF4-FFF2-40B4-BE49-F238E27FC236}">
+                <a16:creationId xmlns:a16="http://schemas.microsoft.com/office/drawing/2014/main" id="{42F1DC3A-44A5-45BC-A44C-B36727AD5C01}"/>
+              </a:ext>
+            </a:extLst>
+          </p:cNvPr>
+          <p:cNvSpPr txBox="1">
+            <a:spLocks/>
+          </p:cNvSpPr>
+          <p:nvPr/>
+        </p:nvSpPr>
+        <p:spPr>
+          <a:xfrm>
+            <a:off x="7211632" y="6176355"/>
+            <a:ext cx="4980368" cy="564790"/>
+          </a:xfrm>
+          <a:prstGeom prst="rect">
+            <a:avLst/>
+          </a:prstGeom>
+        </p:spPr>
+        <p:txBody>
+          <a:bodyPr vert="horz" lIns="91440" tIns="45720" rIns="91440" bIns="45720" rtlCol="0">
+            <a:normAutofit lnSpcReduction="10000"/>
+          </a:bodyPr>
+          <a:lstStyle>
+            <a:lvl1pPr marL="0" indent="0" algn="ctr" defTabSz="914400" rtl="0" eaLnBrk="1" latinLnBrk="0" hangingPunct="1">
+              <a:lnSpc>
+                <a:spcPct val="90000"/>
+              </a:lnSpc>
+              <a:spcBef>
+                <a:spcPts val="1000"/>
+              </a:spcBef>
+              <a:buFont typeface="Arial" panose="020B0604020202020204" pitchFamily="34" charset="0"/>
+              <a:buNone/>
+              <a:defRPr sz="2400" kern="1200">
+                <a:solidFill>
+                  <a:schemeClr val="tx1"/>
+                </a:solidFill>
+                <a:latin typeface="+mn-lt"/>
+                <a:ea typeface="+mn-ea"/>
+                <a:cs typeface="+mn-cs"/>
+              </a:defRPr>
+            </a:lvl1pPr>
+            <a:lvl2pPr marL="457200" indent="0" algn="ctr" defTabSz="914400" rtl="0" eaLnBrk="1" latinLnBrk="0" hangingPunct="1">
+              <a:lnSpc>
+                <a:spcPct val="90000"/>
+              </a:lnSpc>
+              <a:spcBef>
+                <a:spcPts val="500"/>
+              </a:spcBef>
+              <a:buFont typeface="Arial" panose="020B0604020202020204" pitchFamily="34" charset="0"/>
+              <a:buNone/>
+              <a:defRPr sz="2000" kern="1200">
+                <a:solidFill>
+                  <a:schemeClr val="tx1"/>
+                </a:solidFill>
+                <a:latin typeface="+mn-lt"/>
+                <a:ea typeface="+mn-ea"/>
+                <a:cs typeface="+mn-cs"/>
+              </a:defRPr>
+            </a:lvl2pPr>
+            <a:lvl3pPr marL="914400" indent="0" algn="ctr" defTabSz="914400" rtl="0" eaLnBrk="1" latinLnBrk="0" hangingPunct="1">
+              <a:lnSpc>
+                <a:spcPct val="90000"/>
+              </a:lnSpc>
+              <a:spcBef>
+                <a:spcPts val="500"/>
+              </a:spcBef>
+              <a:buFont typeface="Arial" panose="020B0604020202020204" pitchFamily="34" charset="0"/>
+              <a:buNone/>
+              <a:defRPr sz="1800" kern="1200">
+                <a:solidFill>
+                  <a:schemeClr val="tx1"/>
+                </a:solidFill>
+                <a:latin typeface="+mn-lt"/>
+                <a:ea typeface="+mn-ea"/>
+                <a:cs typeface="+mn-cs"/>
+              </a:defRPr>
+            </a:lvl3pPr>
+            <a:lvl4pPr marL="1371600" indent="0" algn="ctr" defTabSz="914400" rtl="0" eaLnBrk="1" latinLnBrk="0" hangingPunct="1">
+              <a:lnSpc>
+                <a:spcPct val="90000"/>
+              </a:lnSpc>
+              <a:spcBef>
+                <a:spcPts val="500"/>
+              </a:spcBef>
+              <a:buFont typeface="Arial" panose="020B0604020202020204" pitchFamily="34" charset="0"/>
+              <a:buNone/>
+              <a:defRPr sz="1600" kern="1200">
+                <a:solidFill>
+                  <a:schemeClr val="tx1"/>
+                </a:solidFill>
+                <a:latin typeface="+mn-lt"/>
+                <a:ea typeface="+mn-ea"/>
+                <a:cs typeface="+mn-cs"/>
+              </a:defRPr>
+            </a:lvl4pPr>
+            <a:lvl5pPr marL="1828800" indent="0" algn="ctr" defTabSz="914400" rtl="0" eaLnBrk="1" latinLnBrk="0" hangingPunct="1">
+              <a:lnSpc>
+                <a:spcPct val="90000"/>
+              </a:lnSpc>
+              <a:spcBef>
+                <a:spcPts val="500"/>
+              </a:spcBef>
+              <a:buFont typeface="Arial" panose="020B0604020202020204" pitchFamily="34" charset="0"/>
+              <a:buNone/>
+              <a:defRPr sz="1600" kern="1200">
+                <a:solidFill>
+                  <a:schemeClr val="tx1"/>
+                </a:solidFill>
+                <a:latin typeface="+mn-lt"/>
+                <a:ea typeface="+mn-ea"/>
+                <a:cs typeface="+mn-cs"/>
+              </a:defRPr>
+            </a:lvl5pPr>
+            <a:lvl6pPr marL="2286000" indent="0" algn="ctr" defTabSz="914400" rtl="0" eaLnBrk="1" latinLnBrk="0" hangingPunct="1">
+              <a:lnSpc>
+                <a:spcPct val="90000"/>
+              </a:lnSpc>
+              <a:spcBef>
+                <a:spcPts val="500"/>
+              </a:spcBef>
+              <a:buFont typeface="Arial" panose="020B0604020202020204" pitchFamily="34" charset="0"/>
+              <a:buNone/>
+              <a:defRPr sz="1600" kern="1200">
+                <a:solidFill>
+                  <a:schemeClr val="tx1"/>
+                </a:solidFill>
+                <a:latin typeface="+mn-lt"/>
+                <a:ea typeface="+mn-ea"/>
+                <a:cs typeface="+mn-cs"/>
+              </a:defRPr>
+            </a:lvl6pPr>
+            <a:lvl7pPr marL="2743200" indent="0" algn="ctr" defTabSz="914400" rtl="0" eaLnBrk="1" latinLnBrk="0" hangingPunct="1">
+              <a:lnSpc>
+                <a:spcPct val="90000"/>
+              </a:lnSpc>
+              <a:spcBef>
+                <a:spcPts val="500"/>
+              </a:spcBef>
+              <a:buFont typeface="Arial" panose="020B0604020202020204" pitchFamily="34" charset="0"/>
+              <a:buNone/>
+              <a:defRPr sz="1600" kern="1200">
+                <a:solidFill>
+                  <a:schemeClr val="tx1"/>
+                </a:solidFill>
+                <a:latin typeface="+mn-lt"/>
+                <a:ea typeface="+mn-ea"/>
+                <a:cs typeface="+mn-cs"/>
+              </a:defRPr>
+            </a:lvl7pPr>
+            <a:lvl8pPr marL="3200400" indent="0" algn="ctr" defTabSz="914400" rtl="0" eaLnBrk="1" latinLnBrk="0" hangingPunct="1">
+              <a:lnSpc>
+                <a:spcPct val="90000"/>
+              </a:lnSpc>
+              <a:spcBef>
+                <a:spcPts val="500"/>
+              </a:spcBef>
+              <a:buFont typeface="Arial" panose="020B0604020202020204" pitchFamily="34" charset="0"/>
+              <a:buNone/>
+              <a:defRPr sz="1600" kern="1200">
+                <a:solidFill>
+                  <a:schemeClr val="tx1"/>
+                </a:solidFill>
+                <a:latin typeface="+mn-lt"/>
+                <a:ea typeface="+mn-ea"/>
+                <a:cs typeface="+mn-cs"/>
+              </a:defRPr>
+            </a:lvl8pPr>
+            <a:lvl9pPr marL="3657600" indent="0" algn="ctr" defTabSz="914400" rtl="0" eaLnBrk="1" latinLnBrk="0" hangingPunct="1">
+              <a:lnSpc>
+                <a:spcPct val="90000"/>
+              </a:lnSpc>
+              <a:spcBef>
+                <a:spcPts val="500"/>
+              </a:spcBef>
+              <a:buFont typeface="Arial" panose="020B0604020202020204" pitchFamily="34" charset="0"/>
+              <a:buNone/>
+              <a:defRPr sz="1600" kern="1200">
+                <a:solidFill>
+                  <a:schemeClr val="tx1"/>
+                </a:solidFill>
+                <a:latin typeface="+mn-lt"/>
+                <a:ea typeface="+mn-ea"/>
+                <a:cs typeface="+mn-cs"/>
+              </a:defRPr>
+            </a:lvl9pPr>
+          </a:lstStyle>
+          <a:p>
+            <a:pPr algn="r"/>
+            <a:r>
+              <a:rPr lang="en-US" sz="1800" dirty="0">
+                <a:solidFill>
+                  <a:schemeClr val="bg1">
+                    <a:lumMod val="65000"/>
+                  </a:schemeClr>
+                </a:solidFill>
+              </a:rPr>
+              <a:t>@dotnetstacks</a:t>
+            </a:r>
+            <a:br>
+              <a:rPr lang="en-US" sz="1800" dirty="0">
+                <a:solidFill>
+                  <a:schemeClr val="bg1">
+                    <a:lumMod val="65000"/>
+                  </a:schemeClr>
+                </a:solidFill>
+              </a:rPr>
+            </a:br>
+            <a:r>
+              <a:rPr lang="en-US" sz="1800" dirty="0">
+                <a:solidFill>
+                  <a:schemeClr val="bg1">
+                    <a:lumMod val="65000"/>
+                  </a:schemeClr>
+                </a:solidFill>
+              </a:rPr>
+              <a:t>dotnetstacks.com</a:t>
+            </a:r>
+          </a:p>
+        </p:txBody>
+      </p:sp>
+      <p:pic>
+        <p:nvPicPr>
+          <p:cNvPr id="11" name="Picture 10">
+            <a:extLst>
+              <a:ext uri="{FF2B5EF4-FFF2-40B4-BE49-F238E27FC236}">
+                <a16:creationId xmlns:a16="http://schemas.microsoft.com/office/drawing/2014/main" id="{2ACFC1E0-1DDB-4BF7-B1FC-B3648F91B67F}"/>
+              </a:ext>
+            </a:extLst>
+          </p:cNvPr>
+          <p:cNvPicPr>
+            <a:picLocks noChangeAspect="1"/>
+          </p:cNvPicPr>
+          <p:nvPr/>
+        </p:nvPicPr>
+        <p:blipFill>
+          <a:blip r:embed="rId2">
+            <a:extLst>
+              <a:ext uri="{28A0092B-C50C-407E-A947-70E740481C1C}">
+                <a14:useLocalDpi xmlns:a14="http://schemas.microsoft.com/office/drawing/2010/main" val="0"/>
+              </a:ext>
+            </a:extLst>
+          </a:blip>
+          <a:stretch>
+            <a:fillRect/>
+          </a:stretch>
+        </p:blipFill>
+        <p:spPr>
+          <a:xfrm>
+            <a:off x="8741729" y="2214242"/>
+            <a:ext cx="2804650" cy="3082779"/>
+          </a:xfrm>
+          <a:prstGeom prst="rect">
+            <a:avLst/>
+          </a:prstGeom>
+        </p:spPr>
+      </p:pic>
+      <p:sp>
+        <p:nvSpPr>
+          <p:cNvPr id="16" name="TextBox 15">
+            <a:extLst>
+              <a:ext uri="{FF2B5EF4-FFF2-40B4-BE49-F238E27FC236}">
+                <a16:creationId xmlns:a16="http://schemas.microsoft.com/office/drawing/2014/main" id="{A08CCD18-821D-47BA-88B7-4F826B85AFA1}"/>
+              </a:ext>
+            </a:extLst>
+          </p:cNvPr>
+          <p:cNvSpPr txBox="1"/>
+          <p:nvPr/>
+        </p:nvSpPr>
+        <p:spPr>
+          <a:xfrm>
+            <a:off x="645621" y="1454728"/>
+            <a:ext cx="6866313" cy="4770537"/>
+          </a:xfrm>
+          <a:prstGeom prst="rect">
+            <a:avLst/>
+          </a:prstGeom>
+          <a:noFill/>
+        </p:spPr>
+        <p:txBody>
+          <a:bodyPr wrap="square" rtlCol="0">
+            <a:spAutoFit/>
+          </a:bodyPr>
+          <a:lstStyle/>
+          <a:p>
+            <a:r>
+              <a:rPr lang="en-US" sz="2200" b="1" dirty="0"/>
+              <a:t>Records are the core feature in C# 9</a:t>
+            </a:r>
+          </a:p>
+          <a:p>
+            <a:endParaRPr lang="en-US" sz="2200" b="1" dirty="0"/>
+          </a:p>
+          <a:p>
+            <a:r>
+              <a:rPr lang="en-US" sz="2200" dirty="0"/>
+              <a:t>Records allow you:</a:t>
+            </a:r>
+          </a:p>
+          <a:p>
+            <a:endParaRPr lang="en-US" sz="2200" dirty="0"/>
+          </a:p>
+          <a:p>
+            <a:pPr marL="342900" indent="-342900">
+              <a:buFont typeface="Arial" panose="020B0604020202020204" pitchFamily="34" charset="0"/>
+              <a:buChar char="•"/>
+            </a:pPr>
+            <a:r>
+              <a:rPr lang="en-US" sz="2200" dirty="0"/>
+              <a:t>To work with immutable types</a:t>
+            </a:r>
+          </a:p>
+          <a:p>
+            <a:pPr marL="342900" indent="-342900">
+              <a:buFont typeface="Arial" panose="020B0604020202020204" pitchFamily="34" charset="0"/>
+              <a:buChar char="•"/>
+            </a:pPr>
+            <a:r>
+              <a:rPr lang="en-US" sz="2200" dirty="0"/>
+              <a:t>To perform data-like behaviors on properties</a:t>
+            </a:r>
+          </a:p>
+          <a:p>
+            <a:pPr marL="342900" indent="-342900">
+              <a:buFont typeface="Arial" panose="020B0604020202020204" pitchFamily="34" charset="0"/>
+              <a:buChar char="•"/>
+            </a:pPr>
+            <a:r>
+              <a:rPr lang="en-US" sz="2200" dirty="0"/>
+              <a:t>Are struct-like, but:</a:t>
+            </a:r>
+          </a:p>
+          <a:p>
+            <a:pPr marL="800100" lvl="1" indent="-342900">
+              <a:buFont typeface="Arial" panose="020B0604020202020204" pitchFamily="34" charset="0"/>
+              <a:buChar char="•"/>
+            </a:pPr>
+            <a:r>
+              <a:rPr lang="en-US" sz="2200" dirty="0"/>
+              <a:t>Provide an easy construct with the purpose of providing immutability</a:t>
+            </a:r>
+          </a:p>
+          <a:p>
+            <a:pPr marL="800100" lvl="1" indent="-342900">
+              <a:buFont typeface="Arial" panose="020B0604020202020204" pitchFamily="34" charset="0"/>
+              <a:buChar char="•"/>
+            </a:pPr>
+            <a:r>
+              <a:rPr lang="en-US" sz="2200" dirty="0"/>
+              <a:t>Provides support for </a:t>
+            </a:r>
+            <a:r>
+              <a:rPr lang="en-US" sz="2200" dirty="0" err="1"/>
+              <a:t>IEquatable</a:t>
+            </a:r>
+            <a:r>
+              <a:rPr lang="en-US" sz="2200" dirty="0"/>
+              <a:t>&lt;T&gt; interface without having to override them (but you can)</a:t>
+            </a:r>
+          </a:p>
+          <a:p>
+            <a:pPr marL="800100" lvl="1" indent="-342900">
+              <a:buFont typeface="Arial" panose="020B0604020202020204" pitchFamily="34" charset="0"/>
+              <a:buChar char="•"/>
+            </a:pPr>
+            <a:r>
+              <a:rPr lang="en-US" sz="2200" dirty="0"/>
+              <a:t>Constructor/</a:t>
+            </a:r>
+            <a:r>
+              <a:rPr lang="en-US" sz="2200" dirty="0" err="1"/>
+              <a:t>deconstructor</a:t>
+            </a:r>
+            <a:r>
+              <a:rPr lang="en-US" sz="2200" dirty="0"/>
+              <a:t> support </a:t>
+            </a:r>
+          </a:p>
+          <a:p>
+            <a:pPr marL="342900" indent="-342900">
+              <a:buFont typeface="Arial" panose="020B0604020202020204" pitchFamily="34" charset="0"/>
+              <a:buChar char="•"/>
+            </a:pPr>
+            <a:endParaRPr lang="en-US" sz="2200" dirty="0"/>
+          </a:p>
+          <a:p>
+            <a:endParaRPr lang="en-US" dirty="0"/>
+          </a:p>
+        </p:txBody>
+      </p:sp>
+    </p:spTree>
+    <p:extLst>
+      <p:ext uri="{BB962C8B-B14F-4D97-AF65-F5344CB8AC3E}">
+        <p14:creationId xmlns:p14="http://schemas.microsoft.com/office/powerpoint/2010/main" val="317565780"/>
+      </p:ext>
+    </p:extLst>
+  </p:cSld>
+  <p:clrMapOvr>
+    <a:masterClrMapping/>
+  </p:clrMapOvr>
+</p:sld>
+</file>
+
+<file path=ppt/slides/slide17.xml><?xml version="1.0" encoding="utf-8"?>
+<p:sld xmlns:a="http://schemas.openxmlformats.org/drawingml/2006/main" xmlns:r="http://schemas.openxmlformats.org/officeDocument/2006/relationships" xmlns:p="http://schemas.openxmlformats.org/presentationml/2006/main">
+  <p:cSld>
+    <p:spTree>
+      <p:nvGrpSpPr>
+        <p:cNvPr id="1" name=""/>
+        <p:cNvGrpSpPr/>
+        <p:nvPr/>
+      </p:nvGrpSpPr>
+      <p:grpSpPr>
+        <a:xfrm>
+          <a:off x="0" y="0"/>
+          <a:ext cx="0" cy="0"/>
+          <a:chOff x="0" y="0"/>
+          <a:chExt cx="0" cy="0"/>
+        </a:xfrm>
+      </p:grpSpPr>
+      <p:pic>
+        <p:nvPicPr>
+          <p:cNvPr id="3" name="Picture 2">
+            <a:extLst>
+              <a:ext uri="{FF2B5EF4-FFF2-40B4-BE49-F238E27FC236}">
+                <a16:creationId xmlns:a16="http://schemas.microsoft.com/office/drawing/2014/main" id="{8EB59B5B-89B7-4AE4-993C-386865280270}"/>
+              </a:ext>
+            </a:extLst>
+          </p:cNvPr>
+          <p:cNvPicPr>
+            <a:picLocks noChangeAspect="1"/>
+          </p:cNvPicPr>
+          <p:nvPr/>
+        </p:nvPicPr>
+        <p:blipFill>
+          <a:blip r:embed="rId3"/>
+          <a:stretch>
+            <a:fillRect/>
+          </a:stretch>
+        </p:blipFill>
+        <p:spPr>
+          <a:xfrm>
+            <a:off x="2193819" y="0"/>
+            <a:ext cx="7804362" cy="6858000"/>
+          </a:xfrm>
+          <a:prstGeom prst="rect">
+            <a:avLst/>
+          </a:prstGeom>
+        </p:spPr>
+      </p:pic>
+    </p:spTree>
+    <p:extLst>
+      <p:ext uri="{BB962C8B-B14F-4D97-AF65-F5344CB8AC3E}">
+        <p14:creationId xmlns:p14="http://schemas.microsoft.com/office/powerpoint/2010/main" val="3251565949"/>
+      </p:ext>
+    </p:extLst>
+  </p:cSld>
+  <p:clrMapOvr>
+    <a:masterClrMapping/>
+  </p:clrMapOvr>
+</p:sld>
+</file>
+
+<file path=ppt/slides/slide18.xml><?xml version="1.0" encoding="utf-8"?>
+<p:sld xmlns:a="http://schemas.openxmlformats.org/drawingml/2006/main" xmlns:r="http://schemas.openxmlformats.org/officeDocument/2006/relationships" xmlns:p="http://schemas.openxmlformats.org/presentationml/2006/main">
+  <p:cSld>
+    <p:spTree>
+      <p:nvGrpSpPr>
+        <p:cNvPr id="1" name=""/>
+        <p:cNvGrpSpPr/>
+        <p:nvPr/>
+      </p:nvGrpSpPr>
+      <p:grpSpPr>
+        <a:xfrm>
+          <a:off x="0" y="0"/>
+          <a:ext cx="0" cy="0"/>
+          <a:chOff x="0" y="0"/>
+          <a:chExt cx="0" cy="0"/>
+        </a:xfrm>
+      </p:grpSpPr>
+      <p:pic>
+        <p:nvPicPr>
+          <p:cNvPr id="4" name="Picture 3">
+            <a:extLst>
+              <a:ext uri="{FF2B5EF4-FFF2-40B4-BE49-F238E27FC236}">
+                <a16:creationId xmlns:a16="http://schemas.microsoft.com/office/drawing/2014/main" id="{252969B0-3D6A-4165-BF3E-1BA24555A5C6}"/>
+              </a:ext>
+            </a:extLst>
+          </p:cNvPr>
+          <p:cNvPicPr>
+            <a:picLocks noChangeAspect="1"/>
+          </p:cNvPicPr>
+          <p:nvPr/>
+        </p:nvPicPr>
+        <p:blipFill>
+          <a:blip r:embed="rId3"/>
+          <a:stretch>
+            <a:fillRect/>
+          </a:stretch>
+        </p:blipFill>
+        <p:spPr>
+          <a:xfrm>
+            <a:off x="1972045" y="0"/>
+            <a:ext cx="8247910" cy="6858000"/>
+          </a:xfrm>
+          <a:prstGeom prst="rect">
+            <a:avLst/>
+          </a:prstGeom>
+        </p:spPr>
+      </p:pic>
+    </p:spTree>
+    <p:extLst>
+      <p:ext uri="{BB962C8B-B14F-4D97-AF65-F5344CB8AC3E}">
+        <p14:creationId xmlns:p14="http://schemas.microsoft.com/office/powerpoint/2010/main" val="3217241060"/>
+      </p:ext>
+    </p:extLst>
+  </p:cSld>
+  <p:clrMapOvr>
+    <a:masterClrMapping/>
+  </p:clrMapOvr>
+</p:sld>
+</file>
+
+<file path=ppt/slides/slide19.xml><?xml version="1.0" encoding="utf-8"?>
+<p:sld xmlns:a="http://schemas.openxmlformats.org/drawingml/2006/main" xmlns:r="http://schemas.openxmlformats.org/officeDocument/2006/relationships" xmlns:p="http://schemas.openxmlformats.org/presentationml/2006/main">
+  <p:cSld>
+    <p:spTree>
+      <p:nvGrpSpPr>
+        <p:cNvPr id="1" name=""/>
+        <p:cNvGrpSpPr/>
+        <p:nvPr/>
+      </p:nvGrpSpPr>
+      <p:grpSpPr>
+        <a:xfrm>
+          <a:off x="0" y="0"/>
+          <a:ext cx="0" cy="0"/>
+          <a:chOff x="0" y="0"/>
+          <a:chExt cx="0" cy="0"/>
+        </a:xfrm>
+      </p:grpSpPr>
+      <p:sp>
+        <p:nvSpPr>
+          <p:cNvPr id="2" name="Title 1">
+            <a:extLst>
+              <a:ext uri="{FF2B5EF4-FFF2-40B4-BE49-F238E27FC236}">
+                <a16:creationId xmlns:a16="http://schemas.microsoft.com/office/drawing/2014/main" id="{1373447C-546D-4DA6-9419-AB10C5103275}"/>
+              </a:ext>
+            </a:extLst>
+          </p:cNvPr>
+          <p:cNvSpPr>
+            <a:spLocks noGrp="1"/>
+          </p:cNvSpPr>
+          <p:nvPr>
+            <p:ph type="ctrTitle"/>
+          </p:nvPr>
+        </p:nvSpPr>
+        <p:spPr>
+          <a:xfrm>
+            <a:off x="568036" y="332654"/>
+            <a:ext cx="9144000" cy="964131"/>
+          </a:xfrm>
+        </p:spPr>
+        <p:txBody>
+          <a:bodyPr>
+            <a:normAutofit/>
+          </a:bodyPr>
+          <a:lstStyle/>
+          <a:p>
+            <a:pPr algn="l"/>
+            <a:r>
+              <a:rPr lang="en-US" dirty="0"/>
+              <a:t>C# 9: Records</a:t>
+            </a:r>
+          </a:p>
+        </p:txBody>
+      </p:sp>
+      <p:sp>
+        <p:nvSpPr>
+          <p:cNvPr id="3" name="Subtitle 2">
+            <a:extLst>
+              <a:ext uri="{FF2B5EF4-FFF2-40B4-BE49-F238E27FC236}">
+                <a16:creationId xmlns:a16="http://schemas.microsoft.com/office/drawing/2014/main" id="{4FA301AB-2822-4762-B485-6243C65DEBD8}"/>
+              </a:ext>
+            </a:extLst>
+          </p:cNvPr>
+          <p:cNvSpPr>
+            <a:spLocks noGrp="1"/>
+          </p:cNvSpPr>
+          <p:nvPr>
+            <p:ph type="subTitle" idx="1"/>
+          </p:nvPr>
+        </p:nvSpPr>
+        <p:spPr>
+          <a:xfrm>
+            <a:off x="198461" y="6176355"/>
+            <a:ext cx="4980368" cy="564789"/>
+          </a:xfrm>
+        </p:spPr>
+        <p:txBody>
+          <a:bodyPr>
+            <a:normAutofit lnSpcReduction="10000"/>
+          </a:bodyPr>
+          <a:lstStyle/>
+          <a:p>
+            <a:pPr algn="l"/>
+            <a:r>
+              <a:rPr lang="en-US" sz="1800" dirty="0">
+                <a:solidFill>
+                  <a:schemeClr val="bg1">
+                    <a:lumMod val="65000"/>
+                  </a:schemeClr>
+                </a:solidFill>
+              </a:rPr>
+              <a:t>@daveabrock</a:t>
+            </a:r>
+            <a:br>
+              <a:rPr lang="en-US" sz="1800" dirty="0">
+                <a:solidFill>
+                  <a:schemeClr val="bg1">
+                    <a:lumMod val="65000"/>
+                  </a:schemeClr>
+                </a:solidFill>
+              </a:rPr>
+            </a:br>
+            <a:r>
+              <a:rPr lang="en-US" sz="1800" dirty="0">
+                <a:solidFill>
+                  <a:schemeClr val="bg1">
+                    <a:lumMod val="65000"/>
+                  </a:schemeClr>
+                </a:solidFill>
+              </a:rPr>
+              <a:t>daveabrock.com</a:t>
+            </a:r>
+          </a:p>
+        </p:txBody>
+      </p:sp>
+      <p:sp>
+        <p:nvSpPr>
+          <p:cNvPr id="6" name="Subtitle 2">
+            <a:extLst>
+              <a:ext uri="{FF2B5EF4-FFF2-40B4-BE49-F238E27FC236}">
+                <a16:creationId xmlns:a16="http://schemas.microsoft.com/office/drawing/2014/main" id="{42F1DC3A-44A5-45BC-A44C-B36727AD5C01}"/>
+              </a:ext>
+            </a:extLst>
+          </p:cNvPr>
+          <p:cNvSpPr txBox="1">
+            <a:spLocks/>
+          </p:cNvSpPr>
+          <p:nvPr/>
+        </p:nvSpPr>
+        <p:spPr>
+          <a:xfrm>
+            <a:off x="7211632" y="6176355"/>
+            <a:ext cx="4980368" cy="564790"/>
+          </a:xfrm>
+          <a:prstGeom prst="rect">
+            <a:avLst/>
+          </a:prstGeom>
+        </p:spPr>
+        <p:txBody>
+          <a:bodyPr vert="horz" lIns="91440" tIns="45720" rIns="91440" bIns="45720" rtlCol="0">
+            <a:normAutofit lnSpcReduction="10000"/>
+          </a:bodyPr>
+          <a:lstStyle>
+            <a:lvl1pPr marL="0" indent="0" algn="ctr" defTabSz="914400" rtl="0" eaLnBrk="1" latinLnBrk="0" hangingPunct="1">
+              <a:lnSpc>
+                <a:spcPct val="90000"/>
+              </a:lnSpc>
+              <a:spcBef>
+                <a:spcPts val="1000"/>
+              </a:spcBef>
+              <a:buFont typeface="Arial" panose="020B0604020202020204" pitchFamily="34" charset="0"/>
+              <a:buNone/>
+              <a:defRPr sz="2400" kern="1200">
+                <a:solidFill>
+                  <a:schemeClr val="tx1"/>
+                </a:solidFill>
+                <a:latin typeface="+mn-lt"/>
+                <a:ea typeface="+mn-ea"/>
+                <a:cs typeface="+mn-cs"/>
+              </a:defRPr>
+            </a:lvl1pPr>
+            <a:lvl2pPr marL="457200" indent="0" algn="ctr" defTabSz="914400" rtl="0" eaLnBrk="1" latinLnBrk="0" hangingPunct="1">
+              <a:lnSpc>
+                <a:spcPct val="90000"/>
+              </a:lnSpc>
+              <a:spcBef>
+                <a:spcPts val="500"/>
+              </a:spcBef>
+              <a:buFont typeface="Arial" panose="020B0604020202020204" pitchFamily="34" charset="0"/>
+              <a:buNone/>
+              <a:defRPr sz="2000" kern="1200">
+                <a:solidFill>
+                  <a:schemeClr val="tx1"/>
+                </a:solidFill>
+                <a:latin typeface="+mn-lt"/>
+                <a:ea typeface="+mn-ea"/>
+                <a:cs typeface="+mn-cs"/>
+              </a:defRPr>
+            </a:lvl2pPr>
+            <a:lvl3pPr marL="914400" indent="0" algn="ctr" defTabSz="914400" rtl="0" eaLnBrk="1" latinLnBrk="0" hangingPunct="1">
+              <a:lnSpc>
+                <a:spcPct val="90000"/>
+              </a:lnSpc>
+              <a:spcBef>
+                <a:spcPts val="500"/>
+              </a:spcBef>
+              <a:buFont typeface="Arial" panose="020B0604020202020204" pitchFamily="34" charset="0"/>
+              <a:buNone/>
+              <a:defRPr sz="1800" kern="1200">
+                <a:solidFill>
+                  <a:schemeClr val="tx1"/>
+                </a:solidFill>
+                <a:latin typeface="+mn-lt"/>
+                <a:ea typeface="+mn-ea"/>
+                <a:cs typeface="+mn-cs"/>
+              </a:defRPr>
+            </a:lvl3pPr>
+            <a:lvl4pPr marL="1371600" indent="0" algn="ctr" defTabSz="914400" rtl="0" eaLnBrk="1" latinLnBrk="0" hangingPunct="1">
+              <a:lnSpc>
+                <a:spcPct val="90000"/>
+              </a:lnSpc>
+              <a:spcBef>
+                <a:spcPts val="500"/>
+              </a:spcBef>
+              <a:buFont typeface="Arial" panose="020B0604020202020204" pitchFamily="34" charset="0"/>
+              <a:buNone/>
+              <a:defRPr sz="1600" kern="1200">
+                <a:solidFill>
+                  <a:schemeClr val="tx1"/>
+                </a:solidFill>
+                <a:latin typeface="+mn-lt"/>
+                <a:ea typeface="+mn-ea"/>
+                <a:cs typeface="+mn-cs"/>
+              </a:defRPr>
+            </a:lvl4pPr>
+            <a:lvl5pPr marL="1828800" indent="0" algn="ctr" defTabSz="914400" rtl="0" eaLnBrk="1" latinLnBrk="0" hangingPunct="1">
+              <a:lnSpc>
+                <a:spcPct val="90000"/>
+              </a:lnSpc>
+              <a:spcBef>
+                <a:spcPts val="500"/>
+              </a:spcBef>
+              <a:buFont typeface="Arial" panose="020B0604020202020204" pitchFamily="34" charset="0"/>
+              <a:buNone/>
+              <a:defRPr sz="1600" kern="1200">
+                <a:solidFill>
+                  <a:schemeClr val="tx1"/>
+                </a:solidFill>
+                <a:latin typeface="+mn-lt"/>
+                <a:ea typeface="+mn-ea"/>
+                <a:cs typeface="+mn-cs"/>
+              </a:defRPr>
+            </a:lvl5pPr>
+            <a:lvl6pPr marL="2286000" indent="0" algn="ctr" defTabSz="914400" rtl="0" eaLnBrk="1" latinLnBrk="0" hangingPunct="1">
+              <a:lnSpc>
+                <a:spcPct val="90000"/>
+              </a:lnSpc>
+              <a:spcBef>
+                <a:spcPts val="500"/>
+              </a:spcBef>
+              <a:buFont typeface="Arial" panose="020B0604020202020204" pitchFamily="34" charset="0"/>
+              <a:buNone/>
+              <a:defRPr sz="1600" kern="1200">
+                <a:solidFill>
+                  <a:schemeClr val="tx1"/>
+                </a:solidFill>
+                <a:latin typeface="+mn-lt"/>
+                <a:ea typeface="+mn-ea"/>
+                <a:cs typeface="+mn-cs"/>
+              </a:defRPr>
+            </a:lvl6pPr>
+            <a:lvl7pPr marL="2743200" indent="0" algn="ctr" defTabSz="914400" rtl="0" eaLnBrk="1" latinLnBrk="0" hangingPunct="1">
+              <a:lnSpc>
+                <a:spcPct val="90000"/>
+              </a:lnSpc>
+              <a:spcBef>
+                <a:spcPts val="500"/>
+              </a:spcBef>
+              <a:buFont typeface="Arial" panose="020B0604020202020204" pitchFamily="34" charset="0"/>
+              <a:buNone/>
+              <a:defRPr sz="1600" kern="1200">
+                <a:solidFill>
+                  <a:schemeClr val="tx1"/>
+                </a:solidFill>
+                <a:latin typeface="+mn-lt"/>
+                <a:ea typeface="+mn-ea"/>
+                <a:cs typeface="+mn-cs"/>
+              </a:defRPr>
+            </a:lvl7pPr>
+            <a:lvl8pPr marL="3200400" indent="0" algn="ctr" defTabSz="914400" rtl="0" eaLnBrk="1" latinLnBrk="0" hangingPunct="1">
+              <a:lnSpc>
+                <a:spcPct val="90000"/>
+              </a:lnSpc>
+              <a:spcBef>
+                <a:spcPts val="500"/>
+              </a:spcBef>
+              <a:buFont typeface="Arial" panose="020B0604020202020204" pitchFamily="34" charset="0"/>
+              <a:buNone/>
+              <a:defRPr sz="1600" kern="1200">
+                <a:solidFill>
+                  <a:schemeClr val="tx1"/>
+                </a:solidFill>
+                <a:latin typeface="+mn-lt"/>
+                <a:ea typeface="+mn-ea"/>
+                <a:cs typeface="+mn-cs"/>
+              </a:defRPr>
+            </a:lvl8pPr>
+            <a:lvl9pPr marL="3657600" indent="0" algn="ctr" defTabSz="914400" rtl="0" eaLnBrk="1" latinLnBrk="0" hangingPunct="1">
+              <a:lnSpc>
+                <a:spcPct val="90000"/>
+              </a:lnSpc>
+              <a:spcBef>
+                <a:spcPts val="500"/>
+              </a:spcBef>
+              <a:buFont typeface="Arial" panose="020B0604020202020204" pitchFamily="34" charset="0"/>
+              <a:buNone/>
+              <a:defRPr sz="1600" kern="1200">
+                <a:solidFill>
+                  <a:schemeClr val="tx1"/>
+                </a:solidFill>
+                <a:latin typeface="+mn-lt"/>
+                <a:ea typeface="+mn-ea"/>
+                <a:cs typeface="+mn-cs"/>
+              </a:defRPr>
+            </a:lvl9pPr>
+          </a:lstStyle>
+          <a:p>
+            <a:pPr algn="r"/>
+            <a:r>
+              <a:rPr lang="en-US" sz="1800" dirty="0">
+                <a:solidFill>
+                  <a:schemeClr val="bg1">
+                    <a:lumMod val="65000"/>
+                  </a:schemeClr>
+                </a:solidFill>
+              </a:rPr>
+              <a:t>@dotnetstacks</a:t>
+            </a:r>
+            <a:br>
+              <a:rPr lang="en-US" sz="1800" dirty="0">
+                <a:solidFill>
+                  <a:schemeClr val="bg1">
+                    <a:lumMod val="65000"/>
+                  </a:schemeClr>
+                </a:solidFill>
+              </a:rPr>
+            </a:br>
+            <a:r>
+              <a:rPr lang="en-US" sz="1800" dirty="0">
+                <a:solidFill>
+                  <a:schemeClr val="bg1">
+                    <a:lumMod val="65000"/>
+                  </a:schemeClr>
+                </a:solidFill>
+              </a:rPr>
+              <a:t>dotnetstacks.com</a:t>
+            </a:r>
+          </a:p>
+        </p:txBody>
+      </p:sp>
+      <p:pic>
+        <p:nvPicPr>
+          <p:cNvPr id="11" name="Picture 10">
+            <a:extLst>
+              <a:ext uri="{FF2B5EF4-FFF2-40B4-BE49-F238E27FC236}">
+                <a16:creationId xmlns:a16="http://schemas.microsoft.com/office/drawing/2014/main" id="{2ACFC1E0-1DDB-4BF7-B1FC-B3648F91B67F}"/>
+              </a:ext>
+            </a:extLst>
+          </p:cNvPr>
+          <p:cNvPicPr>
+            <a:picLocks noChangeAspect="1"/>
+          </p:cNvPicPr>
+          <p:nvPr/>
+        </p:nvPicPr>
+        <p:blipFill>
+          <a:blip r:embed="rId2">
+            <a:extLst>
+              <a:ext uri="{28A0092B-C50C-407E-A947-70E740481C1C}">
+                <a14:useLocalDpi xmlns:a14="http://schemas.microsoft.com/office/drawing/2010/main" val="0"/>
+              </a:ext>
+            </a:extLst>
+          </a:blip>
+          <a:stretch>
+            <a:fillRect/>
+          </a:stretch>
+        </p:blipFill>
+        <p:spPr>
+          <a:xfrm>
+            <a:off x="8741729" y="2214242"/>
+            <a:ext cx="2804650" cy="3082779"/>
+          </a:xfrm>
+          <a:prstGeom prst="rect">
+            <a:avLst/>
+          </a:prstGeom>
+        </p:spPr>
+      </p:pic>
+      <p:sp>
+        <p:nvSpPr>
+          <p:cNvPr id="16" name="TextBox 15">
+            <a:extLst>
+              <a:ext uri="{FF2B5EF4-FFF2-40B4-BE49-F238E27FC236}">
+                <a16:creationId xmlns:a16="http://schemas.microsoft.com/office/drawing/2014/main" id="{A08CCD18-821D-47BA-88B7-4F826B85AFA1}"/>
+              </a:ext>
+            </a:extLst>
+          </p:cNvPr>
+          <p:cNvSpPr txBox="1"/>
+          <p:nvPr/>
+        </p:nvSpPr>
+        <p:spPr>
+          <a:xfrm>
+            <a:off x="645621" y="1454728"/>
+            <a:ext cx="6866313" cy="3416320"/>
+          </a:xfrm>
+          <a:prstGeom prst="rect">
+            <a:avLst/>
+          </a:prstGeom>
+          <a:noFill/>
+        </p:spPr>
+        <p:txBody>
+          <a:bodyPr wrap="square" rtlCol="0">
+            <a:spAutoFit/>
+          </a:bodyPr>
+          <a:lstStyle/>
+          <a:p>
+            <a:r>
+              <a:rPr lang="en-US" sz="2200" b="1" dirty="0"/>
+              <a:t>Are they immutable by default? Are they not?</a:t>
+            </a:r>
+          </a:p>
+          <a:p>
+            <a:endParaRPr lang="en-US" sz="2200" b="1" dirty="0"/>
+          </a:p>
+          <a:p>
+            <a:r>
+              <a:rPr lang="en-US" sz="2200" dirty="0"/>
+              <a:t>YES.</a:t>
+            </a:r>
+          </a:p>
+          <a:p>
+            <a:endParaRPr lang="en-US" sz="2200" dirty="0"/>
+          </a:p>
+          <a:p>
+            <a:pPr marL="342900" indent="-342900">
+              <a:buFont typeface="Arial" panose="020B0604020202020204" pitchFamily="34" charset="0"/>
+              <a:buChar char="•"/>
+            </a:pPr>
+            <a:r>
+              <a:rPr lang="en-US" sz="2200" dirty="0"/>
+              <a:t>Positional records are immutable by default</a:t>
+            </a:r>
+          </a:p>
+          <a:p>
+            <a:endParaRPr lang="en-US" sz="2200" dirty="0"/>
+          </a:p>
+          <a:p>
+            <a:pPr marL="342900" indent="-342900">
+              <a:buFont typeface="Arial" panose="020B0604020202020204" pitchFamily="34" charset="0"/>
+              <a:buChar char="•"/>
+            </a:pPr>
+            <a:r>
+              <a:rPr lang="en-US" sz="2200" dirty="0"/>
+              <a:t>Relational records require the use of </a:t>
+            </a:r>
+            <a:r>
+              <a:rPr lang="en-US" sz="2200" dirty="0" err="1"/>
+              <a:t>init</a:t>
+            </a:r>
+            <a:r>
+              <a:rPr lang="en-US" sz="2200" dirty="0"/>
+              <a:t> properties coupled with object initializers</a:t>
+            </a:r>
+          </a:p>
+          <a:p>
+            <a:pPr marL="342900" indent="-342900">
+              <a:buFont typeface="Arial" panose="020B0604020202020204" pitchFamily="34" charset="0"/>
+              <a:buChar char="•"/>
+            </a:pPr>
+            <a:endParaRPr lang="en-US" sz="2200" dirty="0"/>
+          </a:p>
+          <a:p>
+            <a:endParaRPr lang="en-US" dirty="0"/>
+          </a:p>
+        </p:txBody>
+      </p:sp>
+    </p:spTree>
+    <p:extLst>
+      <p:ext uri="{BB962C8B-B14F-4D97-AF65-F5344CB8AC3E}">
+        <p14:creationId xmlns:p14="http://schemas.microsoft.com/office/powerpoint/2010/main" val="2408655517"/>
+      </p:ext>
+    </p:extLst>
+  </p:cSld>
+  <p:clrMapOvr>
+    <a:masterClrMapping/>
+  </p:clrMapOvr>
+</p:sld>
+</file>
+
 <file path=ppt/slides/slide2.xml><?xml version="1.0" encoding="utf-8"?>
 <p:sld xmlns:a="http://schemas.openxmlformats.org/drawingml/2006/main" xmlns:r="http://schemas.openxmlformats.org/officeDocument/2006/relationships" xmlns:p="http://schemas.openxmlformats.org/presentationml/2006/main">
   <p:cSld>
@@ -3903,12 +7249,144 @@
           </a:prstGeom>
         </p:spPr>
       </p:pic>
+      <p:sp>
+        <p:nvSpPr>
+          <p:cNvPr id="16" name="TextBox 15">
+            <a:extLst>
+              <a:ext uri="{FF2B5EF4-FFF2-40B4-BE49-F238E27FC236}">
+                <a16:creationId xmlns:a16="http://schemas.microsoft.com/office/drawing/2014/main" id="{A08CCD18-821D-47BA-88B7-4F826B85AFA1}"/>
+              </a:ext>
+            </a:extLst>
+          </p:cNvPr>
+          <p:cNvSpPr txBox="1"/>
+          <p:nvPr/>
+        </p:nvSpPr>
+        <p:spPr>
+          <a:xfrm>
+            <a:off x="723207" y="1354975"/>
+            <a:ext cx="6866313" cy="5139869"/>
+          </a:xfrm>
+          <a:prstGeom prst="rect">
+            <a:avLst/>
+          </a:prstGeom>
+          <a:noFill/>
+        </p:spPr>
+        <p:txBody>
+          <a:bodyPr wrap="square" rtlCol="0">
+            <a:spAutoFit/>
+          </a:bodyPr>
+          <a:lstStyle/>
+          <a:p>
+            <a:r>
+              <a:rPr lang="en-US" sz="2400" dirty="0"/>
+              <a:t>I am a:</a:t>
+            </a:r>
+            <a:endParaRPr lang="en-US" sz="3200" dirty="0"/>
+          </a:p>
+          <a:p>
+            <a:pPr marL="457200" indent="-457200">
+              <a:buFont typeface="Arial" panose="020B0604020202020204" pitchFamily="34" charset="0"/>
+              <a:buChar char="•"/>
+            </a:pPr>
+            <a:r>
+              <a:rPr lang="en-US" sz="2200" b="1" dirty="0"/>
+              <a:t>Software engineer</a:t>
+            </a:r>
+            <a:r>
+              <a:rPr lang="en-US" sz="2200" dirty="0"/>
+              <a:t> – By day, I work on building out Azure solutions for development teams. I also work on open source when time permits</a:t>
+            </a:r>
+          </a:p>
+          <a:p>
+            <a:endParaRPr lang="en-US" sz="2200" dirty="0"/>
+          </a:p>
+          <a:p>
+            <a:pPr marL="457200" indent="-457200">
+              <a:buFont typeface="Arial" panose="020B0604020202020204" pitchFamily="34" charset="0"/>
+              <a:buChar char="•"/>
+            </a:pPr>
+            <a:r>
+              <a:rPr lang="en-US" sz="2200" b="1" dirty="0"/>
+              <a:t>Writer</a:t>
+            </a:r>
+            <a:r>
+              <a:rPr lang="en-US" sz="2200" dirty="0"/>
+              <a:t> – I write </a:t>
+            </a:r>
+            <a:r>
+              <a:rPr lang="en-US" sz="2200" i="1" dirty="0"/>
+              <a:t>a lot </a:t>
+            </a:r>
+            <a:r>
+              <a:rPr lang="en-US" sz="2200" dirty="0"/>
+              <a:t>on the side about .NET and programming:</a:t>
+            </a:r>
+          </a:p>
+          <a:p>
+            <a:pPr marL="914400" lvl="1" indent="-457200">
+              <a:buFont typeface="Arial" panose="020B0604020202020204" pitchFamily="34" charset="0"/>
+              <a:buChar char="•"/>
+            </a:pPr>
+            <a:r>
+              <a:rPr lang="en-US" sz="2200" i="1" dirty="0"/>
+              <a:t>daveabrock.com</a:t>
+            </a:r>
+            <a:r>
+              <a:rPr lang="en-US" sz="2200" dirty="0"/>
+              <a:t> – I write posts once a week about </a:t>
+            </a:r>
+            <a:r>
+              <a:rPr lang="en-US" sz="2200" dirty="0" err="1"/>
+              <a:t>Blazor</a:t>
+            </a:r>
+            <a:r>
+              <a:rPr lang="en-US" sz="2200" dirty="0"/>
+              <a:t>, ASP.NET Core, C#, and Azure</a:t>
+            </a:r>
+          </a:p>
+          <a:p>
+            <a:pPr marL="914400" lvl="1" indent="-457200">
+              <a:buFont typeface="Arial" panose="020B0604020202020204" pitchFamily="34" charset="0"/>
+              <a:buChar char="•"/>
+            </a:pPr>
+            <a:r>
+              <a:rPr lang="en-US" sz="2200" i="1" dirty="0"/>
+              <a:t>The .NET Stacks</a:t>
+            </a:r>
+            <a:r>
+              <a:rPr lang="en-US" sz="2200" dirty="0"/>
+              <a:t> – A weekly newsletter where I discuss trends, interview leaders, and provide weekly links</a:t>
+            </a:r>
+          </a:p>
+          <a:p>
+            <a:pPr lvl="1"/>
+            <a:endParaRPr lang="en-US" sz="2200" dirty="0"/>
+          </a:p>
+          <a:p>
+            <a:pPr marL="457200" indent="-457200">
+              <a:buFont typeface="Arial" panose="020B0604020202020204" pitchFamily="34" charset="0"/>
+              <a:buChar char="•"/>
+            </a:pPr>
+            <a:r>
+              <a:rPr lang="en-US" sz="2200" b="1" dirty="0"/>
+              <a:t>Dad</a:t>
+            </a:r>
+            <a:r>
+              <a:rPr lang="en-US" sz="2200" dirty="0"/>
+              <a:t> – Two “child components” aged 6 and 3</a:t>
+            </a:r>
+          </a:p>
+          <a:p>
+            <a:endParaRPr lang="en-US" dirty="0"/>
+          </a:p>
+        </p:txBody>
+      </p:sp>
       <p:pic>
         <p:nvPicPr>
-          <p:cNvPr id="15" name="Picture 14">
-            <a:extLst>
-              <a:ext uri="{FF2B5EF4-FFF2-40B4-BE49-F238E27FC236}">
-                <a16:creationId xmlns:a16="http://schemas.microsoft.com/office/drawing/2014/main" id="{3D3A41D9-8CC1-4309-9FEE-73994706D3E5}"/>
+          <p:cNvPr id="5" name="Picture 4">
+            <a:extLst>
+              <a:ext uri="{FF2B5EF4-FFF2-40B4-BE49-F238E27FC236}">
+                <a16:creationId xmlns:a16="http://schemas.microsoft.com/office/drawing/2014/main" id="{32170C78-D9E5-44B8-B813-1D864612ECB2}"/>
               </a:ext>
             </a:extLst>
           </p:cNvPr>
@@ -3918,7 +7396,389 @@
           <p:nvPr/>
         </p:nvPicPr>
         <p:blipFill>
-          <a:blip r:embed="rId6">
+          <a:blip r:embed="rId6"/>
+          <a:stretch>
+            <a:fillRect/>
+          </a:stretch>
+        </p:blipFill>
+        <p:spPr>
+          <a:xfrm>
+            <a:off x="8722731" y="4456322"/>
+            <a:ext cx="2665500" cy="1367871"/>
+          </a:xfrm>
+          <a:prstGeom prst="rect">
+            <a:avLst/>
+          </a:prstGeom>
+        </p:spPr>
+      </p:pic>
+    </p:spTree>
+    <p:extLst>
+      <p:ext uri="{BB962C8B-B14F-4D97-AF65-F5344CB8AC3E}">
+        <p14:creationId xmlns:p14="http://schemas.microsoft.com/office/powerpoint/2010/main" val="3968787839"/>
+      </p:ext>
+    </p:extLst>
+  </p:cSld>
+  <p:clrMapOvr>
+    <a:masterClrMapping/>
+  </p:clrMapOvr>
+</p:sld>
+</file>
+
+<file path=ppt/slides/slide20.xml><?xml version="1.0" encoding="utf-8"?>
+<p:sld xmlns:a="http://schemas.openxmlformats.org/drawingml/2006/main" xmlns:r="http://schemas.openxmlformats.org/officeDocument/2006/relationships" xmlns:p="http://schemas.openxmlformats.org/presentationml/2006/main">
+  <p:cSld>
+    <p:spTree>
+      <p:nvGrpSpPr>
+        <p:cNvPr id="1" name=""/>
+        <p:cNvGrpSpPr/>
+        <p:nvPr/>
+      </p:nvGrpSpPr>
+      <p:grpSpPr>
+        <a:xfrm>
+          <a:off x="0" y="0"/>
+          <a:ext cx="0" cy="0"/>
+          <a:chOff x="0" y="0"/>
+          <a:chExt cx="0" cy="0"/>
+        </a:xfrm>
+      </p:grpSpPr>
+      <p:sp>
+        <p:nvSpPr>
+          <p:cNvPr id="2" name="Title 1">
+            <a:extLst>
+              <a:ext uri="{FF2B5EF4-FFF2-40B4-BE49-F238E27FC236}">
+                <a16:creationId xmlns:a16="http://schemas.microsoft.com/office/drawing/2014/main" id="{1373447C-546D-4DA6-9419-AB10C5103275}"/>
+              </a:ext>
+            </a:extLst>
+          </p:cNvPr>
+          <p:cNvSpPr>
+            <a:spLocks noGrp="1"/>
+          </p:cNvSpPr>
+          <p:nvPr>
+            <p:ph type="ctrTitle"/>
+          </p:nvPr>
+        </p:nvSpPr>
+        <p:spPr>
+          <a:xfrm>
+            <a:off x="568036" y="332654"/>
+            <a:ext cx="9144000" cy="964131"/>
+          </a:xfrm>
+        </p:spPr>
+        <p:txBody>
+          <a:bodyPr>
+            <a:normAutofit/>
+          </a:bodyPr>
+          <a:lstStyle/>
+          <a:p>
+            <a:pPr algn="l"/>
+            <a:r>
+              <a:rPr lang="en-US" dirty="0"/>
+              <a:t>C# 9: Target Typing</a:t>
+            </a:r>
+          </a:p>
+        </p:txBody>
+      </p:sp>
+      <p:sp>
+        <p:nvSpPr>
+          <p:cNvPr id="3" name="Subtitle 2">
+            <a:extLst>
+              <a:ext uri="{FF2B5EF4-FFF2-40B4-BE49-F238E27FC236}">
+                <a16:creationId xmlns:a16="http://schemas.microsoft.com/office/drawing/2014/main" id="{4FA301AB-2822-4762-B485-6243C65DEBD8}"/>
+              </a:ext>
+            </a:extLst>
+          </p:cNvPr>
+          <p:cNvSpPr>
+            <a:spLocks noGrp="1"/>
+          </p:cNvSpPr>
+          <p:nvPr>
+            <p:ph type="subTitle" idx="1"/>
+          </p:nvPr>
+        </p:nvSpPr>
+        <p:spPr>
+          <a:xfrm>
+            <a:off x="198461" y="6176355"/>
+            <a:ext cx="4980368" cy="564789"/>
+          </a:xfrm>
+        </p:spPr>
+        <p:txBody>
+          <a:bodyPr>
+            <a:normAutofit lnSpcReduction="10000"/>
+          </a:bodyPr>
+          <a:lstStyle/>
+          <a:p>
+            <a:pPr algn="l"/>
+            <a:r>
+              <a:rPr lang="en-US" sz="1800" dirty="0">
+                <a:solidFill>
+                  <a:schemeClr val="bg1">
+                    <a:lumMod val="65000"/>
+                  </a:schemeClr>
+                </a:solidFill>
+              </a:rPr>
+              <a:t>@daveabrock</a:t>
+            </a:r>
+            <a:br>
+              <a:rPr lang="en-US" sz="1800" dirty="0">
+                <a:solidFill>
+                  <a:schemeClr val="bg1">
+                    <a:lumMod val="65000"/>
+                  </a:schemeClr>
+                </a:solidFill>
+              </a:rPr>
+            </a:br>
+            <a:r>
+              <a:rPr lang="en-US" sz="1800" dirty="0">
+                <a:solidFill>
+                  <a:schemeClr val="bg1">
+                    <a:lumMod val="65000"/>
+                  </a:schemeClr>
+                </a:solidFill>
+              </a:rPr>
+              <a:t>daveabrock.com</a:t>
+            </a:r>
+          </a:p>
+        </p:txBody>
+      </p:sp>
+      <p:sp>
+        <p:nvSpPr>
+          <p:cNvPr id="6" name="Subtitle 2">
+            <a:extLst>
+              <a:ext uri="{FF2B5EF4-FFF2-40B4-BE49-F238E27FC236}">
+                <a16:creationId xmlns:a16="http://schemas.microsoft.com/office/drawing/2014/main" id="{42F1DC3A-44A5-45BC-A44C-B36727AD5C01}"/>
+              </a:ext>
+            </a:extLst>
+          </p:cNvPr>
+          <p:cNvSpPr txBox="1">
+            <a:spLocks/>
+          </p:cNvSpPr>
+          <p:nvPr/>
+        </p:nvSpPr>
+        <p:spPr>
+          <a:xfrm>
+            <a:off x="7211632" y="6176355"/>
+            <a:ext cx="4980368" cy="564790"/>
+          </a:xfrm>
+          <a:prstGeom prst="rect">
+            <a:avLst/>
+          </a:prstGeom>
+        </p:spPr>
+        <p:txBody>
+          <a:bodyPr vert="horz" lIns="91440" tIns="45720" rIns="91440" bIns="45720" rtlCol="0">
+            <a:normAutofit lnSpcReduction="10000"/>
+          </a:bodyPr>
+          <a:lstStyle>
+            <a:lvl1pPr marL="0" indent="0" algn="ctr" defTabSz="914400" rtl="0" eaLnBrk="1" latinLnBrk="0" hangingPunct="1">
+              <a:lnSpc>
+                <a:spcPct val="90000"/>
+              </a:lnSpc>
+              <a:spcBef>
+                <a:spcPts val="1000"/>
+              </a:spcBef>
+              <a:buFont typeface="Arial" panose="020B0604020202020204" pitchFamily="34" charset="0"/>
+              <a:buNone/>
+              <a:defRPr sz="2400" kern="1200">
+                <a:solidFill>
+                  <a:schemeClr val="tx1"/>
+                </a:solidFill>
+                <a:latin typeface="+mn-lt"/>
+                <a:ea typeface="+mn-ea"/>
+                <a:cs typeface="+mn-cs"/>
+              </a:defRPr>
+            </a:lvl1pPr>
+            <a:lvl2pPr marL="457200" indent="0" algn="ctr" defTabSz="914400" rtl="0" eaLnBrk="1" latinLnBrk="0" hangingPunct="1">
+              <a:lnSpc>
+                <a:spcPct val="90000"/>
+              </a:lnSpc>
+              <a:spcBef>
+                <a:spcPts val="500"/>
+              </a:spcBef>
+              <a:buFont typeface="Arial" panose="020B0604020202020204" pitchFamily="34" charset="0"/>
+              <a:buNone/>
+              <a:defRPr sz="2000" kern="1200">
+                <a:solidFill>
+                  <a:schemeClr val="tx1"/>
+                </a:solidFill>
+                <a:latin typeface="+mn-lt"/>
+                <a:ea typeface="+mn-ea"/>
+                <a:cs typeface="+mn-cs"/>
+              </a:defRPr>
+            </a:lvl2pPr>
+            <a:lvl3pPr marL="914400" indent="0" algn="ctr" defTabSz="914400" rtl="0" eaLnBrk="1" latinLnBrk="0" hangingPunct="1">
+              <a:lnSpc>
+                <a:spcPct val="90000"/>
+              </a:lnSpc>
+              <a:spcBef>
+                <a:spcPts val="500"/>
+              </a:spcBef>
+              <a:buFont typeface="Arial" panose="020B0604020202020204" pitchFamily="34" charset="0"/>
+              <a:buNone/>
+              <a:defRPr sz="1800" kern="1200">
+                <a:solidFill>
+                  <a:schemeClr val="tx1"/>
+                </a:solidFill>
+                <a:latin typeface="+mn-lt"/>
+                <a:ea typeface="+mn-ea"/>
+                <a:cs typeface="+mn-cs"/>
+              </a:defRPr>
+            </a:lvl3pPr>
+            <a:lvl4pPr marL="1371600" indent="0" algn="ctr" defTabSz="914400" rtl="0" eaLnBrk="1" latinLnBrk="0" hangingPunct="1">
+              <a:lnSpc>
+                <a:spcPct val="90000"/>
+              </a:lnSpc>
+              <a:spcBef>
+                <a:spcPts val="500"/>
+              </a:spcBef>
+              <a:buFont typeface="Arial" panose="020B0604020202020204" pitchFamily="34" charset="0"/>
+              <a:buNone/>
+              <a:defRPr sz="1600" kern="1200">
+                <a:solidFill>
+                  <a:schemeClr val="tx1"/>
+                </a:solidFill>
+                <a:latin typeface="+mn-lt"/>
+                <a:ea typeface="+mn-ea"/>
+                <a:cs typeface="+mn-cs"/>
+              </a:defRPr>
+            </a:lvl4pPr>
+            <a:lvl5pPr marL="1828800" indent="0" algn="ctr" defTabSz="914400" rtl="0" eaLnBrk="1" latinLnBrk="0" hangingPunct="1">
+              <a:lnSpc>
+                <a:spcPct val="90000"/>
+              </a:lnSpc>
+              <a:spcBef>
+                <a:spcPts val="500"/>
+              </a:spcBef>
+              <a:buFont typeface="Arial" panose="020B0604020202020204" pitchFamily="34" charset="0"/>
+              <a:buNone/>
+              <a:defRPr sz="1600" kern="1200">
+                <a:solidFill>
+                  <a:schemeClr val="tx1"/>
+                </a:solidFill>
+                <a:latin typeface="+mn-lt"/>
+                <a:ea typeface="+mn-ea"/>
+                <a:cs typeface="+mn-cs"/>
+              </a:defRPr>
+            </a:lvl5pPr>
+            <a:lvl6pPr marL="2286000" indent="0" algn="ctr" defTabSz="914400" rtl="0" eaLnBrk="1" latinLnBrk="0" hangingPunct="1">
+              <a:lnSpc>
+                <a:spcPct val="90000"/>
+              </a:lnSpc>
+              <a:spcBef>
+                <a:spcPts val="500"/>
+              </a:spcBef>
+              <a:buFont typeface="Arial" panose="020B0604020202020204" pitchFamily="34" charset="0"/>
+              <a:buNone/>
+              <a:defRPr sz="1600" kern="1200">
+                <a:solidFill>
+                  <a:schemeClr val="tx1"/>
+                </a:solidFill>
+                <a:latin typeface="+mn-lt"/>
+                <a:ea typeface="+mn-ea"/>
+                <a:cs typeface="+mn-cs"/>
+              </a:defRPr>
+            </a:lvl6pPr>
+            <a:lvl7pPr marL="2743200" indent="0" algn="ctr" defTabSz="914400" rtl="0" eaLnBrk="1" latinLnBrk="0" hangingPunct="1">
+              <a:lnSpc>
+                <a:spcPct val="90000"/>
+              </a:lnSpc>
+              <a:spcBef>
+                <a:spcPts val="500"/>
+              </a:spcBef>
+              <a:buFont typeface="Arial" panose="020B0604020202020204" pitchFamily="34" charset="0"/>
+              <a:buNone/>
+              <a:defRPr sz="1600" kern="1200">
+                <a:solidFill>
+                  <a:schemeClr val="tx1"/>
+                </a:solidFill>
+                <a:latin typeface="+mn-lt"/>
+                <a:ea typeface="+mn-ea"/>
+                <a:cs typeface="+mn-cs"/>
+              </a:defRPr>
+            </a:lvl7pPr>
+            <a:lvl8pPr marL="3200400" indent="0" algn="ctr" defTabSz="914400" rtl="0" eaLnBrk="1" latinLnBrk="0" hangingPunct="1">
+              <a:lnSpc>
+                <a:spcPct val="90000"/>
+              </a:lnSpc>
+              <a:spcBef>
+                <a:spcPts val="500"/>
+              </a:spcBef>
+              <a:buFont typeface="Arial" panose="020B0604020202020204" pitchFamily="34" charset="0"/>
+              <a:buNone/>
+              <a:defRPr sz="1600" kern="1200">
+                <a:solidFill>
+                  <a:schemeClr val="tx1"/>
+                </a:solidFill>
+                <a:latin typeface="+mn-lt"/>
+                <a:ea typeface="+mn-ea"/>
+                <a:cs typeface="+mn-cs"/>
+              </a:defRPr>
+            </a:lvl8pPr>
+            <a:lvl9pPr marL="3657600" indent="0" algn="ctr" defTabSz="914400" rtl="0" eaLnBrk="1" latinLnBrk="0" hangingPunct="1">
+              <a:lnSpc>
+                <a:spcPct val="90000"/>
+              </a:lnSpc>
+              <a:spcBef>
+                <a:spcPts val="500"/>
+              </a:spcBef>
+              <a:buFont typeface="Arial" panose="020B0604020202020204" pitchFamily="34" charset="0"/>
+              <a:buNone/>
+              <a:defRPr sz="1600" kern="1200">
+                <a:solidFill>
+                  <a:schemeClr val="tx1"/>
+                </a:solidFill>
+                <a:latin typeface="+mn-lt"/>
+                <a:ea typeface="+mn-ea"/>
+                <a:cs typeface="+mn-cs"/>
+              </a:defRPr>
+            </a:lvl9pPr>
+          </a:lstStyle>
+          <a:p>
+            <a:pPr algn="r"/>
+            <a:r>
+              <a:rPr lang="en-US" sz="1800" dirty="0">
+                <a:solidFill>
+                  <a:schemeClr val="bg1">
+                    <a:lumMod val="65000"/>
+                  </a:schemeClr>
+                </a:solidFill>
+              </a:rPr>
+              <a:t>@dotnetstacks</a:t>
+            </a:r>
+            <a:br>
+              <a:rPr lang="en-US" sz="1800" dirty="0">
+                <a:solidFill>
+                  <a:schemeClr val="bg1">
+                    <a:lumMod val="65000"/>
+                  </a:schemeClr>
+                </a:solidFill>
+              </a:rPr>
+            </a:br>
+            <a:r>
+              <a:rPr lang="en-US" sz="1800" dirty="0">
+                <a:solidFill>
+                  <a:schemeClr val="bg1">
+                    <a:lumMod val="65000"/>
+                  </a:schemeClr>
+                </a:solidFill>
+              </a:rPr>
+              <a:t>dotnetstacks.com</a:t>
+            </a:r>
+          </a:p>
+        </p:txBody>
+      </p:sp>
+      <p:pic>
+        <p:nvPicPr>
+          <p:cNvPr id="11" name="Picture 10">
+            <a:extLst>
+              <a:ext uri="{FF2B5EF4-FFF2-40B4-BE49-F238E27FC236}">
+                <a16:creationId xmlns:a16="http://schemas.microsoft.com/office/drawing/2014/main" id="{2ACFC1E0-1DDB-4BF7-B1FC-B3648F91B67F}"/>
+              </a:ext>
+            </a:extLst>
+          </p:cNvPr>
+          <p:cNvPicPr>
+            <a:picLocks noChangeAspect="1"/>
+          </p:cNvPicPr>
+          <p:nvPr/>
+        </p:nvPicPr>
+        <p:blipFill>
+          <a:blip r:embed="rId2">
             <a:extLst>
               <a:ext uri="{28A0092B-C50C-407E-A947-70E740481C1C}">
                 <a14:useLocalDpi xmlns:a14="http://schemas.microsoft.com/office/drawing/2010/main" val="0"/>
@@ -3931,8 +7791,8 @@
         </p:blipFill>
         <p:spPr>
           <a:xfrm>
-            <a:off x="9345380" y="4391558"/>
-            <a:ext cx="1667623" cy="1667623"/>
+            <a:off x="8741729" y="2214242"/>
+            <a:ext cx="2804650" cy="3082779"/>
           </a:xfrm>
           <a:prstGeom prst="rect">
             <a:avLst/>
@@ -3953,8 +7813,8 @@
         </p:nvSpPr>
         <p:spPr>
           <a:xfrm>
-            <a:off x="723207" y="1354975"/>
-            <a:ext cx="6866313" cy="4801314"/>
+            <a:off x="645621" y="1454728"/>
+            <a:ext cx="6866313" cy="5262979"/>
           </a:xfrm>
           <a:prstGeom prst="rect">
             <a:avLst/>
@@ -3968,95 +7828,61 @@
           <a:lstStyle/>
           <a:p>
             <a:r>
-              <a:rPr lang="en-US" sz="2400" dirty="0"/>
-              <a:t>I am a:</a:t>
-            </a:r>
-            <a:endParaRPr lang="en-US" sz="3200" dirty="0"/>
-          </a:p>
-          <a:p>
-            <a:pPr marL="457200" indent="-457200">
+              <a:rPr lang="en-US" sz="2800" b="1" dirty="0"/>
+              <a:t>Target typing:</a:t>
+            </a:r>
+          </a:p>
+          <a:p>
+            <a:endParaRPr lang="en-US" sz="2800" b="1" dirty="0"/>
+          </a:p>
+          <a:p>
+            <a:pPr marL="342900" indent="-342900">
               <a:buFont typeface="Arial" panose="020B0604020202020204" pitchFamily="34" charset="0"/>
               <a:buChar char="•"/>
             </a:pPr>
             <a:r>
-              <a:rPr lang="en-US" sz="2200" b="1" dirty="0"/>
-              <a:t>Software engineer</a:t>
-            </a:r>
-            <a:r>
-              <a:rPr lang="en-US" sz="2200" dirty="0"/>
-              <a:t> – By day, I work on building out Azure solutions for development teams, and also work on open source when time permits</a:t>
-            </a:r>
-          </a:p>
-          <a:p>
-            <a:endParaRPr lang="en-US" sz="2200" dirty="0"/>
-          </a:p>
-          <a:p>
-            <a:pPr marL="457200" indent="-457200">
+              <a:rPr lang="en-US" sz="2800" dirty="0"/>
+              <a:t>Allows C# to get type from its context on the right side of the equals operator</a:t>
+            </a:r>
+          </a:p>
+          <a:p>
+            <a:endParaRPr lang="en-US" sz="2800" dirty="0"/>
+          </a:p>
+          <a:p>
+            <a:pPr marL="342900" indent="-342900">
               <a:buFont typeface="Arial" panose="020B0604020202020204" pitchFamily="34" charset="0"/>
               <a:buChar char="•"/>
             </a:pPr>
             <a:r>
-              <a:rPr lang="en-US" sz="2200" b="1" dirty="0"/>
-              <a:t>Writer</a:t>
-            </a:r>
-            <a:r>
-              <a:rPr lang="en-US" sz="2200" dirty="0"/>
-              <a:t> – I write a lot on the side about .NET:</a:t>
-            </a:r>
-          </a:p>
-          <a:p>
-            <a:pPr marL="914400" lvl="1" indent="-457200">
+              <a:rPr lang="en-US" sz="2800" dirty="0"/>
+              <a:t>As a result, you can’t pair it with the var keyword or ternary statements</a:t>
+            </a:r>
+          </a:p>
+          <a:p>
+            <a:endParaRPr lang="en-US" sz="2800" dirty="0"/>
+          </a:p>
+          <a:p>
+            <a:pPr marL="342900" indent="-342900">
               <a:buFont typeface="Arial" panose="020B0604020202020204" pitchFamily="34" charset="0"/>
               <a:buChar char="•"/>
             </a:pPr>
             <a:r>
-              <a:rPr lang="en-US" sz="2200" i="1" dirty="0"/>
-              <a:t>daveabrock.com</a:t>
-            </a:r>
-            <a:r>
-              <a:rPr lang="en-US" sz="2200" dirty="0"/>
-              <a:t> – I write posts once or twice a week about </a:t>
-            </a:r>
-            <a:r>
-              <a:rPr lang="en-US" sz="2200" dirty="0" err="1"/>
-              <a:t>Blazor</a:t>
-            </a:r>
-            <a:r>
-              <a:rPr lang="en-US" sz="2200" dirty="0"/>
-              <a:t>, ASP.NET Core, C#, and Azure</a:t>
-            </a:r>
-          </a:p>
-          <a:p>
-            <a:pPr marL="914400" lvl="1" indent="-457200">
+              <a:rPr lang="en-US" sz="2800" dirty="0"/>
+              <a:t>Works great with collections</a:t>
+            </a:r>
+          </a:p>
+          <a:p>
+            <a:pPr marL="342900" indent="-342900">
               <a:buFont typeface="Arial" panose="020B0604020202020204" pitchFamily="34" charset="0"/>
               <a:buChar char="•"/>
             </a:pPr>
-            <a:r>
-              <a:rPr lang="en-US" sz="2200" i="1" dirty="0"/>
-              <a:t>The .NET Stacks</a:t>
-            </a:r>
-            <a:r>
-              <a:rPr lang="en-US" sz="2200" dirty="0"/>
-              <a:t> – A weekly newsletter where I discuss trends, interview leaders, and provide weekly links</a:t>
-            </a:r>
-          </a:p>
-          <a:p>
-            <a:pPr lvl="1"/>
+            <a:endParaRPr lang="en-US" sz="2200" b="1" dirty="0"/>
+          </a:p>
+          <a:p>
+            <a:endParaRPr lang="en-US" sz="2200" b="1" dirty="0"/>
+          </a:p>
+          <a:p>
             <a:endParaRPr lang="en-US" sz="2200" dirty="0"/>
-          </a:p>
-          <a:p>
-            <a:pPr marL="457200" indent="-457200">
-              <a:buFont typeface="Arial" panose="020B0604020202020204" pitchFamily="34" charset="0"/>
-              <a:buChar char="•"/>
-            </a:pPr>
-            <a:r>
-              <a:rPr lang="en-US" sz="2200" b="1" dirty="0"/>
-              <a:t>Dad</a:t>
-            </a:r>
-            <a:r>
-              <a:rPr lang="en-US" sz="2200" dirty="0"/>
-              <a:t> – Two “child components” aged 6 and 3</a:t>
-            </a:r>
           </a:p>
           <a:p>
             <a:endParaRPr lang="en-US" dirty="0"/>
@@ -4066,7 +7892,638 @@
     </p:spTree>
     <p:extLst>
       <p:ext uri="{BB962C8B-B14F-4D97-AF65-F5344CB8AC3E}">
-        <p14:creationId xmlns:p14="http://schemas.microsoft.com/office/powerpoint/2010/main" val="3968787839"/>
+        <p14:creationId xmlns:p14="http://schemas.microsoft.com/office/powerpoint/2010/main" val="2904464937"/>
+      </p:ext>
+    </p:extLst>
+  </p:cSld>
+  <p:clrMapOvr>
+    <a:masterClrMapping/>
+  </p:clrMapOvr>
+</p:sld>
+</file>
+
+<file path=ppt/slides/slide21.xml><?xml version="1.0" encoding="utf-8"?>
+<p:sld xmlns:a="http://schemas.openxmlformats.org/drawingml/2006/main" xmlns:r="http://schemas.openxmlformats.org/officeDocument/2006/relationships" xmlns:p="http://schemas.openxmlformats.org/presentationml/2006/main">
+  <p:cSld>
+    <p:spTree>
+      <p:nvGrpSpPr>
+        <p:cNvPr id="1" name=""/>
+        <p:cNvGrpSpPr/>
+        <p:nvPr/>
+      </p:nvGrpSpPr>
+      <p:grpSpPr>
+        <a:xfrm>
+          <a:off x="0" y="0"/>
+          <a:ext cx="0" cy="0"/>
+          <a:chOff x="0" y="0"/>
+          <a:chExt cx="0" cy="0"/>
+        </a:xfrm>
+      </p:grpSpPr>
+      <p:pic>
+        <p:nvPicPr>
+          <p:cNvPr id="3" name="Picture 2">
+            <a:extLst>
+              <a:ext uri="{FF2B5EF4-FFF2-40B4-BE49-F238E27FC236}">
+                <a16:creationId xmlns:a16="http://schemas.microsoft.com/office/drawing/2014/main" id="{66CF3F79-1BB3-4B44-9E5E-CC55094DED4A}"/>
+              </a:ext>
+            </a:extLst>
+          </p:cNvPr>
+          <p:cNvPicPr>
+            <a:picLocks noChangeAspect="1"/>
+          </p:cNvPicPr>
+          <p:nvPr/>
+        </p:nvPicPr>
+        <p:blipFill>
+          <a:blip r:embed="rId3"/>
+          <a:stretch>
+            <a:fillRect/>
+          </a:stretch>
+        </p:blipFill>
+        <p:spPr>
+          <a:xfrm>
+            <a:off x="2249556" y="0"/>
+            <a:ext cx="7692887" cy="6858000"/>
+          </a:xfrm>
+          <a:prstGeom prst="rect">
+            <a:avLst/>
+          </a:prstGeom>
+        </p:spPr>
+      </p:pic>
+    </p:spTree>
+    <p:extLst>
+      <p:ext uri="{BB962C8B-B14F-4D97-AF65-F5344CB8AC3E}">
+        <p14:creationId xmlns:p14="http://schemas.microsoft.com/office/powerpoint/2010/main" val="3561143355"/>
+      </p:ext>
+    </p:extLst>
+  </p:cSld>
+  <p:clrMapOvr>
+    <a:masterClrMapping/>
+  </p:clrMapOvr>
+</p:sld>
+</file>
+
+<file path=ppt/slides/slide22.xml><?xml version="1.0" encoding="utf-8"?>
+<p:sld xmlns:a="http://schemas.openxmlformats.org/drawingml/2006/main" xmlns:r="http://schemas.openxmlformats.org/officeDocument/2006/relationships" xmlns:p="http://schemas.openxmlformats.org/presentationml/2006/main">
+  <p:cSld>
+    <p:spTree>
+      <p:nvGrpSpPr>
+        <p:cNvPr id="1" name=""/>
+        <p:cNvGrpSpPr/>
+        <p:nvPr/>
+      </p:nvGrpSpPr>
+      <p:grpSpPr>
+        <a:xfrm>
+          <a:off x="0" y="0"/>
+          <a:ext cx="0" cy="0"/>
+          <a:chOff x="0" y="0"/>
+          <a:chExt cx="0" cy="0"/>
+        </a:xfrm>
+      </p:grpSpPr>
+      <p:pic>
+        <p:nvPicPr>
+          <p:cNvPr id="4" name="Picture 3">
+            <a:extLst>
+              <a:ext uri="{FF2B5EF4-FFF2-40B4-BE49-F238E27FC236}">
+                <a16:creationId xmlns:a16="http://schemas.microsoft.com/office/drawing/2014/main" id="{65F14EE8-44EB-49AD-AEA7-648A4B19D40E}"/>
+              </a:ext>
+            </a:extLst>
+          </p:cNvPr>
+          <p:cNvPicPr>
+            <a:picLocks noChangeAspect="1"/>
+          </p:cNvPicPr>
+          <p:nvPr/>
+        </p:nvPicPr>
+        <p:blipFill>
+          <a:blip r:embed="rId3"/>
+          <a:stretch>
+            <a:fillRect/>
+          </a:stretch>
+        </p:blipFill>
+        <p:spPr>
+          <a:xfrm>
+            <a:off x="1715076" y="0"/>
+            <a:ext cx="8761847" cy="6858000"/>
+          </a:xfrm>
+          <a:prstGeom prst="rect">
+            <a:avLst/>
+          </a:prstGeom>
+        </p:spPr>
+      </p:pic>
+    </p:spTree>
+    <p:extLst>
+      <p:ext uri="{BB962C8B-B14F-4D97-AF65-F5344CB8AC3E}">
+        <p14:creationId xmlns:p14="http://schemas.microsoft.com/office/powerpoint/2010/main" val="3674767420"/>
+      </p:ext>
+    </p:extLst>
+  </p:cSld>
+  <p:clrMapOvr>
+    <a:masterClrMapping/>
+  </p:clrMapOvr>
+</p:sld>
+</file>
+
+<file path=ppt/slides/slide23.xml><?xml version="1.0" encoding="utf-8"?>
+<p:sld xmlns:a="http://schemas.openxmlformats.org/drawingml/2006/main" xmlns:r="http://schemas.openxmlformats.org/officeDocument/2006/relationships" xmlns:p="http://schemas.openxmlformats.org/presentationml/2006/main">
+  <p:cSld>
+    <p:spTree>
+      <p:nvGrpSpPr>
+        <p:cNvPr id="1" name=""/>
+        <p:cNvGrpSpPr/>
+        <p:nvPr/>
+      </p:nvGrpSpPr>
+      <p:grpSpPr>
+        <a:xfrm>
+          <a:off x="0" y="0"/>
+          <a:ext cx="0" cy="0"/>
+          <a:chOff x="0" y="0"/>
+          <a:chExt cx="0" cy="0"/>
+        </a:xfrm>
+      </p:grpSpPr>
+      <p:sp>
+        <p:nvSpPr>
+          <p:cNvPr id="2" name="Title 1">
+            <a:extLst>
+              <a:ext uri="{FF2B5EF4-FFF2-40B4-BE49-F238E27FC236}">
+                <a16:creationId xmlns:a16="http://schemas.microsoft.com/office/drawing/2014/main" id="{1373447C-546D-4DA6-9419-AB10C5103275}"/>
+              </a:ext>
+            </a:extLst>
+          </p:cNvPr>
+          <p:cNvSpPr>
+            <a:spLocks noGrp="1"/>
+          </p:cNvSpPr>
+          <p:nvPr>
+            <p:ph type="ctrTitle"/>
+          </p:nvPr>
+        </p:nvSpPr>
+        <p:spPr>
+          <a:xfrm>
+            <a:off x="568036" y="332654"/>
+            <a:ext cx="9144000" cy="964131"/>
+          </a:xfrm>
+        </p:spPr>
+        <p:txBody>
+          <a:bodyPr>
+            <a:normAutofit/>
+          </a:bodyPr>
+          <a:lstStyle/>
+          <a:p>
+            <a:pPr algn="l"/>
+            <a:r>
+              <a:rPr lang="en-US" dirty="0"/>
+              <a:t>C# 9: Learn More</a:t>
+            </a:r>
+          </a:p>
+        </p:txBody>
+      </p:sp>
+      <p:sp>
+        <p:nvSpPr>
+          <p:cNvPr id="3" name="Subtitle 2">
+            <a:extLst>
+              <a:ext uri="{FF2B5EF4-FFF2-40B4-BE49-F238E27FC236}">
+                <a16:creationId xmlns:a16="http://schemas.microsoft.com/office/drawing/2014/main" id="{4FA301AB-2822-4762-B485-6243C65DEBD8}"/>
+              </a:ext>
+            </a:extLst>
+          </p:cNvPr>
+          <p:cNvSpPr>
+            <a:spLocks noGrp="1"/>
+          </p:cNvSpPr>
+          <p:nvPr>
+            <p:ph type="subTitle" idx="1"/>
+          </p:nvPr>
+        </p:nvSpPr>
+        <p:spPr>
+          <a:xfrm>
+            <a:off x="198461" y="6176355"/>
+            <a:ext cx="4980368" cy="564789"/>
+          </a:xfrm>
+        </p:spPr>
+        <p:txBody>
+          <a:bodyPr>
+            <a:normAutofit lnSpcReduction="10000"/>
+          </a:bodyPr>
+          <a:lstStyle/>
+          <a:p>
+            <a:pPr algn="l"/>
+            <a:r>
+              <a:rPr lang="en-US" sz="1800" dirty="0">
+                <a:solidFill>
+                  <a:schemeClr val="bg1">
+                    <a:lumMod val="65000"/>
+                  </a:schemeClr>
+                </a:solidFill>
+              </a:rPr>
+              <a:t>@daveabrock</a:t>
+            </a:r>
+            <a:br>
+              <a:rPr lang="en-US" sz="1800" dirty="0">
+                <a:solidFill>
+                  <a:schemeClr val="bg1">
+                    <a:lumMod val="65000"/>
+                  </a:schemeClr>
+                </a:solidFill>
+              </a:rPr>
+            </a:br>
+            <a:r>
+              <a:rPr lang="en-US" sz="1800" dirty="0">
+                <a:solidFill>
+                  <a:schemeClr val="bg1">
+                    <a:lumMod val="65000"/>
+                  </a:schemeClr>
+                </a:solidFill>
+              </a:rPr>
+              <a:t>daveabrock.com</a:t>
+            </a:r>
+          </a:p>
+        </p:txBody>
+      </p:sp>
+      <p:sp>
+        <p:nvSpPr>
+          <p:cNvPr id="6" name="Subtitle 2">
+            <a:extLst>
+              <a:ext uri="{FF2B5EF4-FFF2-40B4-BE49-F238E27FC236}">
+                <a16:creationId xmlns:a16="http://schemas.microsoft.com/office/drawing/2014/main" id="{42F1DC3A-44A5-45BC-A44C-B36727AD5C01}"/>
+              </a:ext>
+            </a:extLst>
+          </p:cNvPr>
+          <p:cNvSpPr txBox="1">
+            <a:spLocks/>
+          </p:cNvSpPr>
+          <p:nvPr/>
+        </p:nvSpPr>
+        <p:spPr>
+          <a:xfrm>
+            <a:off x="7211632" y="6176355"/>
+            <a:ext cx="4980368" cy="564790"/>
+          </a:xfrm>
+          <a:prstGeom prst="rect">
+            <a:avLst/>
+          </a:prstGeom>
+        </p:spPr>
+        <p:txBody>
+          <a:bodyPr vert="horz" lIns="91440" tIns="45720" rIns="91440" bIns="45720" rtlCol="0">
+            <a:normAutofit lnSpcReduction="10000"/>
+          </a:bodyPr>
+          <a:lstStyle>
+            <a:lvl1pPr marL="0" indent="0" algn="ctr" defTabSz="914400" rtl="0" eaLnBrk="1" latinLnBrk="0" hangingPunct="1">
+              <a:lnSpc>
+                <a:spcPct val="90000"/>
+              </a:lnSpc>
+              <a:spcBef>
+                <a:spcPts val="1000"/>
+              </a:spcBef>
+              <a:buFont typeface="Arial" panose="020B0604020202020204" pitchFamily="34" charset="0"/>
+              <a:buNone/>
+              <a:defRPr sz="2400" kern="1200">
+                <a:solidFill>
+                  <a:schemeClr val="tx1"/>
+                </a:solidFill>
+                <a:latin typeface="+mn-lt"/>
+                <a:ea typeface="+mn-ea"/>
+                <a:cs typeface="+mn-cs"/>
+              </a:defRPr>
+            </a:lvl1pPr>
+            <a:lvl2pPr marL="457200" indent="0" algn="ctr" defTabSz="914400" rtl="0" eaLnBrk="1" latinLnBrk="0" hangingPunct="1">
+              <a:lnSpc>
+                <a:spcPct val="90000"/>
+              </a:lnSpc>
+              <a:spcBef>
+                <a:spcPts val="500"/>
+              </a:spcBef>
+              <a:buFont typeface="Arial" panose="020B0604020202020204" pitchFamily="34" charset="0"/>
+              <a:buNone/>
+              <a:defRPr sz="2000" kern="1200">
+                <a:solidFill>
+                  <a:schemeClr val="tx1"/>
+                </a:solidFill>
+                <a:latin typeface="+mn-lt"/>
+                <a:ea typeface="+mn-ea"/>
+                <a:cs typeface="+mn-cs"/>
+              </a:defRPr>
+            </a:lvl2pPr>
+            <a:lvl3pPr marL="914400" indent="0" algn="ctr" defTabSz="914400" rtl="0" eaLnBrk="1" latinLnBrk="0" hangingPunct="1">
+              <a:lnSpc>
+                <a:spcPct val="90000"/>
+              </a:lnSpc>
+              <a:spcBef>
+                <a:spcPts val="500"/>
+              </a:spcBef>
+              <a:buFont typeface="Arial" panose="020B0604020202020204" pitchFamily="34" charset="0"/>
+              <a:buNone/>
+              <a:defRPr sz="1800" kern="1200">
+                <a:solidFill>
+                  <a:schemeClr val="tx1"/>
+                </a:solidFill>
+                <a:latin typeface="+mn-lt"/>
+                <a:ea typeface="+mn-ea"/>
+                <a:cs typeface="+mn-cs"/>
+              </a:defRPr>
+            </a:lvl3pPr>
+            <a:lvl4pPr marL="1371600" indent="0" algn="ctr" defTabSz="914400" rtl="0" eaLnBrk="1" latinLnBrk="0" hangingPunct="1">
+              <a:lnSpc>
+                <a:spcPct val="90000"/>
+              </a:lnSpc>
+              <a:spcBef>
+                <a:spcPts val="500"/>
+              </a:spcBef>
+              <a:buFont typeface="Arial" panose="020B0604020202020204" pitchFamily="34" charset="0"/>
+              <a:buNone/>
+              <a:defRPr sz="1600" kern="1200">
+                <a:solidFill>
+                  <a:schemeClr val="tx1"/>
+                </a:solidFill>
+                <a:latin typeface="+mn-lt"/>
+                <a:ea typeface="+mn-ea"/>
+                <a:cs typeface="+mn-cs"/>
+              </a:defRPr>
+            </a:lvl4pPr>
+            <a:lvl5pPr marL="1828800" indent="0" algn="ctr" defTabSz="914400" rtl="0" eaLnBrk="1" latinLnBrk="0" hangingPunct="1">
+              <a:lnSpc>
+                <a:spcPct val="90000"/>
+              </a:lnSpc>
+              <a:spcBef>
+                <a:spcPts val="500"/>
+              </a:spcBef>
+              <a:buFont typeface="Arial" panose="020B0604020202020204" pitchFamily="34" charset="0"/>
+              <a:buNone/>
+              <a:defRPr sz="1600" kern="1200">
+                <a:solidFill>
+                  <a:schemeClr val="tx1"/>
+                </a:solidFill>
+                <a:latin typeface="+mn-lt"/>
+                <a:ea typeface="+mn-ea"/>
+                <a:cs typeface="+mn-cs"/>
+              </a:defRPr>
+            </a:lvl5pPr>
+            <a:lvl6pPr marL="2286000" indent="0" algn="ctr" defTabSz="914400" rtl="0" eaLnBrk="1" latinLnBrk="0" hangingPunct="1">
+              <a:lnSpc>
+                <a:spcPct val="90000"/>
+              </a:lnSpc>
+              <a:spcBef>
+                <a:spcPts val="500"/>
+              </a:spcBef>
+              <a:buFont typeface="Arial" panose="020B0604020202020204" pitchFamily="34" charset="0"/>
+              <a:buNone/>
+              <a:defRPr sz="1600" kern="1200">
+                <a:solidFill>
+                  <a:schemeClr val="tx1"/>
+                </a:solidFill>
+                <a:latin typeface="+mn-lt"/>
+                <a:ea typeface="+mn-ea"/>
+                <a:cs typeface="+mn-cs"/>
+              </a:defRPr>
+            </a:lvl6pPr>
+            <a:lvl7pPr marL="2743200" indent="0" algn="ctr" defTabSz="914400" rtl="0" eaLnBrk="1" latinLnBrk="0" hangingPunct="1">
+              <a:lnSpc>
+                <a:spcPct val="90000"/>
+              </a:lnSpc>
+              <a:spcBef>
+                <a:spcPts val="500"/>
+              </a:spcBef>
+              <a:buFont typeface="Arial" panose="020B0604020202020204" pitchFamily="34" charset="0"/>
+              <a:buNone/>
+              <a:defRPr sz="1600" kern="1200">
+                <a:solidFill>
+                  <a:schemeClr val="tx1"/>
+                </a:solidFill>
+                <a:latin typeface="+mn-lt"/>
+                <a:ea typeface="+mn-ea"/>
+                <a:cs typeface="+mn-cs"/>
+              </a:defRPr>
+            </a:lvl7pPr>
+            <a:lvl8pPr marL="3200400" indent="0" algn="ctr" defTabSz="914400" rtl="0" eaLnBrk="1" latinLnBrk="0" hangingPunct="1">
+              <a:lnSpc>
+                <a:spcPct val="90000"/>
+              </a:lnSpc>
+              <a:spcBef>
+                <a:spcPts val="500"/>
+              </a:spcBef>
+              <a:buFont typeface="Arial" panose="020B0604020202020204" pitchFamily="34" charset="0"/>
+              <a:buNone/>
+              <a:defRPr sz="1600" kern="1200">
+                <a:solidFill>
+                  <a:schemeClr val="tx1"/>
+                </a:solidFill>
+                <a:latin typeface="+mn-lt"/>
+                <a:ea typeface="+mn-ea"/>
+                <a:cs typeface="+mn-cs"/>
+              </a:defRPr>
+            </a:lvl8pPr>
+            <a:lvl9pPr marL="3657600" indent="0" algn="ctr" defTabSz="914400" rtl="0" eaLnBrk="1" latinLnBrk="0" hangingPunct="1">
+              <a:lnSpc>
+                <a:spcPct val="90000"/>
+              </a:lnSpc>
+              <a:spcBef>
+                <a:spcPts val="500"/>
+              </a:spcBef>
+              <a:buFont typeface="Arial" panose="020B0604020202020204" pitchFamily="34" charset="0"/>
+              <a:buNone/>
+              <a:defRPr sz="1600" kern="1200">
+                <a:solidFill>
+                  <a:schemeClr val="tx1"/>
+                </a:solidFill>
+                <a:latin typeface="+mn-lt"/>
+                <a:ea typeface="+mn-ea"/>
+                <a:cs typeface="+mn-cs"/>
+              </a:defRPr>
+            </a:lvl9pPr>
+          </a:lstStyle>
+          <a:p>
+            <a:pPr algn="r"/>
+            <a:r>
+              <a:rPr lang="en-US" sz="1800" dirty="0">
+                <a:solidFill>
+                  <a:schemeClr val="bg1">
+                    <a:lumMod val="65000"/>
+                  </a:schemeClr>
+                </a:solidFill>
+              </a:rPr>
+              <a:t>@dotnetstacks</a:t>
+            </a:r>
+            <a:br>
+              <a:rPr lang="en-US" sz="1800" dirty="0">
+                <a:solidFill>
+                  <a:schemeClr val="bg1">
+                    <a:lumMod val="65000"/>
+                  </a:schemeClr>
+                </a:solidFill>
+              </a:rPr>
+            </a:br>
+            <a:r>
+              <a:rPr lang="en-US" sz="1800" dirty="0">
+                <a:solidFill>
+                  <a:schemeClr val="bg1">
+                    <a:lumMod val="65000"/>
+                  </a:schemeClr>
+                </a:solidFill>
+              </a:rPr>
+              <a:t>dotnetstacks.com</a:t>
+            </a:r>
+          </a:p>
+        </p:txBody>
+      </p:sp>
+      <p:pic>
+        <p:nvPicPr>
+          <p:cNvPr id="11" name="Picture 10">
+            <a:extLst>
+              <a:ext uri="{FF2B5EF4-FFF2-40B4-BE49-F238E27FC236}">
+                <a16:creationId xmlns:a16="http://schemas.microsoft.com/office/drawing/2014/main" id="{2ACFC1E0-1DDB-4BF7-B1FC-B3648F91B67F}"/>
+              </a:ext>
+            </a:extLst>
+          </p:cNvPr>
+          <p:cNvPicPr>
+            <a:picLocks noChangeAspect="1"/>
+          </p:cNvPicPr>
+          <p:nvPr/>
+        </p:nvPicPr>
+        <p:blipFill>
+          <a:blip r:embed="rId2">
+            <a:extLst>
+              <a:ext uri="{28A0092B-C50C-407E-A947-70E740481C1C}">
+                <a14:useLocalDpi xmlns:a14="http://schemas.microsoft.com/office/drawing/2010/main" val="0"/>
+              </a:ext>
+            </a:extLst>
+          </a:blip>
+          <a:stretch>
+            <a:fillRect/>
+          </a:stretch>
+        </p:blipFill>
+        <p:spPr>
+          <a:xfrm>
+            <a:off x="8741729" y="2214242"/>
+            <a:ext cx="2804650" cy="3082779"/>
+          </a:xfrm>
+          <a:prstGeom prst="rect">
+            <a:avLst/>
+          </a:prstGeom>
+        </p:spPr>
+      </p:pic>
+      <p:sp>
+        <p:nvSpPr>
+          <p:cNvPr id="16" name="TextBox 15">
+            <a:extLst>
+              <a:ext uri="{FF2B5EF4-FFF2-40B4-BE49-F238E27FC236}">
+                <a16:creationId xmlns:a16="http://schemas.microsoft.com/office/drawing/2014/main" id="{A08CCD18-821D-47BA-88B7-4F826B85AFA1}"/>
+              </a:ext>
+            </a:extLst>
+          </p:cNvPr>
+          <p:cNvSpPr txBox="1"/>
+          <p:nvPr/>
+        </p:nvSpPr>
+        <p:spPr>
+          <a:xfrm>
+            <a:off x="645621" y="1454728"/>
+            <a:ext cx="6866313" cy="6124754"/>
+          </a:xfrm>
+          <a:prstGeom prst="rect">
+            <a:avLst/>
+          </a:prstGeom>
+          <a:noFill/>
+        </p:spPr>
+        <p:txBody>
+          <a:bodyPr wrap="square" rtlCol="0">
+            <a:spAutoFit/>
+          </a:bodyPr>
+          <a:lstStyle/>
+          <a:p>
+            <a:r>
+              <a:rPr lang="en-US" sz="2800" b="1" dirty="0"/>
+              <a:t>We’re just scratching the surface! Check out the docs to also learn about…</a:t>
+            </a:r>
+          </a:p>
+          <a:p>
+            <a:endParaRPr lang="en-US" sz="2800" dirty="0"/>
+          </a:p>
+          <a:p>
+            <a:pPr marL="342900" indent="-342900">
+              <a:buFont typeface="Arial" panose="020B0604020202020204" pitchFamily="34" charset="0"/>
+              <a:buChar char="•"/>
+            </a:pPr>
+            <a:r>
+              <a:rPr lang="en-US" sz="2800" dirty="0"/>
+              <a:t>Pattern matching</a:t>
+            </a:r>
+          </a:p>
+          <a:p>
+            <a:pPr marL="342900" indent="-342900">
+              <a:buFont typeface="Arial" panose="020B0604020202020204" pitchFamily="34" charset="0"/>
+              <a:buChar char="•"/>
+            </a:pPr>
+            <a:r>
+              <a:rPr lang="en-US" sz="2800" dirty="0"/>
+              <a:t>Covariant return types</a:t>
+            </a:r>
+          </a:p>
+          <a:p>
+            <a:pPr marL="342900" indent="-342900">
+              <a:buFont typeface="Arial" panose="020B0604020202020204" pitchFamily="34" charset="0"/>
+              <a:buChar char="•"/>
+            </a:pPr>
+            <a:r>
+              <a:rPr lang="en-US" sz="2800" dirty="0"/>
+              <a:t>Lambda discards</a:t>
+            </a:r>
+          </a:p>
+          <a:p>
+            <a:pPr marL="342900" indent="-342900">
+              <a:buFont typeface="Arial" panose="020B0604020202020204" pitchFamily="34" charset="0"/>
+              <a:buChar char="•"/>
+            </a:pPr>
+            <a:r>
+              <a:rPr lang="en-US" sz="2800" dirty="0"/>
+              <a:t>Local function attributes</a:t>
+            </a:r>
+          </a:p>
+          <a:p>
+            <a:pPr marL="342900" indent="-342900">
+              <a:buFont typeface="Arial" panose="020B0604020202020204" pitchFamily="34" charset="0"/>
+              <a:buChar char="•"/>
+            </a:pPr>
+            <a:r>
+              <a:rPr lang="en-US" sz="2800" dirty="0"/>
+              <a:t>Module initializers</a:t>
+            </a:r>
+          </a:p>
+          <a:p>
+            <a:pPr marL="342900" indent="-342900">
+              <a:buFont typeface="Arial" panose="020B0604020202020204" pitchFamily="34" charset="0"/>
+              <a:buChar char="•"/>
+            </a:pPr>
+            <a:r>
+              <a:rPr lang="en-US" sz="2800" dirty="0"/>
+              <a:t>Native sized integers</a:t>
+            </a:r>
+          </a:p>
+          <a:p>
+            <a:endParaRPr lang="en-US" sz="2800" dirty="0"/>
+          </a:p>
+          <a:p>
+            <a:r>
+              <a:rPr lang="en-US" sz="2800" dirty="0"/>
+              <a:t>… and much more</a:t>
+            </a:r>
+          </a:p>
+          <a:p>
+            <a:pPr marL="342900" indent="-342900">
+              <a:buFont typeface="Arial" panose="020B0604020202020204" pitchFamily="34" charset="0"/>
+              <a:buChar char="•"/>
+            </a:pPr>
+            <a:endParaRPr lang="en-US" sz="2200" b="1" dirty="0"/>
+          </a:p>
+          <a:p>
+            <a:endParaRPr lang="en-US" sz="2200" b="1" dirty="0"/>
+          </a:p>
+          <a:p>
+            <a:endParaRPr lang="en-US" sz="2200" dirty="0"/>
+          </a:p>
+          <a:p>
+            <a:endParaRPr lang="en-US" dirty="0"/>
+          </a:p>
+        </p:txBody>
+      </p:sp>
+    </p:spTree>
+    <p:extLst>
+      <p:ext uri="{BB962C8B-B14F-4D97-AF65-F5344CB8AC3E}">
+        <p14:creationId xmlns:p14="http://schemas.microsoft.com/office/powerpoint/2010/main" val="2755892173"/>
       </p:ext>
     </p:extLst>
   </p:cSld>
@@ -4111,7 +8568,7 @@
         </p:nvSpPr>
         <p:spPr>
           <a:xfrm>
-            <a:off x="568036" y="332654"/>
+            <a:off x="557816" y="247987"/>
             <a:ext cx="9144000" cy="964131"/>
           </a:xfrm>
         </p:spPr>
@@ -4565,20 +9022,18 @@
         </p:nvSpPr>
         <p:spPr>
           <a:xfrm>
-            <a:off x="568036" y="332654"/>
+            <a:off x="606829" y="116855"/>
             <a:ext cx="9144000" cy="964131"/>
           </a:xfrm>
         </p:spPr>
         <p:txBody>
-          <a:bodyPr>
-            <a:normAutofit/>
-          </a:bodyPr>
+          <a:bodyPr/>
           <a:lstStyle/>
           <a:p>
             <a:pPr algn="l"/>
             <a:r>
               <a:rPr lang="en-US" dirty="0"/>
-              <a:t>C# 9: Init-only properties</a:t>
+              <a:t>C# 9: Functionally Better?</a:t>
             </a:r>
           </a:p>
         </p:txBody>
@@ -4869,58 +9324,22 @@
           </a:p>
         </p:txBody>
       </p:sp>
-      <p:pic>
-        <p:nvPicPr>
-          <p:cNvPr id="11" name="Picture 10">
-            <a:extLst>
-              <a:ext uri="{FF2B5EF4-FFF2-40B4-BE49-F238E27FC236}">
-                <a16:creationId xmlns:a16="http://schemas.microsoft.com/office/drawing/2014/main" id="{2ACFC1E0-1DDB-4BF7-B1FC-B3648F91B67F}"/>
-              </a:ext>
-            </a:extLst>
-          </p:cNvPr>
-          <p:cNvPicPr>
-            <a:picLocks noChangeAspect="1"/>
-          </p:cNvPicPr>
+      <p:sp>
+        <p:nvSpPr>
+          <p:cNvPr id="16" name="TextBox 15">
+            <a:extLst>
+              <a:ext uri="{FF2B5EF4-FFF2-40B4-BE49-F238E27FC236}">
+                <a16:creationId xmlns:a16="http://schemas.microsoft.com/office/drawing/2014/main" id="{A08CCD18-821D-47BA-88B7-4F826B85AFA1}"/>
+              </a:ext>
+            </a:extLst>
+          </p:cNvPr>
+          <p:cNvSpPr txBox="1"/>
           <p:nvPr/>
-        </p:nvPicPr>
-        <p:blipFill>
-          <a:blip r:embed="rId2">
-            <a:extLst>
-              <a:ext uri="{28A0092B-C50C-407E-A947-70E740481C1C}">
-                <a14:useLocalDpi xmlns:a14="http://schemas.microsoft.com/office/drawing/2010/main" val="0"/>
-              </a:ext>
-            </a:extLst>
-          </a:blip>
-          <a:stretch>
-            <a:fillRect/>
-          </a:stretch>
-        </p:blipFill>
+        </p:nvSpPr>
         <p:spPr>
           <a:xfrm>
-            <a:off x="8741729" y="2214242"/>
-            <a:ext cx="2804650" cy="3082779"/>
-          </a:xfrm>
-          <a:prstGeom prst="rect">
-            <a:avLst/>
-          </a:prstGeom>
-        </p:spPr>
-      </p:pic>
-      <p:sp>
-        <p:nvSpPr>
-          <p:cNvPr id="16" name="TextBox 15">
-            <a:extLst>
-              <a:ext uri="{FF2B5EF4-FFF2-40B4-BE49-F238E27FC236}">
-                <a16:creationId xmlns:a16="http://schemas.microsoft.com/office/drawing/2014/main" id="{A08CCD18-821D-47BA-88B7-4F826B85AFA1}"/>
-              </a:ext>
-            </a:extLst>
-          </p:cNvPr>
-          <p:cNvSpPr txBox="1"/>
-          <p:nvPr/>
-        </p:nvSpPr>
-        <p:spPr>
-          <a:xfrm>
-            <a:off x="645621" y="1454728"/>
-            <a:ext cx="6866313" cy="4770537"/>
+            <a:off x="672990" y="1145711"/>
+            <a:ext cx="7313046" cy="5478423"/>
           </a:xfrm>
           <a:prstGeom prst="rect">
             <a:avLst/>
@@ -4934,35 +9353,79 @@
           <a:lstStyle/>
           <a:p>
             <a:r>
-              <a:rPr lang="en-US" sz="2200" b="1" dirty="0"/>
-              <a:t>C# 9 ships with .NET 5 and Visual Studio 16.8!</a:t>
+              <a:rPr lang="en-US" sz="2000" b="1" dirty="0"/>
+              <a:t>From Isaac Abraham, who runs an F# consultancy (Compositional IT):</a:t>
             </a:r>
           </a:p>
           <a:p>
             <a:endParaRPr lang="en-US" sz="2200" b="1" dirty="0"/>
           </a:p>
           <a:p>
-            <a:r>
-              <a:rPr lang="en-US" sz="2200" dirty="0"/>
-              <a:t>Records – define class types which act as values (types traditionally encapsulate state via methods and properties, values are the opposite, json values are value style objects, need equality, deconstructions, and immutability)</a:t>
-            </a:r>
-          </a:p>
-          <a:p>
-            <a:endParaRPr lang="en-US" sz="2200" b="1" dirty="0"/>
-          </a:p>
-          <a:p>
-            <a:r>
-              <a:rPr lang="en-US" sz="2200" dirty="0"/>
-              <a:t>C# 8 – nullability – more work, catching up on some stuff</a:t>
-            </a:r>
-          </a:p>
-          <a:p>
-            <a:endParaRPr lang="en-US" sz="2200" b="1" dirty="0"/>
-          </a:p>
-          <a:p>
-            <a:r>
-              <a:rPr lang="en-US" sz="2200" dirty="0"/>
-              <a:t>– By day, I work on building out Azure solutions for development teams, and also work on open source when time permits</a:t>
+            <a:pPr algn="l"/>
+            <a:r>
+              <a:rPr lang="en-US" sz="2000" b="0" i="0" dirty="0">
+                <a:solidFill>
+                  <a:srgbClr val="222831"/>
+                </a:solidFill>
+                <a:effectLst/>
+                <a:latin typeface="-apple-system"/>
+              </a:rPr>
+              <a:t>“On the one hand, for the C# dev it’s great—they have a more powerful toolkit at their disposal. But I would hate to be a new developer starting in C# for the first time. There are so many ways to do things now. </a:t>
+            </a:r>
+          </a:p>
+          <a:p>
+            <a:pPr algn="l"/>
+            <a:endParaRPr lang="en-US" sz="2400" dirty="0">
+              <a:solidFill>
+                <a:srgbClr val="222831"/>
+              </a:solidFill>
+              <a:latin typeface="-apple-system"/>
+            </a:endParaRPr>
+          </a:p>
+          <a:p>
+            <a:pPr algn="l"/>
+            <a:r>
+              <a:rPr lang="en-US" sz="2000" b="0" i="0" dirty="0">
+                <a:solidFill>
+                  <a:srgbClr val="222831"/>
+                </a:solidFill>
+                <a:effectLst/>
+                <a:latin typeface="-apple-system"/>
+              </a:rPr>
+              <a:t>More than that, I worry that we’ll end up with a kind of bifurcated C# ecosystem—those that adopt the new features and those that won’t … and the risk of losing the identity of what C# really is.</a:t>
+            </a:r>
+          </a:p>
+          <a:p>
+            <a:pPr algn="l"/>
+            <a:endParaRPr lang="en-US" sz="2000" b="0" i="0" dirty="0">
+              <a:solidFill>
+                <a:srgbClr val="222831"/>
+              </a:solidFill>
+              <a:effectLst/>
+              <a:latin typeface="-apple-system"/>
+            </a:endParaRPr>
+          </a:p>
+          <a:p>
+            <a:pPr algn="l"/>
+            <a:r>
+              <a:rPr lang="en-US" sz="2000" b="0" i="0" dirty="0">
+                <a:solidFill>
+                  <a:srgbClr val="222831"/>
+                </a:solidFill>
+                <a:effectLst/>
+                <a:latin typeface="-apple-system"/>
+              </a:rPr>
+              <a:t>I’m interested to see how it works out. Introducing things like records … is going to lead to some new and different design patterns being used that will have to naturally evolve over time</a:t>
+            </a:r>
+            <a:r>
+              <a:rPr lang="en-US" sz="2400" b="0" i="0" dirty="0">
+                <a:solidFill>
+                  <a:srgbClr val="222831"/>
+                </a:solidFill>
+                <a:effectLst/>
+                <a:latin typeface="-apple-system"/>
+              </a:rPr>
+              <a:t>.”</a:t>
             </a:r>
           </a:p>
           <a:p>
@@ -4973,10 +9436,57 @@
           </a:p>
         </p:txBody>
       </p:sp>
+      <p:pic>
+        <p:nvPicPr>
+          <p:cNvPr id="1026" name="Picture 2" descr="Isaac Abraham">
+            <a:extLst>
+              <a:ext uri="{FF2B5EF4-FFF2-40B4-BE49-F238E27FC236}">
+                <a16:creationId xmlns:a16="http://schemas.microsoft.com/office/drawing/2014/main" id="{8577F8D7-3183-4119-8B51-AB5C0E8E6421}"/>
+              </a:ext>
+            </a:extLst>
+          </p:cNvPr>
+          <p:cNvPicPr>
+            <a:picLocks noChangeAspect="1" noChangeArrowheads="1"/>
+          </p:cNvPicPr>
+          <p:nvPr/>
+        </p:nvPicPr>
+        <p:blipFill>
+          <a:blip r:embed="rId2">
+            <a:extLst>
+              <a:ext uri="{28A0092B-C50C-407E-A947-70E740481C1C}">
+                <a14:useLocalDpi xmlns:a14="http://schemas.microsoft.com/office/drawing/2010/main" val="0"/>
+              </a:ext>
+            </a:extLst>
+          </a:blip>
+          <a:srcRect/>
+          <a:stretch>
+            <a:fillRect/>
+          </a:stretch>
+        </p:blipFill>
+        <p:spPr bwMode="auto">
+          <a:xfrm>
+            <a:off x="8413242" y="1296785"/>
+            <a:ext cx="3133137" cy="4114799"/>
+          </a:xfrm>
+          <a:prstGeom prst="rect">
+            <a:avLst/>
+          </a:prstGeom>
+          <a:noFill/>
+          <a:extLst>
+            <a:ext uri="{909E8E84-426E-40DD-AFC4-6F175D3DCCD1}">
+              <a14:hiddenFill xmlns:a14="http://schemas.microsoft.com/office/drawing/2010/main">
+                <a:solidFill>
+                  <a:srgbClr val="FFFFFF"/>
+                </a:solidFill>
+              </a14:hiddenFill>
+            </a:ext>
+          </a:extLst>
+        </p:spPr>
+      </p:pic>
     </p:spTree>
     <p:extLst>
       <p:ext uri="{BB962C8B-B14F-4D97-AF65-F5344CB8AC3E}">
-        <p14:creationId xmlns:p14="http://schemas.microsoft.com/office/powerpoint/2010/main" val="412360037"/>
+        <p14:creationId xmlns:p14="http://schemas.microsoft.com/office/powerpoint/2010/main" val="3517719355"/>
       </p:ext>
     </p:extLst>
   </p:cSld>
@@ -5021,6 +9531,497 @@
         </p:nvSpPr>
         <p:spPr>
           <a:xfrm>
+            <a:off x="606829" y="116855"/>
+            <a:ext cx="9144000" cy="964131"/>
+          </a:xfrm>
+        </p:spPr>
+        <p:txBody>
+          <a:bodyPr/>
+          <a:lstStyle/>
+          <a:p>
+            <a:pPr algn="l"/>
+            <a:r>
+              <a:rPr lang="en-US" dirty="0"/>
+              <a:t>C# 9: Functionally Better?</a:t>
+            </a:r>
+          </a:p>
+        </p:txBody>
+      </p:sp>
+      <p:sp>
+        <p:nvSpPr>
+          <p:cNvPr id="3" name="Subtitle 2">
+            <a:extLst>
+              <a:ext uri="{FF2B5EF4-FFF2-40B4-BE49-F238E27FC236}">
+                <a16:creationId xmlns:a16="http://schemas.microsoft.com/office/drawing/2014/main" id="{4FA301AB-2822-4762-B485-6243C65DEBD8}"/>
+              </a:ext>
+            </a:extLst>
+          </p:cNvPr>
+          <p:cNvSpPr>
+            <a:spLocks noGrp="1"/>
+          </p:cNvSpPr>
+          <p:nvPr>
+            <p:ph type="subTitle" idx="1"/>
+          </p:nvPr>
+        </p:nvSpPr>
+        <p:spPr>
+          <a:xfrm>
+            <a:off x="198461" y="6176355"/>
+            <a:ext cx="4980368" cy="564789"/>
+          </a:xfrm>
+        </p:spPr>
+        <p:txBody>
+          <a:bodyPr>
+            <a:normAutofit lnSpcReduction="10000"/>
+          </a:bodyPr>
+          <a:lstStyle/>
+          <a:p>
+            <a:pPr algn="l"/>
+            <a:r>
+              <a:rPr lang="en-US" sz="1800" dirty="0">
+                <a:solidFill>
+                  <a:schemeClr val="bg1">
+                    <a:lumMod val="65000"/>
+                  </a:schemeClr>
+                </a:solidFill>
+              </a:rPr>
+              <a:t>@daveabrock</a:t>
+            </a:r>
+            <a:br>
+              <a:rPr lang="en-US" sz="1800" dirty="0">
+                <a:solidFill>
+                  <a:schemeClr val="bg1">
+                    <a:lumMod val="65000"/>
+                  </a:schemeClr>
+                </a:solidFill>
+              </a:rPr>
+            </a:br>
+            <a:r>
+              <a:rPr lang="en-US" sz="1800" dirty="0">
+                <a:solidFill>
+                  <a:schemeClr val="bg1">
+                    <a:lumMod val="65000"/>
+                  </a:schemeClr>
+                </a:solidFill>
+              </a:rPr>
+              <a:t>daveabrock.com</a:t>
+            </a:r>
+          </a:p>
+        </p:txBody>
+      </p:sp>
+      <p:sp>
+        <p:nvSpPr>
+          <p:cNvPr id="6" name="Subtitle 2">
+            <a:extLst>
+              <a:ext uri="{FF2B5EF4-FFF2-40B4-BE49-F238E27FC236}">
+                <a16:creationId xmlns:a16="http://schemas.microsoft.com/office/drawing/2014/main" id="{42F1DC3A-44A5-45BC-A44C-B36727AD5C01}"/>
+              </a:ext>
+            </a:extLst>
+          </p:cNvPr>
+          <p:cNvSpPr txBox="1">
+            <a:spLocks/>
+          </p:cNvSpPr>
+          <p:nvPr/>
+        </p:nvSpPr>
+        <p:spPr>
+          <a:xfrm>
+            <a:off x="7211632" y="6176355"/>
+            <a:ext cx="4980368" cy="564790"/>
+          </a:xfrm>
+          <a:prstGeom prst="rect">
+            <a:avLst/>
+          </a:prstGeom>
+        </p:spPr>
+        <p:txBody>
+          <a:bodyPr vert="horz" lIns="91440" tIns="45720" rIns="91440" bIns="45720" rtlCol="0">
+            <a:normAutofit lnSpcReduction="10000"/>
+          </a:bodyPr>
+          <a:lstStyle>
+            <a:lvl1pPr marL="0" indent="0" algn="ctr" defTabSz="914400" rtl="0" eaLnBrk="1" latinLnBrk="0" hangingPunct="1">
+              <a:lnSpc>
+                <a:spcPct val="90000"/>
+              </a:lnSpc>
+              <a:spcBef>
+                <a:spcPts val="1000"/>
+              </a:spcBef>
+              <a:buFont typeface="Arial" panose="020B0604020202020204" pitchFamily="34" charset="0"/>
+              <a:buNone/>
+              <a:defRPr sz="2400" kern="1200">
+                <a:solidFill>
+                  <a:schemeClr val="tx1"/>
+                </a:solidFill>
+                <a:latin typeface="+mn-lt"/>
+                <a:ea typeface="+mn-ea"/>
+                <a:cs typeface="+mn-cs"/>
+              </a:defRPr>
+            </a:lvl1pPr>
+            <a:lvl2pPr marL="457200" indent="0" algn="ctr" defTabSz="914400" rtl="0" eaLnBrk="1" latinLnBrk="0" hangingPunct="1">
+              <a:lnSpc>
+                <a:spcPct val="90000"/>
+              </a:lnSpc>
+              <a:spcBef>
+                <a:spcPts val="500"/>
+              </a:spcBef>
+              <a:buFont typeface="Arial" panose="020B0604020202020204" pitchFamily="34" charset="0"/>
+              <a:buNone/>
+              <a:defRPr sz="2000" kern="1200">
+                <a:solidFill>
+                  <a:schemeClr val="tx1"/>
+                </a:solidFill>
+                <a:latin typeface="+mn-lt"/>
+                <a:ea typeface="+mn-ea"/>
+                <a:cs typeface="+mn-cs"/>
+              </a:defRPr>
+            </a:lvl2pPr>
+            <a:lvl3pPr marL="914400" indent="0" algn="ctr" defTabSz="914400" rtl="0" eaLnBrk="1" latinLnBrk="0" hangingPunct="1">
+              <a:lnSpc>
+                <a:spcPct val="90000"/>
+              </a:lnSpc>
+              <a:spcBef>
+                <a:spcPts val="500"/>
+              </a:spcBef>
+              <a:buFont typeface="Arial" panose="020B0604020202020204" pitchFamily="34" charset="0"/>
+              <a:buNone/>
+              <a:defRPr sz="1800" kern="1200">
+                <a:solidFill>
+                  <a:schemeClr val="tx1"/>
+                </a:solidFill>
+                <a:latin typeface="+mn-lt"/>
+                <a:ea typeface="+mn-ea"/>
+                <a:cs typeface="+mn-cs"/>
+              </a:defRPr>
+            </a:lvl3pPr>
+            <a:lvl4pPr marL="1371600" indent="0" algn="ctr" defTabSz="914400" rtl="0" eaLnBrk="1" latinLnBrk="0" hangingPunct="1">
+              <a:lnSpc>
+                <a:spcPct val="90000"/>
+              </a:lnSpc>
+              <a:spcBef>
+                <a:spcPts val="500"/>
+              </a:spcBef>
+              <a:buFont typeface="Arial" panose="020B0604020202020204" pitchFamily="34" charset="0"/>
+              <a:buNone/>
+              <a:defRPr sz="1600" kern="1200">
+                <a:solidFill>
+                  <a:schemeClr val="tx1"/>
+                </a:solidFill>
+                <a:latin typeface="+mn-lt"/>
+                <a:ea typeface="+mn-ea"/>
+                <a:cs typeface="+mn-cs"/>
+              </a:defRPr>
+            </a:lvl4pPr>
+            <a:lvl5pPr marL="1828800" indent="0" algn="ctr" defTabSz="914400" rtl="0" eaLnBrk="1" latinLnBrk="0" hangingPunct="1">
+              <a:lnSpc>
+                <a:spcPct val="90000"/>
+              </a:lnSpc>
+              <a:spcBef>
+                <a:spcPts val="500"/>
+              </a:spcBef>
+              <a:buFont typeface="Arial" panose="020B0604020202020204" pitchFamily="34" charset="0"/>
+              <a:buNone/>
+              <a:defRPr sz="1600" kern="1200">
+                <a:solidFill>
+                  <a:schemeClr val="tx1"/>
+                </a:solidFill>
+                <a:latin typeface="+mn-lt"/>
+                <a:ea typeface="+mn-ea"/>
+                <a:cs typeface="+mn-cs"/>
+              </a:defRPr>
+            </a:lvl5pPr>
+            <a:lvl6pPr marL="2286000" indent="0" algn="ctr" defTabSz="914400" rtl="0" eaLnBrk="1" latinLnBrk="0" hangingPunct="1">
+              <a:lnSpc>
+                <a:spcPct val="90000"/>
+              </a:lnSpc>
+              <a:spcBef>
+                <a:spcPts val="500"/>
+              </a:spcBef>
+              <a:buFont typeface="Arial" panose="020B0604020202020204" pitchFamily="34" charset="0"/>
+              <a:buNone/>
+              <a:defRPr sz="1600" kern="1200">
+                <a:solidFill>
+                  <a:schemeClr val="tx1"/>
+                </a:solidFill>
+                <a:latin typeface="+mn-lt"/>
+                <a:ea typeface="+mn-ea"/>
+                <a:cs typeface="+mn-cs"/>
+              </a:defRPr>
+            </a:lvl6pPr>
+            <a:lvl7pPr marL="2743200" indent="0" algn="ctr" defTabSz="914400" rtl="0" eaLnBrk="1" latinLnBrk="0" hangingPunct="1">
+              <a:lnSpc>
+                <a:spcPct val="90000"/>
+              </a:lnSpc>
+              <a:spcBef>
+                <a:spcPts val="500"/>
+              </a:spcBef>
+              <a:buFont typeface="Arial" panose="020B0604020202020204" pitchFamily="34" charset="0"/>
+              <a:buNone/>
+              <a:defRPr sz="1600" kern="1200">
+                <a:solidFill>
+                  <a:schemeClr val="tx1"/>
+                </a:solidFill>
+                <a:latin typeface="+mn-lt"/>
+                <a:ea typeface="+mn-ea"/>
+                <a:cs typeface="+mn-cs"/>
+              </a:defRPr>
+            </a:lvl7pPr>
+            <a:lvl8pPr marL="3200400" indent="0" algn="ctr" defTabSz="914400" rtl="0" eaLnBrk="1" latinLnBrk="0" hangingPunct="1">
+              <a:lnSpc>
+                <a:spcPct val="90000"/>
+              </a:lnSpc>
+              <a:spcBef>
+                <a:spcPts val="500"/>
+              </a:spcBef>
+              <a:buFont typeface="Arial" panose="020B0604020202020204" pitchFamily="34" charset="0"/>
+              <a:buNone/>
+              <a:defRPr sz="1600" kern="1200">
+                <a:solidFill>
+                  <a:schemeClr val="tx1"/>
+                </a:solidFill>
+                <a:latin typeface="+mn-lt"/>
+                <a:ea typeface="+mn-ea"/>
+                <a:cs typeface="+mn-cs"/>
+              </a:defRPr>
+            </a:lvl8pPr>
+            <a:lvl9pPr marL="3657600" indent="0" algn="ctr" defTabSz="914400" rtl="0" eaLnBrk="1" latinLnBrk="0" hangingPunct="1">
+              <a:lnSpc>
+                <a:spcPct val="90000"/>
+              </a:lnSpc>
+              <a:spcBef>
+                <a:spcPts val="500"/>
+              </a:spcBef>
+              <a:buFont typeface="Arial" panose="020B0604020202020204" pitchFamily="34" charset="0"/>
+              <a:buNone/>
+              <a:defRPr sz="1600" kern="1200">
+                <a:solidFill>
+                  <a:schemeClr val="tx1"/>
+                </a:solidFill>
+                <a:latin typeface="+mn-lt"/>
+                <a:ea typeface="+mn-ea"/>
+                <a:cs typeface="+mn-cs"/>
+              </a:defRPr>
+            </a:lvl9pPr>
+          </a:lstStyle>
+          <a:p>
+            <a:pPr algn="r"/>
+            <a:r>
+              <a:rPr lang="en-US" sz="1800" dirty="0">
+                <a:solidFill>
+                  <a:schemeClr val="bg1">
+                    <a:lumMod val="65000"/>
+                  </a:schemeClr>
+                </a:solidFill>
+              </a:rPr>
+              <a:t>@dotnetstacks</a:t>
+            </a:r>
+            <a:br>
+              <a:rPr lang="en-US" sz="1800" dirty="0">
+                <a:solidFill>
+                  <a:schemeClr val="bg1">
+                    <a:lumMod val="65000"/>
+                  </a:schemeClr>
+                </a:solidFill>
+              </a:rPr>
+            </a:br>
+            <a:r>
+              <a:rPr lang="en-US" sz="1800" dirty="0">
+                <a:solidFill>
+                  <a:schemeClr val="bg1">
+                    <a:lumMod val="65000"/>
+                  </a:schemeClr>
+                </a:solidFill>
+              </a:rPr>
+              <a:t>dotnetstacks.com</a:t>
+            </a:r>
+          </a:p>
+        </p:txBody>
+      </p:sp>
+      <p:sp>
+        <p:nvSpPr>
+          <p:cNvPr id="16" name="TextBox 15">
+            <a:extLst>
+              <a:ext uri="{FF2B5EF4-FFF2-40B4-BE49-F238E27FC236}">
+                <a16:creationId xmlns:a16="http://schemas.microsoft.com/office/drawing/2014/main" id="{A08CCD18-821D-47BA-88B7-4F826B85AFA1}"/>
+              </a:ext>
+            </a:extLst>
+          </p:cNvPr>
+          <p:cNvSpPr txBox="1"/>
+          <p:nvPr/>
+        </p:nvSpPr>
+        <p:spPr>
+          <a:xfrm>
+            <a:off x="672990" y="1145711"/>
+            <a:ext cx="7065543" cy="4401205"/>
+          </a:xfrm>
+          <a:prstGeom prst="rect">
+            <a:avLst/>
+          </a:prstGeom>
+          <a:noFill/>
+        </p:spPr>
+        <p:txBody>
+          <a:bodyPr wrap="square" rtlCol="0">
+            <a:spAutoFit/>
+          </a:bodyPr>
+          <a:lstStyle/>
+          <a:p>
+            <a:r>
+              <a:rPr lang="en-US" sz="2000" b="1" dirty="0"/>
+              <a:t>From Phillip Carter, an F# PM at Microsoft:</a:t>
+            </a:r>
+          </a:p>
+          <a:p>
+            <a:endParaRPr lang="en-US" sz="2200" b="1" dirty="0"/>
+          </a:p>
+          <a:p>
+            <a:r>
+              <a:rPr lang="en-US" sz="2000" b="0" i="0" dirty="0">
+                <a:solidFill>
+                  <a:srgbClr val="222831"/>
+                </a:solidFill>
+                <a:effectLst/>
+                <a:latin typeface="-apple-system"/>
+              </a:rPr>
+              <a:t>“You can do immutable programming in C# today, and C# records will help with that. But it’s still a bit of a chore because the rest of the language is just begging you to mutate some variables.</a:t>
+            </a:r>
+          </a:p>
+          <a:p>
+            <a:endParaRPr lang="en-US" sz="2000" dirty="0">
+              <a:solidFill>
+                <a:srgbClr val="222831"/>
+              </a:solidFill>
+              <a:latin typeface="-apple-system"/>
+            </a:endParaRPr>
+          </a:p>
+          <a:p>
+            <a:r>
+              <a:rPr lang="en-US" sz="2000" b="0" i="0" dirty="0">
+                <a:solidFill>
+                  <a:srgbClr val="222831"/>
+                </a:solidFill>
+                <a:effectLst/>
+                <a:latin typeface="-apple-system"/>
+              </a:rPr>
+              <a:t>C# is evolving into a more unopinionated language that lets you do just about anything in any way you like…this lack of emphasis on one paradigm over the other can lead to vastly different codebases despite being written in the same language.</a:t>
+            </a:r>
+          </a:p>
+          <a:p>
+            <a:endParaRPr lang="en-US" sz="2000" dirty="0">
+              <a:solidFill>
+                <a:srgbClr val="222831"/>
+              </a:solidFill>
+              <a:latin typeface="-apple-system"/>
+            </a:endParaRPr>
+          </a:p>
+          <a:p>
+            <a:r>
+              <a:rPr lang="en-US" sz="2000" b="0" i="0" dirty="0">
+                <a:solidFill>
+                  <a:srgbClr val="222831"/>
+                </a:solidFill>
+                <a:effectLst/>
+                <a:latin typeface="-apple-system"/>
+              </a:rPr>
+              <a:t>Is that okay? I can’t tell. But I think it makes identifying the answer to the question, “how should I do this?” more challenging.”</a:t>
+            </a:r>
+            <a:endParaRPr lang="en-US" sz="2000" dirty="0"/>
+          </a:p>
+          <a:p>
+            <a:endParaRPr lang="en-US" dirty="0"/>
+          </a:p>
+        </p:txBody>
+      </p:sp>
+      <p:pic>
+        <p:nvPicPr>
+          <p:cNvPr id="2050" name="Picture 2" descr="Phillip Carter">
+            <a:extLst>
+              <a:ext uri="{FF2B5EF4-FFF2-40B4-BE49-F238E27FC236}">
+                <a16:creationId xmlns:a16="http://schemas.microsoft.com/office/drawing/2014/main" id="{D7116FEF-4814-48FE-A2B8-1462107B3A30}"/>
+              </a:ext>
+            </a:extLst>
+          </p:cNvPr>
+          <p:cNvPicPr>
+            <a:picLocks noChangeAspect="1" noChangeArrowheads="1"/>
+          </p:cNvPicPr>
+          <p:nvPr/>
+        </p:nvPicPr>
+        <p:blipFill>
+          <a:blip r:embed="rId2">
+            <a:extLst>
+              <a:ext uri="{28A0092B-C50C-407E-A947-70E740481C1C}">
+                <a14:useLocalDpi xmlns:a14="http://schemas.microsoft.com/office/drawing/2010/main" val="0"/>
+              </a:ext>
+            </a:extLst>
+          </a:blip>
+          <a:srcRect/>
+          <a:stretch>
+            <a:fillRect/>
+          </a:stretch>
+        </p:blipFill>
+        <p:spPr bwMode="auto">
+          <a:xfrm>
+            <a:off x="7986036" y="1524000"/>
+            <a:ext cx="3810000" cy="3810000"/>
+          </a:xfrm>
+          <a:prstGeom prst="rect">
+            <a:avLst/>
+          </a:prstGeom>
+          <a:noFill/>
+          <a:extLst>
+            <a:ext uri="{909E8E84-426E-40DD-AFC4-6F175D3DCCD1}">
+              <a14:hiddenFill xmlns:a14="http://schemas.microsoft.com/office/drawing/2010/main">
+                <a:solidFill>
+                  <a:srgbClr val="FFFFFF"/>
+                </a:solidFill>
+              </a14:hiddenFill>
+            </a:ext>
+          </a:extLst>
+        </p:spPr>
+      </p:pic>
+    </p:spTree>
+    <p:extLst>
+      <p:ext uri="{BB962C8B-B14F-4D97-AF65-F5344CB8AC3E}">
+        <p14:creationId xmlns:p14="http://schemas.microsoft.com/office/powerpoint/2010/main" val="227056676"/>
+      </p:ext>
+    </p:extLst>
+  </p:cSld>
+  <p:clrMapOvr>
+    <a:masterClrMapping/>
+  </p:clrMapOvr>
+</p:sld>
+</file>
+
+<file path=ppt/slides/slide6.xml><?xml version="1.0" encoding="utf-8"?>
+<p:sld xmlns:a="http://schemas.openxmlformats.org/drawingml/2006/main" xmlns:r="http://schemas.openxmlformats.org/officeDocument/2006/relationships" xmlns:p="http://schemas.openxmlformats.org/presentationml/2006/main">
+  <p:cSld>
+    <p:spTree>
+      <p:nvGrpSpPr>
+        <p:cNvPr id="1" name=""/>
+        <p:cNvGrpSpPr/>
+        <p:nvPr/>
+      </p:nvGrpSpPr>
+      <p:grpSpPr>
+        <a:xfrm>
+          <a:off x="0" y="0"/>
+          <a:ext cx="0" cy="0"/>
+          <a:chOff x="0" y="0"/>
+          <a:chExt cx="0" cy="0"/>
+        </a:xfrm>
+      </p:grpSpPr>
+      <p:sp>
+        <p:nvSpPr>
+          <p:cNvPr id="2" name="Title 1">
+            <a:extLst>
+              <a:ext uri="{FF2B5EF4-FFF2-40B4-BE49-F238E27FC236}">
+                <a16:creationId xmlns:a16="http://schemas.microsoft.com/office/drawing/2014/main" id="{1373447C-546D-4DA6-9419-AB10C5103275}"/>
+              </a:ext>
+            </a:extLst>
+          </p:cNvPr>
+          <p:cNvSpPr>
+            <a:spLocks noGrp="1"/>
+          </p:cNvSpPr>
+          <p:nvPr>
+            <p:ph type="ctrTitle"/>
+          </p:nvPr>
+        </p:nvSpPr>
+        <p:spPr>
+          <a:xfrm>
             <a:off x="568036" y="332654"/>
             <a:ext cx="9144000" cy="964131"/>
           </a:xfrm>
@@ -5034,7 +10035,7 @@
             <a:pPr algn="l"/>
             <a:r>
               <a:rPr lang="en-US" dirty="0"/>
-              <a:t>C# 9: Records</a:t>
+              <a:t>C# 9: Top-Level Programs</a:t>
             </a:r>
           </a:p>
         </p:txBody>
@@ -5375,8 +10376,8 @@
         </p:nvSpPr>
         <p:spPr>
           <a:xfrm>
-            <a:off x="645621" y="1454728"/>
-            <a:ext cx="6866313" cy="4770537"/>
+            <a:off x="645621" y="1296785"/>
+            <a:ext cx="6866313" cy="6340197"/>
           </a:xfrm>
           <a:prstGeom prst="rect">
             <a:avLst/>
@@ -5390,36 +10391,82 @@
           <a:lstStyle/>
           <a:p>
             <a:r>
-              <a:rPr lang="en-US" sz="2200" b="1" dirty="0"/>
-              <a:t>C# 9 ships with .NET 5 and Visual Studio 16.8!</a:t>
-            </a:r>
+              <a:rPr lang="en-US" sz="3000" dirty="0"/>
+              <a:t>Top-level programs allow you to write code:</a:t>
+            </a:r>
+          </a:p>
+          <a:p>
+            <a:endParaRPr lang="en-US" sz="3000" dirty="0"/>
+          </a:p>
+          <a:p>
+            <a:pPr marL="342900" indent="-342900">
+              <a:buFont typeface="Arial" panose="020B0604020202020204" pitchFamily="34" charset="0"/>
+              <a:buChar char="•"/>
+            </a:pPr>
+            <a:r>
+              <a:rPr lang="en-US" sz="3000" dirty="0"/>
+              <a:t>Which return anything</a:t>
+            </a:r>
+          </a:p>
+          <a:p>
+            <a:pPr marL="342900" indent="-342900">
+              <a:buFont typeface="Arial" panose="020B0604020202020204" pitchFamily="34" charset="0"/>
+              <a:buChar char="•"/>
+            </a:pPr>
+            <a:endParaRPr lang="en-US" sz="3000" dirty="0"/>
+          </a:p>
+          <a:p>
+            <a:pPr marL="342900" indent="-342900">
+              <a:buFont typeface="Arial" panose="020B0604020202020204" pitchFamily="34" charset="0"/>
+              <a:buChar char="•"/>
+            </a:pPr>
+            <a:r>
+              <a:rPr lang="en-US" sz="3000" dirty="0"/>
+              <a:t>Without a traditional main method</a:t>
+            </a:r>
+          </a:p>
+          <a:p>
+            <a:pPr marL="342900" indent="-342900">
+              <a:buFont typeface="Arial" panose="020B0604020202020204" pitchFamily="34" charset="0"/>
+              <a:buChar char="•"/>
+            </a:pPr>
+            <a:endParaRPr lang="en-US" sz="3000" dirty="0"/>
+          </a:p>
+          <a:p>
+            <a:pPr marL="342900" indent="-342900">
+              <a:buFont typeface="Arial" panose="020B0604020202020204" pitchFamily="34" charset="0"/>
+              <a:buChar char="•"/>
+            </a:pPr>
+            <a:r>
+              <a:rPr lang="en-US" sz="3000" dirty="0"/>
+              <a:t>With support for “magic parameters”</a:t>
+            </a:r>
+          </a:p>
+          <a:p>
+            <a:endParaRPr lang="en-US" sz="3000" dirty="0"/>
+          </a:p>
+          <a:p>
+            <a:pPr marL="342900" indent="-342900">
+              <a:buFont typeface="Arial" panose="020B0604020202020204" pitchFamily="34" charset="0"/>
+              <a:buChar char="•"/>
+            </a:pPr>
+            <a:r>
+              <a:rPr lang="en-US" sz="3000" dirty="0"/>
+              <a:t>And allows local functions!</a:t>
+            </a:r>
+          </a:p>
+          <a:p>
+            <a:pPr marL="342900" indent="-342900">
+              <a:buFont typeface="Arial" panose="020B0604020202020204" pitchFamily="34" charset="0"/>
+              <a:buChar char="•"/>
+            </a:pPr>
+            <a:endParaRPr lang="en-US" sz="2200" dirty="0"/>
           </a:p>
           <a:p>
             <a:endParaRPr lang="en-US" sz="2200" b="1" dirty="0"/>
           </a:p>
           <a:p>
-            <a:r>
-              <a:rPr lang="en-US" sz="2200" dirty="0"/>
-              <a:t>Records – define class types which act as values (types traditionally encapsulate state via methods and properties, values are the opposite, json values are value style objects, need equality, deconstructions, and immutability)</a:t>
-            </a:r>
-          </a:p>
-          <a:p>
             <a:endParaRPr lang="en-US" sz="2200" b="1" dirty="0"/>
-          </a:p>
-          <a:p>
-            <a:r>
-              <a:rPr lang="en-US" sz="2200" dirty="0"/>
-              <a:t>C# 8 – nullability – more work, catching up on some stuff</a:t>
-            </a:r>
-          </a:p>
-          <a:p>
-            <a:endParaRPr lang="en-US" sz="2200" b="1" dirty="0"/>
-          </a:p>
-          <a:p>
-            <a:r>
-              <a:rPr lang="en-US" sz="2200" dirty="0"/>
-              <a:t>– By day, I work on building out Azure solutions for development teams, and also work on open source when time permits</a:t>
-            </a:r>
           </a:p>
           <a:p>
             <a:endParaRPr lang="en-US" sz="2200" dirty="0"/>
@@ -5432,7 +10479,187 @@
     </p:spTree>
     <p:extLst>
       <p:ext uri="{BB962C8B-B14F-4D97-AF65-F5344CB8AC3E}">
-        <p14:creationId xmlns:p14="http://schemas.microsoft.com/office/powerpoint/2010/main" val="317565780"/>
+        <p14:creationId xmlns:p14="http://schemas.microsoft.com/office/powerpoint/2010/main" val="2240039695"/>
+      </p:ext>
+    </p:extLst>
+  </p:cSld>
+  <p:clrMapOvr>
+    <a:masterClrMapping/>
+  </p:clrMapOvr>
+</p:sld>
+</file>
+
+<file path=ppt/slides/slide7.xml><?xml version="1.0" encoding="utf-8"?>
+<p:sld xmlns:a="http://schemas.openxmlformats.org/drawingml/2006/main" xmlns:r="http://schemas.openxmlformats.org/officeDocument/2006/relationships" xmlns:p="http://schemas.openxmlformats.org/presentationml/2006/main">
+  <p:cSld>
+    <p:spTree>
+      <p:nvGrpSpPr>
+        <p:cNvPr id="1" name=""/>
+        <p:cNvGrpSpPr/>
+        <p:nvPr/>
+      </p:nvGrpSpPr>
+      <p:grpSpPr>
+        <a:xfrm>
+          <a:off x="0" y="0"/>
+          <a:ext cx="0" cy="0"/>
+          <a:chOff x="0" y="0"/>
+          <a:chExt cx="0" cy="0"/>
+        </a:xfrm>
+      </p:grpSpPr>
+      <p:pic>
+        <p:nvPicPr>
+          <p:cNvPr id="8" name="Picture 7">
+            <a:extLst>
+              <a:ext uri="{FF2B5EF4-FFF2-40B4-BE49-F238E27FC236}">
+                <a16:creationId xmlns:a16="http://schemas.microsoft.com/office/drawing/2014/main" id="{02F8962F-E1E9-431C-9C07-35D65865BDBE}"/>
+              </a:ext>
+            </a:extLst>
+          </p:cNvPr>
+          <p:cNvPicPr>
+            <a:picLocks noChangeAspect="1"/>
+          </p:cNvPicPr>
+          <p:nvPr/>
+        </p:nvPicPr>
+        <p:blipFill>
+          <a:blip r:embed="rId3"/>
+          <a:stretch>
+            <a:fillRect/>
+          </a:stretch>
+        </p:blipFill>
+        <p:spPr>
+          <a:xfrm>
+            <a:off x="1625381" y="0"/>
+            <a:ext cx="8941238" cy="6858000"/>
+          </a:xfrm>
+          <a:prstGeom prst="rect">
+            <a:avLst/>
+          </a:prstGeom>
+        </p:spPr>
+      </p:pic>
+    </p:spTree>
+    <p:extLst>
+      <p:ext uri="{BB962C8B-B14F-4D97-AF65-F5344CB8AC3E}">
+        <p14:creationId xmlns:p14="http://schemas.microsoft.com/office/powerpoint/2010/main" val="1972700938"/>
+      </p:ext>
+    </p:extLst>
+  </p:cSld>
+  <p:clrMapOvr>
+    <a:masterClrMapping/>
+  </p:clrMapOvr>
+</p:sld>
+</file>
+
+<file path=ppt/slides/slide8.xml><?xml version="1.0" encoding="utf-8"?>
+<p:sld xmlns:a="http://schemas.openxmlformats.org/drawingml/2006/main" xmlns:r="http://schemas.openxmlformats.org/officeDocument/2006/relationships" xmlns:p="http://schemas.openxmlformats.org/presentationml/2006/main">
+  <p:cSld>
+    <p:spTree>
+      <p:nvGrpSpPr>
+        <p:cNvPr id="1" name=""/>
+        <p:cNvGrpSpPr/>
+        <p:nvPr/>
+      </p:nvGrpSpPr>
+      <p:grpSpPr>
+        <a:xfrm>
+          <a:off x="0" y="0"/>
+          <a:ext cx="0" cy="0"/>
+          <a:chOff x="0" y="0"/>
+          <a:chExt cx="0" cy="0"/>
+        </a:xfrm>
+      </p:grpSpPr>
+      <p:pic>
+        <p:nvPicPr>
+          <p:cNvPr id="3" name="Picture 2">
+            <a:extLst>
+              <a:ext uri="{FF2B5EF4-FFF2-40B4-BE49-F238E27FC236}">
+                <a16:creationId xmlns:a16="http://schemas.microsoft.com/office/drawing/2014/main" id="{1984C3AD-1E3D-45BE-BF0E-BD1247A8CFB9}"/>
+              </a:ext>
+            </a:extLst>
+          </p:cNvPr>
+          <p:cNvPicPr>
+            <a:picLocks noChangeAspect="1"/>
+          </p:cNvPicPr>
+          <p:nvPr/>
+        </p:nvPicPr>
+        <p:blipFill>
+          <a:blip r:embed="rId3"/>
+          <a:stretch>
+            <a:fillRect/>
+          </a:stretch>
+        </p:blipFill>
+        <p:spPr>
+          <a:xfrm>
+            <a:off x="636480" y="0"/>
+            <a:ext cx="10919040" cy="6858000"/>
+          </a:xfrm>
+          <a:prstGeom prst="rect">
+            <a:avLst/>
+          </a:prstGeom>
+        </p:spPr>
+      </p:pic>
+    </p:spTree>
+    <p:extLst>
+      <p:ext uri="{BB962C8B-B14F-4D97-AF65-F5344CB8AC3E}">
+        <p14:creationId xmlns:p14="http://schemas.microsoft.com/office/powerpoint/2010/main" val="2779574823"/>
+      </p:ext>
+    </p:extLst>
+  </p:cSld>
+  <p:clrMapOvr>
+    <a:masterClrMapping/>
+  </p:clrMapOvr>
+</p:sld>
+</file>
+
+<file path=ppt/slides/slide9.xml><?xml version="1.0" encoding="utf-8"?>
+<p:sld xmlns:a="http://schemas.openxmlformats.org/drawingml/2006/main" xmlns:r="http://schemas.openxmlformats.org/officeDocument/2006/relationships" xmlns:p="http://schemas.openxmlformats.org/presentationml/2006/main">
+  <p:cSld>
+    <p:spTree>
+      <p:nvGrpSpPr>
+        <p:cNvPr id="1" name=""/>
+        <p:cNvGrpSpPr/>
+        <p:nvPr/>
+      </p:nvGrpSpPr>
+      <p:grpSpPr>
+        <a:xfrm>
+          <a:off x="0" y="0"/>
+          <a:ext cx="0" cy="0"/>
+          <a:chOff x="0" y="0"/>
+          <a:chExt cx="0" cy="0"/>
+        </a:xfrm>
+      </p:grpSpPr>
+      <p:pic>
+        <p:nvPicPr>
+          <p:cNvPr id="5" name="Picture 4">
+            <a:extLst>
+              <a:ext uri="{FF2B5EF4-FFF2-40B4-BE49-F238E27FC236}">
+                <a16:creationId xmlns:a16="http://schemas.microsoft.com/office/drawing/2014/main" id="{C438B699-AE00-45C8-A603-5642FC356E2A}"/>
+              </a:ext>
+            </a:extLst>
+          </p:cNvPr>
+          <p:cNvPicPr>
+            <a:picLocks noChangeAspect="1"/>
+          </p:cNvPicPr>
+          <p:nvPr/>
+        </p:nvPicPr>
+        <p:blipFill>
+          <a:blip r:embed="rId3"/>
+          <a:stretch>
+            <a:fillRect/>
+          </a:stretch>
+        </p:blipFill>
+        <p:spPr>
+          <a:xfrm>
+            <a:off x="960223" y="0"/>
+            <a:ext cx="10271553" cy="6858000"/>
+          </a:xfrm>
+          <a:prstGeom prst="rect">
+            <a:avLst/>
+          </a:prstGeom>
+        </p:spPr>
+      </p:pic>
+    </p:spTree>
+    <p:extLst>
+      <p:ext uri="{BB962C8B-B14F-4D97-AF65-F5344CB8AC3E}">
+        <p14:creationId xmlns:p14="http://schemas.microsoft.com/office/powerpoint/2010/main" val="534207510"/>
       </p:ext>
     </p:extLst>
   </p:cSld>
@@ -5735,4 +10962,299 @@
     </a:ext>
   </a:extLst>
 </a:theme>
+</file>
+
+<file path=ppt/theme/theme2.xml><?xml version="1.0" encoding="utf-8"?>
+<a:theme xmlns:a="http://schemas.openxmlformats.org/drawingml/2006/main" name="Office Theme">
+  <a:themeElements>
+    <a:clrScheme name="Office">
+      <a:dk1>
+        <a:sysClr val="windowText" lastClr="000000"/>
+      </a:dk1>
+      <a:lt1>
+        <a:sysClr val="window" lastClr="FFFFFF"/>
+      </a:lt1>
+      <a:dk2>
+        <a:srgbClr val="44546A"/>
+      </a:dk2>
+      <a:lt2>
+        <a:srgbClr val="E7E6E6"/>
+      </a:lt2>
+      <a:accent1>
+        <a:srgbClr val="4472C4"/>
+      </a:accent1>
+      <a:accent2>
+        <a:srgbClr val="ED7D31"/>
+      </a:accent2>
+      <a:accent3>
+        <a:srgbClr val="A5A5A5"/>
+      </a:accent3>
+      <a:accent4>
+        <a:srgbClr val="FFC000"/>
+      </a:accent4>
+      <a:accent5>
+        <a:srgbClr val="5B9BD5"/>
+      </a:accent5>
+      <a:accent6>
+        <a:srgbClr val="70AD47"/>
+      </a:accent6>
+      <a:hlink>
+        <a:srgbClr val="0563C1"/>
+      </a:hlink>
+      <a:folHlink>
+        <a:srgbClr val="954F72"/>
+      </a:folHlink>
+    </a:clrScheme>
+    <a:fontScheme name="Office">
+      <a:majorFont>
+        <a:latin typeface="Calibri Light" panose="020F0302020204030204"/>
+        <a:ea typeface=""/>
+        <a:cs typeface=""/>
+        <a:font script="Jpan" typeface="游ゴシック Light"/>
+        <a:font script="Hang" typeface="맑은 고딕"/>
+        <a:font script="Hans" typeface="等线 Light"/>
+        <a:font script="Hant" typeface="新細明體"/>
+        <a:font script="Arab" typeface="Times New Roman"/>
+        <a:font script="Hebr" typeface="Times New Roman"/>
+        <a:font script="Thai" typeface="Angsana New"/>
+        <a:font script="Ethi" typeface="Nyala"/>
+        <a:font script="Beng" typeface="Vrinda"/>
+        <a:font script="Gujr" typeface="Shruti"/>
+        <a:font script="Khmr" typeface="MoolBoran"/>
+        <a:font script="Knda" typeface="Tunga"/>
+        <a:font script="Guru" typeface="Raavi"/>
+        <a:font script="Cans" typeface="Euphemia"/>
+        <a:font script="Cher" typeface="Plantagenet Cherokee"/>
+        <a:font script="Yiii" typeface="Microsoft Yi Baiti"/>
+        <a:font script="Tibt" typeface="Microsoft Himalaya"/>
+        <a:font script="Thaa" typeface="MV Boli"/>
+        <a:font script="Deva" typeface="Mangal"/>
+        <a:font script="Telu" typeface="Gautami"/>
+        <a:font script="Taml" typeface="Latha"/>
+        <a:font script="Syrc" typeface="Estrangelo Edessa"/>
+        <a:font script="Orya" typeface="Kalinga"/>
+        <a:font script="Mlym" typeface="Kartika"/>
+        <a:font script="Laoo" typeface="DokChampa"/>
+        <a:font script="Sinh" typeface="Iskoola Pota"/>
+        <a:font script="Mong" typeface="Mongolian Baiti"/>
+        <a:font script="Viet" typeface="Times New Roman"/>
+        <a:font script="Uigh" typeface="Microsoft Uighur"/>
+        <a:font script="Geor" typeface="Sylfaen"/>
+        <a:font script="Armn" typeface="Arial"/>
+        <a:font script="Bugi" typeface="Leelawadee UI"/>
+        <a:font script="Bopo" typeface="Microsoft JhengHei"/>
+        <a:font script="Java" typeface="Javanese Text"/>
+        <a:font script="Lisu" typeface="Segoe UI"/>
+        <a:font script="Mymr" typeface="Myanmar Text"/>
+        <a:font script="Nkoo" typeface="Ebrima"/>
+        <a:font script="Olck" typeface="Nirmala UI"/>
+        <a:font script="Osma" typeface="Ebrima"/>
+        <a:font script="Phag" typeface="Phagspa"/>
+        <a:font script="Syrn" typeface="Estrangelo Edessa"/>
+        <a:font script="Syrj" typeface="Estrangelo Edessa"/>
+        <a:font script="Syre" typeface="Estrangelo Edessa"/>
+        <a:font script="Sora" typeface="Nirmala UI"/>
+        <a:font script="Tale" typeface="Microsoft Tai Le"/>
+        <a:font script="Talu" typeface="Microsoft New Tai Lue"/>
+        <a:font script="Tfng" typeface="Ebrima"/>
+      </a:majorFont>
+      <a:minorFont>
+        <a:latin typeface="Calibri" panose="020F0502020204030204"/>
+        <a:ea typeface=""/>
+        <a:cs typeface=""/>
+        <a:font script="Jpan" typeface="游ゴシック"/>
+        <a:font script="Hang" typeface="맑은 고딕"/>
+        <a:font script="Hans" typeface="等线"/>
+        <a:font script="Hant" typeface="新細明體"/>
+        <a:font script="Arab" typeface="Arial"/>
+        <a:font script="Hebr" typeface="Arial"/>
+        <a:font script="Thai" typeface="Cordia New"/>
+        <a:font script="Ethi" typeface="Nyala"/>
+        <a:font script="Beng" typeface="Vrinda"/>
+        <a:font script="Gujr" typeface="Shruti"/>
+        <a:font script="Khmr" typeface="DaunPenh"/>
+        <a:font script="Knda" typeface="Tunga"/>
+        <a:font script="Guru" typeface="Raavi"/>
+        <a:font script="Cans" typeface="Euphemia"/>
+        <a:font script="Cher" typeface="Plantagenet Cherokee"/>
+        <a:font script="Yiii" typeface="Microsoft Yi Baiti"/>
+        <a:font script="Tibt" typeface="Microsoft Himalaya"/>
+        <a:font script="Thaa" typeface="MV Boli"/>
+        <a:font script="Deva" typeface="Mangal"/>
+        <a:font script="Telu" typeface="Gautami"/>
+        <a:font script="Taml" typeface="Latha"/>
+        <a:font script="Syrc" typeface="Estrangelo Edessa"/>
+        <a:font script="Orya" typeface="Kalinga"/>
+        <a:font script="Mlym" typeface="Kartika"/>
+        <a:font script="Laoo" typeface="DokChampa"/>
+        <a:font script="Sinh" typeface="Iskoola Pota"/>
+        <a:font script="Mong" typeface="Mongolian Baiti"/>
+        <a:font script="Viet" typeface="Arial"/>
+        <a:font script="Uigh" typeface="Microsoft Uighur"/>
+        <a:font script="Geor" typeface="Sylfaen"/>
+        <a:font script="Armn" typeface="Arial"/>
+        <a:font script="Bugi" typeface="Leelawadee UI"/>
+        <a:font script="Bopo" typeface="Microsoft JhengHei"/>
+        <a:font script="Java" typeface="Javanese Text"/>
+        <a:font script="Lisu" typeface="Segoe UI"/>
+        <a:font script="Mymr" typeface="Myanmar Text"/>
+        <a:font script="Nkoo" typeface="Ebrima"/>
+        <a:font script="Olck" typeface="Nirmala UI"/>
+        <a:font script="Osma" typeface="Ebrima"/>
+        <a:font script="Phag" typeface="Phagspa"/>
+        <a:font script="Syrn" typeface="Estrangelo Edessa"/>
+        <a:font script="Syrj" typeface="Estrangelo Edessa"/>
+        <a:font script="Syre" typeface="Estrangelo Edessa"/>
+        <a:font script="Sora" typeface="Nirmala UI"/>
+        <a:font script="Tale" typeface="Microsoft Tai Le"/>
+        <a:font script="Talu" typeface="Microsoft New Tai Lue"/>
+        <a:font script="Tfng" typeface="Ebrima"/>
+      </a:minorFont>
+    </a:fontScheme>
+    <a:fmtScheme name="Office">
+      <a:fillStyleLst>
+        <a:solidFill>
+          <a:schemeClr val="phClr"/>
+        </a:solidFill>
+        <a:gradFill rotWithShape="1">
+          <a:gsLst>
+            <a:gs pos="0">
+              <a:schemeClr val="phClr">
+                <a:lumMod val="110000"/>
+                <a:satMod val="105000"/>
+                <a:tint val="67000"/>
+              </a:schemeClr>
+            </a:gs>
+            <a:gs pos="50000">
+              <a:schemeClr val="phClr">
+                <a:lumMod val="105000"/>
+                <a:satMod val="103000"/>
+                <a:tint val="73000"/>
+              </a:schemeClr>
+            </a:gs>
+            <a:gs pos="100000">
+              <a:schemeClr val="phClr">
+                <a:lumMod val="105000"/>
+                <a:satMod val="109000"/>
+                <a:tint val="81000"/>
+              </a:schemeClr>
+            </a:gs>
+          </a:gsLst>
+          <a:lin ang="5400000" scaled="0"/>
+        </a:gradFill>
+        <a:gradFill rotWithShape="1">
+          <a:gsLst>
+            <a:gs pos="0">
+              <a:schemeClr val="phClr">
+                <a:satMod val="103000"/>
+                <a:lumMod val="102000"/>
+                <a:tint val="94000"/>
+              </a:schemeClr>
+            </a:gs>
+            <a:gs pos="50000">
+              <a:schemeClr val="phClr">
+                <a:satMod val="110000"/>
+                <a:lumMod val="100000"/>
+                <a:shade val="100000"/>
+              </a:schemeClr>
+            </a:gs>
+            <a:gs pos="100000">
+              <a:schemeClr val="phClr">
+                <a:lumMod val="99000"/>
+                <a:satMod val="120000"/>
+                <a:shade val="78000"/>
+              </a:schemeClr>
+            </a:gs>
+          </a:gsLst>
+          <a:lin ang="5400000" scaled="0"/>
+        </a:gradFill>
+      </a:fillStyleLst>
+      <a:lnStyleLst>
+        <a:ln w="6350" cap="flat" cmpd="sng" algn="ctr">
+          <a:solidFill>
+            <a:schemeClr val="phClr"/>
+          </a:solidFill>
+          <a:prstDash val="solid"/>
+          <a:miter lim="800000"/>
+        </a:ln>
+        <a:ln w="12700" cap="flat" cmpd="sng" algn="ctr">
+          <a:solidFill>
+            <a:schemeClr val="phClr"/>
+          </a:solidFill>
+          <a:prstDash val="solid"/>
+          <a:miter lim="800000"/>
+        </a:ln>
+        <a:ln w="19050" cap="flat" cmpd="sng" algn="ctr">
+          <a:solidFill>
+            <a:schemeClr val="phClr"/>
+          </a:solidFill>
+          <a:prstDash val="solid"/>
+          <a:miter lim="800000"/>
+        </a:ln>
+      </a:lnStyleLst>
+      <a:effectStyleLst>
+        <a:effectStyle>
+          <a:effectLst/>
+        </a:effectStyle>
+        <a:effectStyle>
+          <a:effectLst/>
+        </a:effectStyle>
+        <a:effectStyle>
+          <a:effectLst>
+            <a:outerShdw blurRad="57150" dist="19050" dir="5400000" algn="ctr" rotWithShape="0">
+              <a:srgbClr val="000000">
+                <a:alpha val="63000"/>
+              </a:srgbClr>
+            </a:outerShdw>
+          </a:effectLst>
+        </a:effectStyle>
+      </a:effectStyleLst>
+      <a:bgFillStyleLst>
+        <a:solidFill>
+          <a:schemeClr val="phClr"/>
+        </a:solidFill>
+        <a:solidFill>
+          <a:schemeClr val="phClr">
+            <a:tint val="95000"/>
+            <a:satMod val="170000"/>
+          </a:schemeClr>
+        </a:solidFill>
+        <a:gradFill rotWithShape="1">
+          <a:gsLst>
+            <a:gs pos="0">
+              <a:schemeClr val="phClr">
+                <a:tint val="93000"/>
+                <a:satMod val="150000"/>
+                <a:shade val="98000"/>
+                <a:lumMod val="102000"/>
+              </a:schemeClr>
+            </a:gs>
+            <a:gs pos="50000">
+              <a:schemeClr val="phClr">
+                <a:tint val="98000"/>
+                <a:satMod val="130000"/>
+                <a:shade val="90000"/>
+                <a:lumMod val="103000"/>
+              </a:schemeClr>
+            </a:gs>
+            <a:gs pos="100000">
+              <a:schemeClr val="phClr">
+                <a:shade val="63000"/>
+                <a:satMod val="120000"/>
+              </a:schemeClr>
+            </a:gs>
+          </a:gsLst>
+          <a:lin ang="5400000" scaled="0"/>
+        </a:gradFill>
+      </a:bgFillStyleLst>
+    </a:fmtScheme>
+  </a:themeElements>
+  <a:objectDefaults/>
+  <a:extraClrSchemeLst/>
+  <a:extLst>
+    <a:ext uri="{05A4C25C-085E-4340-85A3-A5531E510DB2}">
+      <thm15:themeFamily xmlns:thm15="http://schemas.microsoft.com/office/thememl/2012/main" name="Office Theme" id="{62F939B6-93AF-4DB8-9C6B-D6C7DFDC589F}" vid="{4A3C46E8-61CC-4603-A589-7422A47A8E4A}"/>
+    </a:ext>
+  </a:extLst>
+</a:theme>
 </file>